--- a/docs/hdd_MOTOR_v1.1.pptx
+++ b/docs/hdd_MOTOR_v1.1.pptx
@@ -6,6 +6,7 @@
   </p:sldMasterIdLst>
   <p:sldIdLst>
     <p:sldId id="256" r:id="rId2"/>
+    <p:sldId id="257" r:id="rId3"/>
   </p:sldIdLst>
   <p:sldSz cx="9144000" cy="6858000" type="screen4x3"/>
   <p:notesSz cx="6858000" cy="9144000"/>
@@ -288,7 +289,7 @@
           <a:p>
             <a:fld id="{DB40BD3D-5389-42A0-B9AC-45FA07734019}" type="datetimeFigureOut">
               <a:rPr lang="en-US" smtClean="0"/>
-              <a:t>2/18/2016</a:t>
+              <a:t>3/2/2016</a:t>
             </a:fld>
             <a:endParaRPr lang="en-US"/>
           </a:p>
@@ -458,7 +459,7 @@
           <a:p>
             <a:fld id="{DB40BD3D-5389-42A0-B9AC-45FA07734019}" type="datetimeFigureOut">
               <a:rPr lang="en-US" smtClean="0"/>
-              <a:t>2/18/2016</a:t>
+              <a:t>3/2/2016</a:t>
             </a:fld>
             <a:endParaRPr lang="en-US"/>
           </a:p>
@@ -638,7 +639,7 @@
           <a:p>
             <a:fld id="{DB40BD3D-5389-42A0-B9AC-45FA07734019}" type="datetimeFigureOut">
               <a:rPr lang="en-US" smtClean="0"/>
-              <a:t>2/18/2016</a:t>
+              <a:t>3/2/2016</a:t>
             </a:fld>
             <a:endParaRPr lang="en-US"/>
           </a:p>
@@ -808,7 +809,7 @@
           <a:p>
             <a:fld id="{DB40BD3D-5389-42A0-B9AC-45FA07734019}" type="datetimeFigureOut">
               <a:rPr lang="en-US" smtClean="0"/>
-              <a:t>2/18/2016</a:t>
+              <a:t>3/2/2016</a:t>
             </a:fld>
             <a:endParaRPr lang="en-US"/>
           </a:p>
@@ -1054,7 +1055,7 @@
           <a:p>
             <a:fld id="{DB40BD3D-5389-42A0-B9AC-45FA07734019}" type="datetimeFigureOut">
               <a:rPr lang="en-US" smtClean="0"/>
-              <a:t>2/18/2016</a:t>
+              <a:t>3/2/2016</a:t>
             </a:fld>
             <a:endParaRPr lang="en-US"/>
           </a:p>
@@ -1342,7 +1343,7 @@
           <a:p>
             <a:fld id="{DB40BD3D-5389-42A0-B9AC-45FA07734019}" type="datetimeFigureOut">
               <a:rPr lang="en-US" smtClean="0"/>
-              <a:t>2/18/2016</a:t>
+              <a:t>3/2/2016</a:t>
             </a:fld>
             <a:endParaRPr lang="en-US"/>
           </a:p>
@@ -1764,7 +1765,7 @@
           <a:p>
             <a:fld id="{DB40BD3D-5389-42A0-B9AC-45FA07734019}" type="datetimeFigureOut">
               <a:rPr lang="en-US" smtClean="0"/>
-              <a:t>2/18/2016</a:t>
+              <a:t>3/2/2016</a:t>
             </a:fld>
             <a:endParaRPr lang="en-US"/>
           </a:p>
@@ -1882,7 +1883,7 @@
           <a:p>
             <a:fld id="{DB40BD3D-5389-42A0-B9AC-45FA07734019}" type="datetimeFigureOut">
               <a:rPr lang="en-US" smtClean="0"/>
-              <a:t>2/18/2016</a:t>
+              <a:t>3/2/2016</a:t>
             </a:fld>
             <a:endParaRPr lang="en-US"/>
           </a:p>
@@ -1977,7 +1978,7 @@
           <a:p>
             <a:fld id="{DB40BD3D-5389-42A0-B9AC-45FA07734019}" type="datetimeFigureOut">
               <a:rPr lang="en-US" smtClean="0"/>
-              <a:t>2/18/2016</a:t>
+              <a:t>3/2/2016</a:t>
             </a:fld>
             <a:endParaRPr lang="en-US"/>
           </a:p>
@@ -2254,7 +2255,7 @@
           <a:p>
             <a:fld id="{DB40BD3D-5389-42A0-B9AC-45FA07734019}" type="datetimeFigureOut">
               <a:rPr lang="en-US" smtClean="0"/>
-              <a:t>2/18/2016</a:t>
+              <a:t>3/2/2016</a:t>
             </a:fld>
             <a:endParaRPr lang="en-US"/>
           </a:p>
@@ -2507,7 +2508,7 @@
           <a:p>
             <a:fld id="{DB40BD3D-5389-42A0-B9AC-45FA07734019}" type="datetimeFigureOut">
               <a:rPr lang="en-US" smtClean="0"/>
-              <a:t>2/18/2016</a:t>
+              <a:t>3/2/2016</a:t>
             </a:fld>
             <a:endParaRPr lang="en-US"/>
           </a:p>
@@ -2720,7 +2721,7 @@
           <a:p>
             <a:fld id="{DB40BD3D-5389-42A0-B9AC-45FA07734019}" type="datetimeFigureOut">
               <a:rPr lang="en-US" smtClean="0"/>
-              <a:t>2/18/2016</a:t>
+              <a:t>3/2/2016</a:t>
             </a:fld>
             <a:endParaRPr lang="en-US"/>
           </a:p>
@@ -8195,6 +8196,5049 @@
 </p:sld>
 </file>
 
+<file path=ppt/slides/slide2.xml><?xml version="1.0" encoding="utf-8"?>
+<p:sld xmlns:a="http://schemas.openxmlformats.org/drawingml/2006/main" xmlns:r="http://schemas.openxmlformats.org/officeDocument/2006/relationships" xmlns:p="http://schemas.openxmlformats.org/presentationml/2006/main">
+  <p:cSld>
+    <p:spTree>
+      <p:nvGrpSpPr>
+        <p:cNvPr id="1" name=""/>
+        <p:cNvGrpSpPr/>
+        <p:nvPr/>
+      </p:nvGrpSpPr>
+      <p:grpSpPr>
+        <a:xfrm>
+          <a:off x="0" y="0"/>
+          <a:ext cx="0" cy="0"/>
+          <a:chOff x="0" y="0"/>
+          <a:chExt cx="0" cy="0"/>
+        </a:xfrm>
+      </p:grpSpPr>
+      <p:pic>
+        <p:nvPicPr>
+          <p:cNvPr id="52" name="Picture 3"/>
+          <p:cNvPicPr>
+            <a:picLocks noChangeAspect="1" noChangeArrowheads="1"/>
+          </p:cNvPicPr>
+          <p:nvPr/>
+        </p:nvPicPr>
+        <p:blipFill>
+          <a:blip r:embed="rId2">
+            <a:extLst>
+              <a:ext uri="{28A0092B-C50C-407E-A947-70E740481C1C}">
+                <a14:useLocalDpi xmlns:a14="http://schemas.microsoft.com/office/drawing/2010/main" val="0"/>
+              </a:ext>
+            </a:extLst>
+          </a:blip>
+          <a:srcRect/>
+          <a:stretch>
+            <a:fillRect/>
+          </a:stretch>
+        </p:blipFill>
+        <p:spPr bwMode="auto">
+          <a:xfrm>
+            <a:off x="4206239" y="752371"/>
+            <a:ext cx="3968510" cy="4824937"/>
+          </a:xfrm>
+          <a:prstGeom prst="rect">
+            <a:avLst/>
+          </a:prstGeom>
+          <a:noFill/>
+          <a:ln>
+            <a:noFill/>
+          </a:ln>
+          <a:extLst>
+            <a:ext uri="{909E8E84-426E-40DD-AFC4-6F175D3DCCD1}">
+              <a14:hiddenFill xmlns:a14="http://schemas.microsoft.com/office/drawing/2010/main">
+                <a:solidFill>
+                  <a:schemeClr val="accent1"/>
+                </a:solidFill>
+              </a14:hiddenFill>
+            </a:ext>
+            <a:ext uri="{91240B29-F687-4F45-9708-019B960494DF}">
+              <a14:hiddenLine xmlns:a14="http://schemas.microsoft.com/office/drawing/2010/main" w="9525">
+                <a:solidFill>
+                  <a:schemeClr val="tx1"/>
+                </a:solidFill>
+                <a:miter lim="800000"/>
+                <a:headEnd/>
+                <a:tailEnd/>
+              </a14:hiddenLine>
+            </a:ext>
+          </a:extLst>
+        </p:spPr>
+      </p:pic>
+      <p:sp>
+        <p:nvSpPr>
+          <p:cNvPr id="2" name="Title 1"/>
+          <p:cNvSpPr>
+            <a:spLocks noGrp="1"/>
+          </p:cNvSpPr>
+          <p:nvPr>
+            <p:ph type="ctrTitle"/>
+          </p:nvPr>
+        </p:nvSpPr>
+        <p:spPr>
+          <a:xfrm>
+            <a:off x="251520" y="44624"/>
+            <a:ext cx="7990656" cy="792088"/>
+          </a:xfrm>
+        </p:spPr>
+        <p:txBody>
+          <a:bodyPr>
+            <a:normAutofit fontScale="90000"/>
+          </a:bodyPr>
+          <a:lstStyle/>
+          <a:p>
+            <a:pPr algn="l"/>
+            <a:r>
+              <a:rPr lang="en-US" sz="3600" dirty="0" smtClean="0"/>
+              <a:t>Jumper Config </a:t>
+            </a:r>
+            <a:r>
+              <a:rPr lang="en-US" sz="3600" dirty="0" smtClean="0"/>
+              <a:t>v1.1</a:t>
+            </a:r>
+            <a:r>
+              <a:rPr lang="en-US" dirty="0" smtClean="0"/>
+              <a:t/>
+            </a:r>
+            <a:br>
+              <a:rPr lang="en-US" dirty="0" smtClean="0"/>
+            </a:br>
+            <a:r>
+              <a:rPr lang="en-US" sz="2200" dirty="0" smtClean="0">
+                <a:solidFill>
+                  <a:schemeClr val="bg1">
+                    <a:lumMod val="50000"/>
+                  </a:schemeClr>
+                </a:solidFill>
+              </a:rPr>
+              <a:t>Motor DIP</a:t>
+            </a:r>
+            <a:endParaRPr lang="en-US" sz="4000" dirty="0">
+              <a:solidFill>
+                <a:schemeClr val="bg1">
+                  <a:lumMod val="50000"/>
+                </a:schemeClr>
+              </a:solidFill>
+            </a:endParaRPr>
+          </a:p>
+        </p:txBody>
+      </p:sp>
+      <p:sp>
+        <p:nvSpPr>
+          <p:cNvPr id="3" name="Subtitle 2"/>
+          <p:cNvSpPr>
+            <a:spLocks noGrp="1"/>
+          </p:cNvSpPr>
+          <p:nvPr>
+            <p:ph type="subTitle" idx="1"/>
+          </p:nvPr>
+        </p:nvSpPr>
+        <p:spPr>
+          <a:xfrm>
+            <a:off x="4499992" y="322120"/>
+            <a:ext cx="752128" cy="334888"/>
+          </a:xfrm>
+        </p:spPr>
+        <p:txBody>
+          <a:bodyPr>
+            <a:noAutofit/>
+          </a:bodyPr>
+          <a:lstStyle/>
+          <a:p>
+            <a:pPr algn="l"/>
+            <a:r>
+              <a:rPr lang="en-US" sz="1700" b="1" dirty="0" smtClean="0">
+                <a:solidFill>
+                  <a:schemeClr val="tx1">
+                    <a:lumMod val="65000"/>
+                    <a:lumOff val="35000"/>
+                  </a:schemeClr>
+                </a:solidFill>
+              </a:rPr>
+              <a:t>Vin</a:t>
+            </a:r>
+            <a:endParaRPr lang="en-US" sz="1700" b="1" dirty="0">
+              <a:solidFill>
+                <a:schemeClr val="tx1">
+                  <a:lumMod val="65000"/>
+                  <a:lumOff val="35000"/>
+                </a:schemeClr>
+              </a:solidFill>
+            </a:endParaRPr>
+          </a:p>
+        </p:txBody>
+      </p:sp>
+      <p:sp>
+        <p:nvSpPr>
+          <p:cNvPr id="7" name="Subtitle 2"/>
+          <p:cNvSpPr txBox="1">
+            <a:spLocks/>
+          </p:cNvSpPr>
+          <p:nvPr/>
+        </p:nvSpPr>
+        <p:spPr>
+          <a:xfrm>
+            <a:off x="7164288" y="368976"/>
+            <a:ext cx="608112" cy="334888"/>
+          </a:xfrm>
+          <a:prstGeom prst="rect">
+            <a:avLst/>
+          </a:prstGeom>
+        </p:spPr>
+        <p:txBody>
+          <a:bodyPr vert="horz" lIns="91440" tIns="45720" rIns="91440" bIns="45720" rtlCol="0">
+            <a:normAutofit fontScale="92500" lnSpcReduction="10000"/>
+          </a:bodyPr>
+          <a:lstStyle>
+            <a:lvl1pPr marL="0" indent="0" algn="ctr" defTabSz="914400" rtl="0" eaLnBrk="1" latinLnBrk="0" hangingPunct="1">
+              <a:spcBef>
+                <a:spcPct val="20000"/>
+              </a:spcBef>
+              <a:buFont typeface="Arial" panose="020B0604020202020204" pitchFamily="34" charset="0"/>
+              <a:buNone/>
+              <a:defRPr sz="3200" kern="1200">
+                <a:solidFill>
+                  <a:schemeClr val="tx1">
+                    <a:tint val="75000"/>
+                  </a:schemeClr>
+                </a:solidFill>
+                <a:latin typeface="+mn-lt"/>
+                <a:ea typeface="+mn-ea"/>
+                <a:cs typeface="+mn-cs"/>
+              </a:defRPr>
+            </a:lvl1pPr>
+            <a:lvl2pPr marL="457200" indent="0" algn="ctr" defTabSz="914400" rtl="0" eaLnBrk="1" latinLnBrk="0" hangingPunct="1">
+              <a:spcBef>
+                <a:spcPct val="20000"/>
+              </a:spcBef>
+              <a:buFont typeface="Arial" panose="020B0604020202020204" pitchFamily="34" charset="0"/>
+              <a:buNone/>
+              <a:defRPr sz="2800" kern="1200">
+                <a:solidFill>
+                  <a:schemeClr val="tx1">
+                    <a:tint val="75000"/>
+                  </a:schemeClr>
+                </a:solidFill>
+                <a:latin typeface="+mn-lt"/>
+                <a:ea typeface="+mn-ea"/>
+                <a:cs typeface="+mn-cs"/>
+              </a:defRPr>
+            </a:lvl2pPr>
+            <a:lvl3pPr marL="914400" indent="0" algn="ctr" defTabSz="914400" rtl="0" eaLnBrk="1" latinLnBrk="0" hangingPunct="1">
+              <a:spcBef>
+                <a:spcPct val="20000"/>
+              </a:spcBef>
+              <a:buFont typeface="Arial" panose="020B0604020202020204" pitchFamily="34" charset="0"/>
+              <a:buNone/>
+              <a:defRPr sz="2400" kern="1200">
+                <a:solidFill>
+                  <a:schemeClr val="tx1">
+                    <a:tint val="75000"/>
+                  </a:schemeClr>
+                </a:solidFill>
+                <a:latin typeface="+mn-lt"/>
+                <a:ea typeface="+mn-ea"/>
+                <a:cs typeface="+mn-cs"/>
+              </a:defRPr>
+            </a:lvl3pPr>
+            <a:lvl4pPr marL="1371600" indent="0" algn="ctr" defTabSz="914400" rtl="0" eaLnBrk="1" latinLnBrk="0" hangingPunct="1">
+              <a:spcBef>
+                <a:spcPct val="20000"/>
+              </a:spcBef>
+              <a:buFont typeface="Arial" panose="020B0604020202020204" pitchFamily="34" charset="0"/>
+              <a:buNone/>
+              <a:defRPr sz="2000" kern="1200">
+                <a:solidFill>
+                  <a:schemeClr val="tx1">
+                    <a:tint val="75000"/>
+                  </a:schemeClr>
+                </a:solidFill>
+                <a:latin typeface="+mn-lt"/>
+                <a:ea typeface="+mn-ea"/>
+                <a:cs typeface="+mn-cs"/>
+              </a:defRPr>
+            </a:lvl4pPr>
+            <a:lvl5pPr marL="1828800" indent="0" algn="ctr" defTabSz="914400" rtl="0" eaLnBrk="1" latinLnBrk="0" hangingPunct="1">
+              <a:spcBef>
+                <a:spcPct val="20000"/>
+              </a:spcBef>
+              <a:buFont typeface="Arial" panose="020B0604020202020204" pitchFamily="34" charset="0"/>
+              <a:buNone/>
+              <a:defRPr sz="2000" kern="1200">
+                <a:solidFill>
+                  <a:schemeClr val="tx1">
+                    <a:tint val="75000"/>
+                  </a:schemeClr>
+                </a:solidFill>
+                <a:latin typeface="+mn-lt"/>
+                <a:ea typeface="+mn-ea"/>
+                <a:cs typeface="+mn-cs"/>
+              </a:defRPr>
+            </a:lvl5pPr>
+            <a:lvl6pPr marL="2286000" indent="0" algn="ctr" defTabSz="914400" rtl="0" eaLnBrk="1" latinLnBrk="0" hangingPunct="1">
+              <a:spcBef>
+                <a:spcPct val="20000"/>
+              </a:spcBef>
+              <a:buFont typeface="Arial" panose="020B0604020202020204" pitchFamily="34" charset="0"/>
+              <a:buNone/>
+              <a:defRPr sz="2000" kern="1200">
+                <a:solidFill>
+                  <a:schemeClr val="tx1">
+                    <a:tint val="75000"/>
+                  </a:schemeClr>
+                </a:solidFill>
+                <a:latin typeface="+mn-lt"/>
+                <a:ea typeface="+mn-ea"/>
+                <a:cs typeface="+mn-cs"/>
+              </a:defRPr>
+            </a:lvl6pPr>
+            <a:lvl7pPr marL="2743200" indent="0" algn="ctr" defTabSz="914400" rtl="0" eaLnBrk="1" latinLnBrk="0" hangingPunct="1">
+              <a:spcBef>
+                <a:spcPct val="20000"/>
+              </a:spcBef>
+              <a:buFont typeface="Arial" panose="020B0604020202020204" pitchFamily="34" charset="0"/>
+              <a:buNone/>
+              <a:defRPr sz="2000" kern="1200">
+                <a:solidFill>
+                  <a:schemeClr val="tx1">
+                    <a:tint val="75000"/>
+                  </a:schemeClr>
+                </a:solidFill>
+                <a:latin typeface="+mn-lt"/>
+                <a:ea typeface="+mn-ea"/>
+                <a:cs typeface="+mn-cs"/>
+              </a:defRPr>
+            </a:lvl7pPr>
+            <a:lvl8pPr marL="3200400" indent="0" algn="ctr" defTabSz="914400" rtl="0" eaLnBrk="1" latinLnBrk="0" hangingPunct="1">
+              <a:spcBef>
+                <a:spcPct val="20000"/>
+              </a:spcBef>
+              <a:buFont typeface="Arial" panose="020B0604020202020204" pitchFamily="34" charset="0"/>
+              <a:buNone/>
+              <a:defRPr sz="2000" kern="1200">
+                <a:solidFill>
+                  <a:schemeClr val="tx1">
+                    <a:tint val="75000"/>
+                  </a:schemeClr>
+                </a:solidFill>
+                <a:latin typeface="+mn-lt"/>
+                <a:ea typeface="+mn-ea"/>
+                <a:cs typeface="+mn-cs"/>
+              </a:defRPr>
+            </a:lvl8pPr>
+            <a:lvl9pPr marL="3657600" indent="0" algn="ctr" defTabSz="914400" rtl="0" eaLnBrk="1" latinLnBrk="0" hangingPunct="1">
+              <a:spcBef>
+                <a:spcPct val="20000"/>
+              </a:spcBef>
+              <a:buFont typeface="Arial" panose="020B0604020202020204" pitchFamily="34" charset="0"/>
+              <a:buNone/>
+              <a:defRPr sz="2000" kern="1200">
+                <a:solidFill>
+                  <a:schemeClr val="tx1">
+                    <a:tint val="75000"/>
+                  </a:schemeClr>
+                </a:solidFill>
+                <a:latin typeface="+mn-lt"/>
+                <a:ea typeface="+mn-ea"/>
+                <a:cs typeface="+mn-cs"/>
+              </a:defRPr>
+            </a:lvl9pPr>
+          </a:lstStyle>
+          <a:p>
+            <a:pPr algn="l"/>
+            <a:r>
+              <a:rPr lang="en-US" sz="1800" b="1" dirty="0" smtClean="0">
+                <a:solidFill>
+                  <a:schemeClr val="tx1">
+                    <a:lumMod val="65000"/>
+                    <a:lumOff val="35000"/>
+                  </a:schemeClr>
+                </a:solidFill>
+              </a:rPr>
+              <a:t>GND</a:t>
+            </a:r>
+            <a:endParaRPr lang="en-US" sz="1800" b="1" dirty="0">
+              <a:solidFill>
+                <a:schemeClr val="tx1">
+                  <a:lumMod val="65000"/>
+                  <a:lumOff val="35000"/>
+                </a:schemeClr>
+              </a:solidFill>
+            </a:endParaRPr>
+          </a:p>
+        </p:txBody>
+      </p:sp>
+      <p:sp>
+        <p:nvSpPr>
+          <p:cNvPr id="8" name="Down Arrow 7"/>
+          <p:cNvSpPr/>
+          <p:nvPr/>
+        </p:nvSpPr>
+        <p:spPr>
+          <a:xfrm rot="19875461">
+            <a:off x="4716016" y="629651"/>
+            <a:ext cx="288032" cy="288032"/>
+          </a:xfrm>
+          <a:prstGeom prst="downArrow">
+            <a:avLst/>
+          </a:prstGeom>
+        </p:spPr>
+        <p:style>
+          <a:lnRef idx="2">
+            <a:schemeClr val="accent6">
+              <a:shade val="50000"/>
+            </a:schemeClr>
+          </a:lnRef>
+          <a:fillRef idx="1">
+            <a:schemeClr val="accent6"/>
+          </a:fillRef>
+          <a:effectRef idx="0">
+            <a:schemeClr val="accent6"/>
+          </a:effectRef>
+          <a:fontRef idx="minor">
+            <a:schemeClr val="lt1"/>
+          </a:fontRef>
+        </p:style>
+        <p:txBody>
+          <a:bodyPr rtlCol="0" anchor="ctr"/>
+          <a:lstStyle/>
+          <a:p>
+            <a:pPr algn="ctr"/>
+            <a:endParaRPr lang="en-US"/>
+          </a:p>
+        </p:txBody>
+      </p:sp>
+      <p:sp>
+        <p:nvSpPr>
+          <p:cNvPr id="10" name="Down Arrow 9"/>
+          <p:cNvSpPr/>
+          <p:nvPr/>
+        </p:nvSpPr>
+        <p:spPr>
+          <a:xfrm rot="1048830">
+            <a:off x="7343703" y="644552"/>
+            <a:ext cx="288032" cy="288032"/>
+          </a:xfrm>
+          <a:prstGeom prst="downArrow">
+            <a:avLst/>
+          </a:prstGeom>
+        </p:spPr>
+        <p:style>
+          <a:lnRef idx="2">
+            <a:schemeClr val="accent6">
+              <a:shade val="50000"/>
+            </a:schemeClr>
+          </a:lnRef>
+          <a:fillRef idx="1">
+            <a:schemeClr val="accent6"/>
+          </a:fillRef>
+          <a:effectRef idx="0">
+            <a:schemeClr val="accent6"/>
+          </a:effectRef>
+          <a:fontRef idx="minor">
+            <a:schemeClr val="lt1"/>
+          </a:fontRef>
+        </p:style>
+        <p:txBody>
+          <a:bodyPr rtlCol="0" anchor="ctr"/>
+          <a:lstStyle/>
+          <a:p>
+            <a:pPr algn="ctr"/>
+            <a:endParaRPr lang="en-US"/>
+          </a:p>
+        </p:txBody>
+      </p:sp>
+      <p:sp>
+        <p:nvSpPr>
+          <p:cNvPr id="11" name="Subtitle 2"/>
+          <p:cNvSpPr txBox="1">
+            <a:spLocks/>
+          </p:cNvSpPr>
+          <p:nvPr/>
+        </p:nvSpPr>
+        <p:spPr>
+          <a:xfrm>
+            <a:off x="4401910" y="5769576"/>
+            <a:ext cx="752128" cy="334888"/>
+          </a:xfrm>
+          <a:prstGeom prst="rect">
+            <a:avLst/>
+          </a:prstGeom>
+        </p:spPr>
+        <p:txBody>
+          <a:bodyPr vert="horz" lIns="91440" tIns="45720" rIns="91440" bIns="45720" rtlCol="0">
+            <a:noAutofit/>
+          </a:bodyPr>
+          <a:lstStyle>
+            <a:lvl1pPr marL="0" indent="0" algn="ctr" defTabSz="914400" rtl="0" eaLnBrk="1" latinLnBrk="0" hangingPunct="1">
+              <a:spcBef>
+                <a:spcPct val="20000"/>
+              </a:spcBef>
+              <a:buFont typeface="Arial" panose="020B0604020202020204" pitchFamily="34" charset="0"/>
+              <a:buNone/>
+              <a:defRPr sz="3200" kern="1200">
+                <a:solidFill>
+                  <a:schemeClr val="tx1">
+                    <a:tint val="75000"/>
+                  </a:schemeClr>
+                </a:solidFill>
+                <a:latin typeface="+mn-lt"/>
+                <a:ea typeface="+mn-ea"/>
+                <a:cs typeface="+mn-cs"/>
+              </a:defRPr>
+            </a:lvl1pPr>
+            <a:lvl2pPr marL="457200" indent="0" algn="ctr" defTabSz="914400" rtl="0" eaLnBrk="1" latinLnBrk="0" hangingPunct="1">
+              <a:spcBef>
+                <a:spcPct val="20000"/>
+              </a:spcBef>
+              <a:buFont typeface="Arial" panose="020B0604020202020204" pitchFamily="34" charset="0"/>
+              <a:buNone/>
+              <a:defRPr sz="2800" kern="1200">
+                <a:solidFill>
+                  <a:schemeClr val="tx1">
+                    <a:tint val="75000"/>
+                  </a:schemeClr>
+                </a:solidFill>
+                <a:latin typeface="+mn-lt"/>
+                <a:ea typeface="+mn-ea"/>
+                <a:cs typeface="+mn-cs"/>
+              </a:defRPr>
+            </a:lvl2pPr>
+            <a:lvl3pPr marL="914400" indent="0" algn="ctr" defTabSz="914400" rtl="0" eaLnBrk="1" latinLnBrk="0" hangingPunct="1">
+              <a:spcBef>
+                <a:spcPct val="20000"/>
+              </a:spcBef>
+              <a:buFont typeface="Arial" panose="020B0604020202020204" pitchFamily="34" charset="0"/>
+              <a:buNone/>
+              <a:defRPr sz="2400" kern="1200">
+                <a:solidFill>
+                  <a:schemeClr val="tx1">
+                    <a:tint val="75000"/>
+                  </a:schemeClr>
+                </a:solidFill>
+                <a:latin typeface="+mn-lt"/>
+                <a:ea typeface="+mn-ea"/>
+                <a:cs typeface="+mn-cs"/>
+              </a:defRPr>
+            </a:lvl3pPr>
+            <a:lvl4pPr marL="1371600" indent="0" algn="ctr" defTabSz="914400" rtl="0" eaLnBrk="1" latinLnBrk="0" hangingPunct="1">
+              <a:spcBef>
+                <a:spcPct val="20000"/>
+              </a:spcBef>
+              <a:buFont typeface="Arial" panose="020B0604020202020204" pitchFamily="34" charset="0"/>
+              <a:buNone/>
+              <a:defRPr sz="2000" kern="1200">
+                <a:solidFill>
+                  <a:schemeClr val="tx1">
+                    <a:tint val="75000"/>
+                  </a:schemeClr>
+                </a:solidFill>
+                <a:latin typeface="+mn-lt"/>
+                <a:ea typeface="+mn-ea"/>
+                <a:cs typeface="+mn-cs"/>
+              </a:defRPr>
+            </a:lvl4pPr>
+            <a:lvl5pPr marL="1828800" indent="0" algn="ctr" defTabSz="914400" rtl="0" eaLnBrk="1" latinLnBrk="0" hangingPunct="1">
+              <a:spcBef>
+                <a:spcPct val="20000"/>
+              </a:spcBef>
+              <a:buFont typeface="Arial" panose="020B0604020202020204" pitchFamily="34" charset="0"/>
+              <a:buNone/>
+              <a:defRPr sz="2000" kern="1200">
+                <a:solidFill>
+                  <a:schemeClr val="tx1">
+                    <a:tint val="75000"/>
+                  </a:schemeClr>
+                </a:solidFill>
+                <a:latin typeface="+mn-lt"/>
+                <a:ea typeface="+mn-ea"/>
+                <a:cs typeface="+mn-cs"/>
+              </a:defRPr>
+            </a:lvl5pPr>
+            <a:lvl6pPr marL="2286000" indent="0" algn="ctr" defTabSz="914400" rtl="0" eaLnBrk="1" latinLnBrk="0" hangingPunct="1">
+              <a:spcBef>
+                <a:spcPct val="20000"/>
+              </a:spcBef>
+              <a:buFont typeface="Arial" panose="020B0604020202020204" pitchFamily="34" charset="0"/>
+              <a:buNone/>
+              <a:defRPr sz="2000" kern="1200">
+                <a:solidFill>
+                  <a:schemeClr val="tx1">
+                    <a:tint val="75000"/>
+                  </a:schemeClr>
+                </a:solidFill>
+                <a:latin typeface="+mn-lt"/>
+                <a:ea typeface="+mn-ea"/>
+                <a:cs typeface="+mn-cs"/>
+              </a:defRPr>
+            </a:lvl6pPr>
+            <a:lvl7pPr marL="2743200" indent="0" algn="ctr" defTabSz="914400" rtl="0" eaLnBrk="1" latinLnBrk="0" hangingPunct="1">
+              <a:spcBef>
+                <a:spcPct val="20000"/>
+              </a:spcBef>
+              <a:buFont typeface="Arial" panose="020B0604020202020204" pitchFamily="34" charset="0"/>
+              <a:buNone/>
+              <a:defRPr sz="2000" kern="1200">
+                <a:solidFill>
+                  <a:schemeClr val="tx1">
+                    <a:tint val="75000"/>
+                  </a:schemeClr>
+                </a:solidFill>
+                <a:latin typeface="+mn-lt"/>
+                <a:ea typeface="+mn-ea"/>
+                <a:cs typeface="+mn-cs"/>
+              </a:defRPr>
+            </a:lvl7pPr>
+            <a:lvl8pPr marL="3200400" indent="0" algn="ctr" defTabSz="914400" rtl="0" eaLnBrk="1" latinLnBrk="0" hangingPunct="1">
+              <a:spcBef>
+                <a:spcPct val="20000"/>
+              </a:spcBef>
+              <a:buFont typeface="Arial" panose="020B0604020202020204" pitchFamily="34" charset="0"/>
+              <a:buNone/>
+              <a:defRPr sz="2000" kern="1200">
+                <a:solidFill>
+                  <a:schemeClr val="tx1">
+                    <a:tint val="75000"/>
+                  </a:schemeClr>
+                </a:solidFill>
+                <a:latin typeface="+mn-lt"/>
+                <a:ea typeface="+mn-ea"/>
+                <a:cs typeface="+mn-cs"/>
+              </a:defRPr>
+            </a:lvl8pPr>
+            <a:lvl9pPr marL="3657600" indent="0" algn="ctr" defTabSz="914400" rtl="0" eaLnBrk="1" latinLnBrk="0" hangingPunct="1">
+              <a:spcBef>
+                <a:spcPct val="20000"/>
+              </a:spcBef>
+              <a:buFont typeface="Arial" panose="020B0604020202020204" pitchFamily="34" charset="0"/>
+              <a:buNone/>
+              <a:defRPr sz="2000" kern="1200">
+                <a:solidFill>
+                  <a:schemeClr val="tx1">
+                    <a:tint val="75000"/>
+                  </a:schemeClr>
+                </a:solidFill>
+                <a:latin typeface="+mn-lt"/>
+                <a:ea typeface="+mn-ea"/>
+                <a:cs typeface="+mn-cs"/>
+              </a:defRPr>
+            </a:lvl9pPr>
+          </a:lstStyle>
+          <a:p>
+            <a:pPr algn="l"/>
+            <a:r>
+              <a:rPr lang="en-US" sz="1700" b="1" dirty="0" smtClean="0">
+                <a:solidFill>
+                  <a:schemeClr val="tx1">
+                    <a:lumMod val="65000"/>
+                    <a:lumOff val="35000"/>
+                  </a:schemeClr>
+                </a:solidFill>
+              </a:rPr>
+              <a:t>VHin</a:t>
+            </a:r>
+            <a:endParaRPr lang="en-US" sz="1700" b="1" dirty="0">
+              <a:solidFill>
+                <a:schemeClr val="tx1">
+                  <a:lumMod val="65000"/>
+                  <a:lumOff val="35000"/>
+                </a:schemeClr>
+              </a:solidFill>
+            </a:endParaRPr>
+          </a:p>
+        </p:txBody>
+      </p:sp>
+      <p:sp>
+        <p:nvSpPr>
+          <p:cNvPr id="12" name="Subtitle 2"/>
+          <p:cNvSpPr txBox="1">
+            <a:spLocks/>
+          </p:cNvSpPr>
+          <p:nvPr/>
+        </p:nvSpPr>
+        <p:spPr>
+          <a:xfrm>
+            <a:off x="7204248" y="5794728"/>
+            <a:ext cx="608112" cy="334888"/>
+          </a:xfrm>
+          <a:prstGeom prst="rect">
+            <a:avLst/>
+          </a:prstGeom>
+        </p:spPr>
+        <p:txBody>
+          <a:bodyPr vert="horz" lIns="91440" tIns="45720" rIns="91440" bIns="45720" rtlCol="0">
+            <a:normAutofit fontScale="92500" lnSpcReduction="10000"/>
+          </a:bodyPr>
+          <a:lstStyle>
+            <a:lvl1pPr marL="0" indent="0" algn="ctr" defTabSz="914400" rtl="0" eaLnBrk="1" latinLnBrk="0" hangingPunct="1">
+              <a:spcBef>
+                <a:spcPct val="20000"/>
+              </a:spcBef>
+              <a:buFont typeface="Arial" panose="020B0604020202020204" pitchFamily="34" charset="0"/>
+              <a:buNone/>
+              <a:defRPr sz="3200" kern="1200">
+                <a:solidFill>
+                  <a:schemeClr val="tx1">
+                    <a:tint val="75000"/>
+                  </a:schemeClr>
+                </a:solidFill>
+                <a:latin typeface="+mn-lt"/>
+                <a:ea typeface="+mn-ea"/>
+                <a:cs typeface="+mn-cs"/>
+              </a:defRPr>
+            </a:lvl1pPr>
+            <a:lvl2pPr marL="457200" indent="0" algn="ctr" defTabSz="914400" rtl="0" eaLnBrk="1" latinLnBrk="0" hangingPunct="1">
+              <a:spcBef>
+                <a:spcPct val="20000"/>
+              </a:spcBef>
+              <a:buFont typeface="Arial" panose="020B0604020202020204" pitchFamily="34" charset="0"/>
+              <a:buNone/>
+              <a:defRPr sz="2800" kern="1200">
+                <a:solidFill>
+                  <a:schemeClr val="tx1">
+                    <a:tint val="75000"/>
+                  </a:schemeClr>
+                </a:solidFill>
+                <a:latin typeface="+mn-lt"/>
+                <a:ea typeface="+mn-ea"/>
+                <a:cs typeface="+mn-cs"/>
+              </a:defRPr>
+            </a:lvl2pPr>
+            <a:lvl3pPr marL="914400" indent="0" algn="ctr" defTabSz="914400" rtl="0" eaLnBrk="1" latinLnBrk="0" hangingPunct="1">
+              <a:spcBef>
+                <a:spcPct val="20000"/>
+              </a:spcBef>
+              <a:buFont typeface="Arial" panose="020B0604020202020204" pitchFamily="34" charset="0"/>
+              <a:buNone/>
+              <a:defRPr sz="2400" kern="1200">
+                <a:solidFill>
+                  <a:schemeClr val="tx1">
+                    <a:tint val="75000"/>
+                  </a:schemeClr>
+                </a:solidFill>
+                <a:latin typeface="+mn-lt"/>
+                <a:ea typeface="+mn-ea"/>
+                <a:cs typeface="+mn-cs"/>
+              </a:defRPr>
+            </a:lvl3pPr>
+            <a:lvl4pPr marL="1371600" indent="0" algn="ctr" defTabSz="914400" rtl="0" eaLnBrk="1" latinLnBrk="0" hangingPunct="1">
+              <a:spcBef>
+                <a:spcPct val="20000"/>
+              </a:spcBef>
+              <a:buFont typeface="Arial" panose="020B0604020202020204" pitchFamily="34" charset="0"/>
+              <a:buNone/>
+              <a:defRPr sz="2000" kern="1200">
+                <a:solidFill>
+                  <a:schemeClr val="tx1">
+                    <a:tint val="75000"/>
+                  </a:schemeClr>
+                </a:solidFill>
+                <a:latin typeface="+mn-lt"/>
+                <a:ea typeface="+mn-ea"/>
+                <a:cs typeface="+mn-cs"/>
+              </a:defRPr>
+            </a:lvl4pPr>
+            <a:lvl5pPr marL="1828800" indent="0" algn="ctr" defTabSz="914400" rtl="0" eaLnBrk="1" latinLnBrk="0" hangingPunct="1">
+              <a:spcBef>
+                <a:spcPct val="20000"/>
+              </a:spcBef>
+              <a:buFont typeface="Arial" panose="020B0604020202020204" pitchFamily="34" charset="0"/>
+              <a:buNone/>
+              <a:defRPr sz="2000" kern="1200">
+                <a:solidFill>
+                  <a:schemeClr val="tx1">
+                    <a:tint val="75000"/>
+                  </a:schemeClr>
+                </a:solidFill>
+                <a:latin typeface="+mn-lt"/>
+                <a:ea typeface="+mn-ea"/>
+                <a:cs typeface="+mn-cs"/>
+              </a:defRPr>
+            </a:lvl5pPr>
+            <a:lvl6pPr marL="2286000" indent="0" algn="ctr" defTabSz="914400" rtl="0" eaLnBrk="1" latinLnBrk="0" hangingPunct="1">
+              <a:spcBef>
+                <a:spcPct val="20000"/>
+              </a:spcBef>
+              <a:buFont typeface="Arial" panose="020B0604020202020204" pitchFamily="34" charset="0"/>
+              <a:buNone/>
+              <a:defRPr sz="2000" kern="1200">
+                <a:solidFill>
+                  <a:schemeClr val="tx1">
+                    <a:tint val="75000"/>
+                  </a:schemeClr>
+                </a:solidFill>
+                <a:latin typeface="+mn-lt"/>
+                <a:ea typeface="+mn-ea"/>
+                <a:cs typeface="+mn-cs"/>
+              </a:defRPr>
+            </a:lvl6pPr>
+            <a:lvl7pPr marL="2743200" indent="0" algn="ctr" defTabSz="914400" rtl="0" eaLnBrk="1" latinLnBrk="0" hangingPunct="1">
+              <a:spcBef>
+                <a:spcPct val="20000"/>
+              </a:spcBef>
+              <a:buFont typeface="Arial" panose="020B0604020202020204" pitchFamily="34" charset="0"/>
+              <a:buNone/>
+              <a:defRPr sz="2000" kern="1200">
+                <a:solidFill>
+                  <a:schemeClr val="tx1">
+                    <a:tint val="75000"/>
+                  </a:schemeClr>
+                </a:solidFill>
+                <a:latin typeface="+mn-lt"/>
+                <a:ea typeface="+mn-ea"/>
+                <a:cs typeface="+mn-cs"/>
+              </a:defRPr>
+            </a:lvl7pPr>
+            <a:lvl8pPr marL="3200400" indent="0" algn="ctr" defTabSz="914400" rtl="0" eaLnBrk="1" latinLnBrk="0" hangingPunct="1">
+              <a:spcBef>
+                <a:spcPct val="20000"/>
+              </a:spcBef>
+              <a:buFont typeface="Arial" panose="020B0604020202020204" pitchFamily="34" charset="0"/>
+              <a:buNone/>
+              <a:defRPr sz="2000" kern="1200">
+                <a:solidFill>
+                  <a:schemeClr val="tx1">
+                    <a:tint val="75000"/>
+                  </a:schemeClr>
+                </a:solidFill>
+                <a:latin typeface="+mn-lt"/>
+                <a:ea typeface="+mn-ea"/>
+                <a:cs typeface="+mn-cs"/>
+              </a:defRPr>
+            </a:lvl8pPr>
+            <a:lvl9pPr marL="3657600" indent="0" algn="ctr" defTabSz="914400" rtl="0" eaLnBrk="1" latinLnBrk="0" hangingPunct="1">
+              <a:spcBef>
+                <a:spcPct val="20000"/>
+              </a:spcBef>
+              <a:buFont typeface="Arial" panose="020B0604020202020204" pitchFamily="34" charset="0"/>
+              <a:buNone/>
+              <a:defRPr sz="2000" kern="1200">
+                <a:solidFill>
+                  <a:schemeClr val="tx1">
+                    <a:tint val="75000"/>
+                  </a:schemeClr>
+                </a:solidFill>
+                <a:latin typeface="+mn-lt"/>
+                <a:ea typeface="+mn-ea"/>
+                <a:cs typeface="+mn-cs"/>
+              </a:defRPr>
+            </a:lvl9pPr>
+          </a:lstStyle>
+          <a:p>
+            <a:pPr algn="l"/>
+            <a:r>
+              <a:rPr lang="en-US" sz="1800" b="1" dirty="0" smtClean="0">
+                <a:solidFill>
+                  <a:schemeClr val="tx1">
+                    <a:lumMod val="65000"/>
+                    <a:lumOff val="35000"/>
+                  </a:schemeClr>
+                </a:solidFill>
+              </a:rPr>
+              <a:t>GND</a:t>
+            </a:r>
+            <a:endParaRPr lang="en-US" sz="1800" b="1" dirty="0">
+              <a:solidFill>
+                <a:schemeClr val="tx1">
+                  <a:lumMod val="65000"/>
+                  <a:lumOff val="35000"/>
+                </a:schemeClr>
+              </a:solidFill>
+            </a:endParaRPr>
+          </a:p>
+        </p:txBody>
+      </p:sp>
+      <p:sp>
+        <p:nvSpPr>
+          <p:cNvPr id="13" name="Down Arrow 12"/>
+          <p:cNvSpPr/>
+          <p:nvPr/>
+        </p:nvSpPr>
+        <p:spPr>
+          <a:xfrm rot="12230431">
+            <a:off x="4633959" y="5507630"/>
+            <a:ext cx="288032" cy="288032"/>
+          </a:xfrm>
+          <a:prstGeom prst="downArrow">
+            <a:avLst/>
+          </a:prstGeom>
+        </p:spPr>
+        <p:style>
+          <a:lnRef idx="2">
+            <a:schemeClr val="accent6">
+              <a:shade val="50000"/>
+            </a:schemeClr>
+          </a:lnRef>
+          <a:fillRef idx="1">
+            <a:schemeClr val="accent6"/>
+          </a:fillRef>
+          <a:effectRef idx="0">
+            <a:schemeClr val="accent6"/>
+          </a:effectRef>
+          <a:fontRef idx="minor">
+            <a:schemeClr val="lt1"/>
+          </a:fontRef>
+        </p:style>
+        <p:txBody>
+          <a:bodyPr rtlCol="0" anchor="ctr"/>
+          <a:lstStyle/>
+          <a:p>
+            <a:pPr algn="ctr"/>
+            <a:endParaRPr lang="en-US"/>
+          </a:p>
+        </p:txBody>
+      </p:sp>
+      <p:sp>
+        <p:nvSpPr>
+          <p:cNvPr id="14" name="Down Arrow 13"/>
+          <p:cNvSpPr/>
+          <p:nvPr/>
+        </p:nvSpPr>
+        <p:spPr>
+          <a:xfrm rot="10222871">
+            <a:off x="7216888" y="5505416"/>
+            <a:ext cx="288032" cy="288032"/>
+          </a:xfrm>
+          <a:prstGeom prst="downArrow">
+            <a:avLst/>
+          </a:prstGeom>
+        </p:spPr>
+        <p:style>
+          <a:lnRef idx="2">
+            <a:schemeClr val="accent6">
+              <a:shade val="50000"/>
+            </a:schemeClr>
+          </a:lnRef>
+          <a:fillRef idx="1">
+            <a:schemeClr val="accent6"/>
+          </a:fillRef>
+          <a:effectRef idx="0">
+            <a:schemeClr val="accent6"/>
+          </a:effectRef>
+          <a:fontRef idx="minor">
+            <a:schemeClr val="lt1"/>
+          </a:fontRef>
+        </p:style>
+        <p:txBody>
+          <a:bodyPr rtlCol="0" anchor="ctr"/>
+          <a:lstStyle/>
+          <a:p>
+            <a:pPr algn="ctr"/>
+            <a:endParaRPr lang="en-US"/>
+          </a:p>
+        </p:txBody>
+      </p:sp>
+      <p:sp>
+        <p:nvSpPr>
+          <p:cNvPr id="16" name="Subtitle 2"/>
+          <p:cNvSpPr txBox="1">
+            <a:spLocks/>
+          </p:cNvSpPr>
+          <p:nvPr/>
+        </p:nvSpPr>
+        <p:spPr>
+          <a:xfrm>
+            <a:off x="8270163" y="4862901"/>
+            <a:ext cx="1630429" cy="1431837"/>
+          </a:xfrm>
+          <a:prstGeom prst="rect">
+            <a:avLst/>
+          </a:prstGeom>
+        </p:spPr>
+        <p:txBody>
+          <a:bodyPr vert="horz" lIns="91440" tIns="45720" rIns="91440" bIns="45720" rtlCol="0">
+            <a:normAutofit/>
+          </a:bodyPr>
+          <a:lstStyle>
+            <a:lvl1pPr marL="0" indent="0" algn="ctr" defTabSz="914400" rtl="0" eaLnBrk="1" latinLnBrk="0" hangingPunct="1">
+              <a:spcBef>
+                <a:spcPct val="20000"/>
+              </a:spcBef>
+              <a:buFont typeface="Arial" panose="020B0604020202020204" pitchFamily="34" charset="0"/>
+              <a:buNone/>
+              <a:defRPr sz="3200" kern="1200">
+                <a:solidFill>
+                  <a:schemeClr val="tx1">
+                    <a:tint val="75000"/>
+                  </a:schemeClr>
+                </a:solidFill>
+                <a:latin typeface="+mn-lt"/>
+                <a:ea typeface="+mn-ea"/>
+                <a:cs typeface="+mn-cs"/>
+              </a:defRPr>
+            </a:lvl1pPr>
+            <a:lvl2pPr marL="457200" indent="0" algn="ctr" defTabSz="914400" rtl="0" eaLnBrk="1" latinLnBrk="0" hangingPunct="1">
+              <a:spcBef>
+                <a:spcPct val="20000"/>
+              </a:spcBef>
+              <a:buFont typeface="Arial" panose="020B0604020202020204" pitchFamily="34" charset="0"/>
+              <a:buNone/>
+              <a:defRPr sz="2800" kern="1200">
+                <a:solidFill>
+                  <a:schemeClr val="tx1">
+                    <a:tint val="75000"/>
+                  </a:schemeClr>
+                </a:solidFill>
+                <a:latin typeface="+mn-lt"/>
+                <a:ea typeface="+mn-ea"/>
+                <a:cs typeface="+mn-cs"/>
+              </a:defRPr>
+            </a:lvl2pPr>
+            <a:lvl3pPr marL="914400" indent="0" algn="ctr" defTabSz="914400" rtl="0" eaLnBrk="1" latinLnBrk="0" hangingPunct="1">
+              <a:spcBef>
+                <a:spcPct val="20000"/>
+              </a:spcBef>
+              <a:buFont typeface="Arial" panose="020B0604020202020204" pitchFamily="34" charset="0"/>
+              <a:buNone/>
+              <a:defRPr sz="2400" kern="1200">
+                <a:solidFill>
+                  <a:schemeClr val="tx1">
+                    <a:tint val="75000"/>
+                  </a:schemeClr>
+                </a:solidFill>
+                <a:latin typeface="+mn-lt"/>
+                <a:ea typeface="+mn-ea"/>
+                <a:cs typeface="+mn-cs"/>
+              </a:defRPr>
+            </a:lvl3pPr>
+            <a:lvl4pPr marL="1371600" indent="0" algn="ctr" defTabSz="914400" rtl="0" eaLnBrk="1" latinLnBrk="0" hangingPunct="1">
+              <a:spcBef>
+                <a:spcPct val="20000"/>
+              </a:spcBef>
+              <a:buFont typeface="Arial" panose="020B0604020202020204" pitchFamily="34" charset="0"/>
+              <a:buNone/>
+              <a:defRPr sz="2000" kern="1200">
+                <a:solidFill>
+                  <a:schemeClr val="tx1">
+                    <a:tint val="75000"/>
+                  </a:schemeClr>
+                </a:solidFill>
+                <a:latin typeface="+mn-lt"/>
+                <a:ea typeface="+mn-ea"/>
+                <a:cs typeface="+mn-cs"/>
+              </a:defRPr>
+            </a:lvl4pPr>
+            <a:lvl5pPr marL="1828800" indent="0" algn="ctr" defTabSz="914400" rtl="0" eaLnBrk="1" latinLnBrk="0" hangingPunct="1">
+              <a:spcBef>
+                <a:spcPct val="20000"/>
+              </a:spcBef>
+              <a:buFont typeface="Arial" panose="020B0604020202020204" pitchFamily="34" charset="0"/>
+              <a:buNone/>
+              <a:defRPr sz="2000" kern="1200">
+                <a:solidFill>
+                  <a:schemeClr val="tx1">
+                    <a:tint val="75000"/>
+                  </a:schemeClr>
+                </a:solidFill>
+                <a:latin typeface="+mn-lt"/>
+                <a:ea typeface="+mn-ea"/>
+                <a:cs typeface="+mn-cs"/>
+              </a:defRPr>
+            </a:lvl5pPr>
+            <a:lvl6pPr marL="2286000" indent="0" algn="ctr" defTabSz="914400" rtl="0" eaLnBrk="1" latinLnBrk="0" hangingPunct="1">
+              <a:spcBef>
+                <a:spcPct val="20000"/>
+              </a:spcBef>
+              <a:buFont typeface="Arial" panose="020B0604020202020204" pitchFamily="34" charset="0"/>
+              <a:buNone/>
+              <a:defRPr sz="2000" kern="1200">
+                <a:solidFill>
+                  <a:schemeClr val="tx1">
+                    <a:tint val="75000"/>
+                  </a:schemeClr>
+                </a:solidFill>
+                <a:latin typeface="+mn-lt"/>
+                <a:ea typeface="+mn-ea"/>
+                <a:cs typeface="+mn-cs"/>
+              </a:defRPr>
+            </a:lvl6pPr>
+            <a:lvl7pPr marL="2743200" indent="0" algn="ctr" defTabSz="914400" rtl="0" eaLnBrk="1" latinLnBrk="0" hangingPunct="1">
+              <a:spcBef>
+                <a:spcPct val="20000"/>
+              </a:spcBef>
+              <a:buFont typeface="Arial" panose="020B0604020202020204" pitchFamily="34" charset="0"/>
+              <a:buNone/>
+              <a:defRPr sz="2000" kern="1200">
+                <a:solidFill>
+                  <a:schemeClr val="tx1">
+                    <a:tint val="75000"/>
+                  </a:schemeClr>
+                </a:solidFill>
+                <a:latin typeface="+mn-lt"/>
+                <a:ea typeface="+mn-ea"/>
+                <a:cs typeface="+mn-cs"/>
+              </a:defRPr>
+            </a:lvl7pPr>
+            <a:lvl8pPr marL="3200400" indent="0" algn="ctr" defTabSz="914400" rtl="0" eaLnBrk="1" latinLnBrk="0" hangingPunct="1">
+              <a:spcBef>
+                <a:spcPct val="20000"/>
+              </a:spcBef>
+              <a:buFont typeface="Arial" panose="020B0604020202020204" pitchFamily="34" charset="0"/>
+              <a:buNone/>
+              <a:defRPr sz="2000" kern="1200">
+                <a:solidFill>
+                  <a:schemeClr val="tx1">
+                    <a:tint val="75000"/>
+                  </a:schemeClr>
+                </a:solidFill>
+                <a:latin typeface="+mn-lt"/>
+                <a:ea typeface="+mn-ea"/>
+                <a:cs typeface="+mn-cs"/>
+              </a:defRPr>
+            </a:lvl8pPr>
+            <a:lvl9pPr marL="3657600" indent="0" algn="ctr" defTabSz="914400" rtl="0" eaLnBrk="1" latinLnBrk="0" hangingPunct="1">
+              <a:spcBef>
+                <a:spcPct val="20000"/>
+              </a:spcBef>
+              <a:buFont typeface="Arial" panose="020B0604020202020204" pitchFamily="34" charset="0"/>
+              <a:buNone/>
+              <a:defRPr sz="2000" kern="1200">
+                <a:solidFill>
+                  <a:schemeClr val="tx1">
+                    <a:tint val="75000"/>
+                  </a:schemeClr>
+                </a:solidFill>
+                <a:latin typeface="+mn-lt"/>
+                <a:ea typeface="+mn-ea"/>
+                <a:cs typeface="+mn-cs"/>
+              </a:defRPr>
+            </a:lvl9pPr>
+          </a:lstStyle>
+          <a:p>
+            <a:pPr algn="l"/>
+            <a:r>
+              <a:rPr lang="en-US" sz="1400" dirty="0" smtClean="0">
+                <a:solidFill>
+                  <a:schemeClr val="tx1">
+                    <a:lumMod val="65000"/>
+                    <a:lumOff val="35000"/>
+                  </a:schemeClr>
+                </a:solidFill>
+              </a:rPr>
+              <a:t>Motor </a:t>
+            </a:r>
+          </a:p>
+          <a:p>
+            <a:pPr algn="l"/>
+            <a:r>
+              <a:rPr lang="en-US" sz="1400" dirty="0" smtClean="0">
+                <a:solidFill>
+                  <a:schemeClr val="tx1">
+                    <a:lumMod val="65000"/>
+                    <a:lumOff val="35000"/>
+                  </a:schemeClr>
+                </a:solidFill>
+              </a:rPr>
+              <a:t>Driver IC</a:t>
+            </a:r>
+          </a:p>
+          <a:p>
+            <a:pPr algn="l"/>
+            <a:r>
+              <a:rPr lang="en-US" sz="1400" dirty="0" smtClean="0">
+                <a:solidFill>
+                  <a:schemeClr val="tx1">
+                    <a:lumMod val="65000"/>
+                    <a:lumOff val="35000"/>
+                  </a:schemeClr>
+                </a:solidFill>
+              </a:rPr>
+              <a:t>L293DD</a:t>
+            </a:r>
+            <a:endParaRPr lang="en-US" sz="1400" dirty="0">
+              <a:solidFill>
+                <a:schemeClr val="tx1">
+                  <a:lumMod val="65000"/>
+                  <a:lumOff val="35000"/>
+                </a:schemeClr>
+              </a:solidFill>
+            </a:endParaRPr>
+          </a:p>
+        </p:txBody>
+      </p:sp>
+      <p:sp>
+        <p:nvSpPr>
+          <p:cNvPr id="17" name="Down Arrow 16"/>
+          <p:cNvSpPr/>
+          <p:nvPr/>
+        </p:nvSpPr>
+        <p:spPr>
+          <a:xfrm rot="6552634">
+            <a:off x="7427769" y="3917408"/>
+            <a:ext cx="288032" cy="1525232"/>
+          </a:xfrm>
+          <a:prstGeom prst="downArrow">
+            <a:avLst/>
+          </a:prstGeom>
+        </p:spPr>
+        <p:style>
+          <a:lnRef idx="2">
+            <a:schemeClr val="accent5">
+              <a:shade val="50000"/>
+            </a:schemeClr>
+          </a:lnRef>
+          <a:fillRef idx="1">
+            <a:schemeClr val="accent5"/>
+          </a:fillRef>
+          <a:effectRef idx="0">
+            <a:schemeClr val="accent5"/>
+          </a:effectRef>
+          <a:fontRef idx="minor">
+            <a:schemeClr val="lt1"/>
+          </a:fontRef>
+        </p:style>
+        <p:txBody>
+          <a:bodyPr rtlCol="0" anchor="ctr"/>
+          <a:lstStyle/>
+          <a:p>
+            <a:pPr algn="ctr"/>
+            <a:endParaRPr lang="en-US"/>
+          </a:p>
+        </p:txBody>
+      </p:sp>
+      <p:sp>
+        <p:nvSpPr>
+          <p:cNvPr id="18" name="Down Arrow 17"/>
+          <p:cNvSpPr/>
+          <p:nvPr/>
+        </p:nvSpPr>
+        <p:spPr>
+          <a:xfrm rot="10800000">
+            <a:off x="5229037" y="5578820"/>
+            <a:ext cx="288032" cy="288032"/>
+          </a:xfrm>
+          <a:prstGeom prst="downArrow">
+            <a:avLst/>
+          </a:prstGeom>
+        </p:spPr>
+        <p:style>
+          <a:lnRef idx="2">
+            <a:schemeClr val="accent6">
+              <a:shade val="50000"/>
+            </a:schemeClr>
+          </a:lnRef>
+          <a:fillRef idx="1">
+            <a:schemeClr val="accent6"/>
+          </a:fillRef>
+          <a:effectRef idx="0">
+            <a:schemeClr val="accent6"/>
+          </a:effectRef>
+          <a:fontRef idx="minor">
+            <a:schemeClr val="lt1"/>
+          </a:fontRef>
+        </p:style>
+        <p:txBody>
+          <a:bodyPr rtlCol="0" anchor="ctr"/>
+          <a:lstStyle/>
+          <a:p>
+            <a:pPr algn="ctr"/>
+            <a:endParaRPr lang="en-US"/>
+          </a:p>
+        </p:txBody>
+      </p:sp>
+      <p:sp>
+        <p:nvSpPr>
+          <p:cNvPr id="19" name="Subtitle 2"/>
+          <p:cNvSpPr txBox="1">
+            <a:spLocks/>
+          </p:cNvSpPr>
+          <p:nvPr/>
+        </p:nvSpPr>
+        <p:spPr>
+          <a:xfrm>
+            <a:off x="4930374" y="5935533"/>
+            <a:ext cx="752128" cy="334888"/>
+          </a:xfrm>
+          <a:prstGeom prst="rect">
+            <a:avLst/>
+          </a:prstGeom>
+        </p:spPr>
+        <p:txBody>
+          <a:bodyPr vert="horz" lIns="91440" tIns="45720" rIns="91440" bIns="45720" rtlCol="0">
+            <a:noAutofit/>
+          </a:bodyPr>
+          <a:lstStyle>
+            <a:lvl1pPr marL="0" indent="0" algn="ctr" defTabSz="914400" rtl="0" eaLnBrk="1" latinLnBrk="0" hangingPunct="1">
+              <a:spcBef>
+                <a:spcPct val="20000"/>
+              </a:spcBef>
+              <a:buFont typeface="Arial" panose="020B0604020202020204" pitchFamily="34" charset="0"/>
+              <a:buNone/>
+              <a:defRPr sz="3200" kern="1200">
+                <a:solidFill>
+                  <a:schemeClr val="tx1">
+                    <a:tint val="75000"/>
+                  </a:schemeClr>
+                </a:solidFill>
+                <a:latin typeface="+mn-lt"/>
+                <a:ea typeface="+mn-ea"/>
+                <a:cs typeface="+mn-cs"/>
+              </a:defRPr>
+            </a:lvl1pPr>
+            <a:lvl2pPr marL="457200" indent="0" algn="ctr" defTabSz="914400" rtl="0" eaLnBrk="1" latinLnBrk="0" hangingPunct="1">
+              <a:spcBef>
+                <a:spcPct val="20000"/>
+              </a:spcBef>
+              <a:buFont typeface="Arial" panose="020B0604020202020204" pitchFamily="34" charset="0"/>
+              <a:buNone/>
+              <a:defRPr sz="2800" kern="1200">
+                <a:solidFill>
+                  <a:schemeClr val="tx1">
+                    <a:tint val="75000"/>
+                  </a:schemeClr>
+                </a:solidFill>
+                <a:latin typeface="+mn-lt"/>
+                <a:ea typeface="+mn-ea"/>
+                <a:cs typeface="+mn-cs"/>
+              </a:defRPr>
+            </a:lvl2pPr>
+            <a:lvl3pPr marL="914400" indent="0" algn="ctr" defTabSz="914400" rtl="0" eaLnBrk="1" latinLnBrk="0" hangingPunct="1">
+              <a:spcBef>
+                <a:spcPct val="20000"/>
+              </a:spcBef>
+              <a:buFont typeface="Arial" panose="020B0604020202020204" pitchFamily="34" charset="0"/>
+              <a:buNone/>
+              <a:defRPr sz="2400" kern="1200">
+                <a:solidFill>
+                  <a:schemeClr val="tx1">
+                    <a:tint val="75000"/>
+                  </a:schemeClr>
+                </a:solidFill>
+                <a:latin typeface="+mn-lt"/>
+                <a:ea typeface="+mn-ea"/>
+                <a:cs typeface="+mn-cs"/>
+              </a:defRPr>
+            </a:lvl3pPr>
+            <a:lvl4pPr marL="1371600" indent="0" algn="ctr" defTabSz="914400" rtl="0" eaLnBrk="1" latinLnBrk="0" hangingPunct="1">
+              <a:spcBef>
+                <a:spcPct val="20000"/>
+              </a:spcBef>
+              <a:buFont typeface="Arial" panose="020B0604020202020204" pitchFamily="34" charset="0"/>
+              <a:buNone/>
+              <a:defRPr sz="2000" kern="1200">
+                <a:solidFill>
+                  <a:schemeClr val="tx1">
+                    <a:tint val="75000"/>
+                  </a:schemeClr>
+                </a:solidFill>
+                <a:latin typeface="+mn-lt"/>
+                <a:ea typeface="+mn-ea"/>
+                <a:cs typeface="+mn-cs"/>
+              </a:defRPr>
+            </a:lvl4pPr>
+            <a:lvl5pPr marL="1828800" indent="0" algn="ctr" defTabSz="914400" rtl="0" eaLnBrk="1" latinLnBrk="0" hangingPunct="1">
+              <a:spcBef>
+                <a:spcPct val="20000"/>
+              </a:spcBef>
+              <a:buFont typeface="Arial" panose="020B0604020202020204" pitchFamily="34" charset="0"/>
+              <a:buNone/>
+              <a:defRPr sz="2000" kern="1200">
+                <a:solidFill>
+                  <a:schemeClr val="tx1">
+                    <a:tint val="75000"/>
+                  </a:schemeClr>
+                </a:solidFill>
+                <a:latin typeface="+mn-lt"/>
+                <a:ea typeface="+mn-ea"/>
+                <a:cs typeface="+mn-cs"/>
+              </a:defRPr>
+            </a:lvl5pPr>
+            <a:lvl6pPr marL="2286000" indent="0" algn="ctr" defTabSz="914400" rtl="0" eaLnBrk="1" latinLnBrk="0" hangingPunct="1">
+              <a:spcBef>
+                <a:spcPct val="20000"/>
+              </a:spcBef>
+              <a:buFont typeface="Arial" panose="020B0604020202020204" pitchFamily="34" charset="0"/>
+              <a:buNone/>
+              <a:defRPr sz="2000" kern="1200">
+                <a:solidFill>
+                  <a:schemeClr val="tx1">
+                    <a:tint val="75000"/>
+                  </a:schemeClr>
+                </a:solidFill>
+                <a:latin typeface="+mn-lt"/>
+                <a:ea typeface="+mn-ea"/>
+                <a:cs typeface="+mn-cs"/>
+              </a:defRPr>
+            </a:lvl6pPr>
+            <a:lvl7pPr marL="2743200" indent="0" algn="ctr" defTabSz="914400" rtl="0" eaLnBrk="1" latinLnBrk="0" hangingPunct="1">
+              <a:spcBef>
+                <a:spcPct val="20000"/>
+              </a:spcBef>
+              <a:buFont typeface="Arial" panose="020B0604020202020204" pitchFamily="34" charset="0"/>
+              <a:buNone/>
+              <a:defRPr sz="2000" kern="1200">
+                <a:solidFill>
+                  <a:schemeClr val="tx1">
+                    <a:tint val="75000"/>
+                  </a:schemeClr>
+                </a:solidFill>
+                <a:latin typeface="+mn-lt"/>
+                <a:ea typeface="+mn-ea"/>
+                <a:cs typeface="+mn-cs"/>
+              </a:defRPr>
+            </a:lvl7pPr>
+            <a:lvl8pPr marL="3200400" indent="0" algn="ctr" defTabSz="914400" rtl="0" eaLnBrk="1" latinLnBrk="0" hangingPunct="1">
+              <a:spcBef>
+                <a:spcPct val="20000"/>
+              </a:spcBef>
+              <a:buFont typeface="Arial" panose="020B0604020202020204" pitchFamily="34" charset="0"/>
+              <a:buNone/>
+              <a:defRPr sz="2000" kern="1200">
+                <a:solidFill>
+                  <a:schemeClr val="tx1">
+                    <a:tint val="75000"/>
+                  </a:schemeClr>
+                </a:solidFill>
+                <a:latin typeface="+mn-lt"/>
+                <a:ea typeface="+mn-ea"/>
+                <a:cs typeface="+mn-cs"/>
+              </a:defRPr>
+            </a:lvl8pPr>
+            <a:lvl9pPr marL="3657600" indent="0" algn="ctr" defTabSz="914400" rtl="0" eaLnBrk="1" latinLnBrk="0" hangingPunct="1">
+              <a:spcBef>
+                <a:spcPct val="20000"/>
+              </a:spcBef>
+              <a:buFont typeface="Arial" panose="020B0604020202020204" pitchFamily="34" charset="0"/>
+              <a:buNone/>
+              <a:defRPr sz="2000" kern="1200">
+                <a:solidFill>
+                  <a:schemeClr val="tx1">
+                    <a:tint val="75000"/>
+                  </a:schemeClr>
+                </a:solidFill>
+                <a:latin typeface="+mn-lt"/>
+                <a:ea typeface="+mn-ea"/>
+                <a:cs typeface="+mn-cs"/>
+              </a:defRPr>
+            </a:lvl9pPr>
+          </a:lstStyle>
+          <a:p>
+            <a:pPr algn="l"/>
+            <a:r>
+              <a:rPr lang="en-US" sz="1700" dirty="0" smtClean="0">
+                <a:solidFill>
+                  <a:schemeClr val="tx1">
+                    <a:lumMod val="65000"/>
+                    <a:lumOff val="35000"/>
+                  </a:schemeClr>
+                </a:solidFill>
+              </a:rPr>
+              <a:t>     </a:t>
+            </a:r>
+            <a:r>
+              <a:rPr lang="en-US" sz="1700" b="1" dirty="0" smtClean="0">
+                <a:solidFill>
+                  <a:schemeClr val="tx1">
+                    <a:lumMod val="65000"/>
+                    <a:lumOff val="35000"/>
+                  </a:schemeClr>
+                </a:solidFill>
+              </a:rPr>
+              <a:t>P4</a:t>
+            </a:r>
+            <a:endParaRPr lang="en-US" sz="1700" b="1" dirty="0">
+              <a:solidFill>
+                <a:schemeClr val="tx1">
+                  <a:lumMod val="65000"/>
+                  <a:lumOff val="35000"/>
+                </a:schemeClr>
+              </a:solidFill>
+            </a:endParaRPr>
+          </a:p>
+        </p:txBody>
+      </p:sp>
+      <p:sp>
+        <p:nvSpPr>
+          <p:cNvPr id="20" name="Down Arrow 19"/>
+          <p:cNvSpPr/>
+          <p:nvPr/>
+        </p:nvSpPr>
+        <p:spPr>
+          <a:xfrm rot="11127961">
+            <a:off x="5704044" y="5589557"/>
+            <a:ext cx="288032" cy="648072"/>
+          </a:xfrm>
+          <a:prstGeom prst="downArrow">
+            <a:avLst/>
+          </a:prstGeom>
+        </p:spPr>
+        <p:style>
+          <a:lnRef idx="2">
+            <a:schemeClr val="accent6">
+              <a:shade val="50000"/>
+            </a:schemeClr>
+          </a:lnRef>
+          <a:fillRef idx="1">
+            <a:schemeClr val="accent6"/>
+          </a:fillRef>
+          <a:effectRef idx="0">
+            <a:schemeClr val="accent6"/>
+          </a:effectRef>
+          <a:fontRef idx="minor">
+            <a:schemeClr val="lt1"/>
+          </a:fontRef>
+        </p:style>
+        <p:txBody>
+          <a:bodyPr rtlCol="0" anchor="ctr"/>
+          <a:lstStyle/>
+          <a:p>
+            <a:pPr algn="ctr"/>
+            <a:endParaRPr lang="en-US"/>
+          </a:p>
+        </p:txBody>
+      </p:sp>
+      <p:sp>
+        <p:nvSpPr>
+          <p:cNvPr id="21" name="Down Arrow 20"/>
+          <p:cNvSpPr/>
+          <p:nvPr/>
+        </p:nvSpPr>
+        <p:spPr>
+          <a:xfrm rot="10800000">
+            <a:off x="6228184" y="5625560"/>
+            <a:ext cx="288032" cy="288032"/>
+          </a:xfrm>
+          <a:prstGeom prst="downArrow">
+            <a:avLst/>
+          </a:prstGeom>
+        </p:spPr>
+        <p:style>
+          <a:lnRef idx="2">
+            <a:schemeClr val="accent6">
+              <a:shade val="50000"/>
+            </a:schemeClr>
+          </a:lnRef>
+          <a:fillRef idx="1">
+            <a:schemeClr val="accent6"/>
+          </a:fillRef>
+          <a:effectRef idx="0">
+            <a:schemeClr val="accent6"/>
+          </a:effectRef>
+          <a:fontRef idx="minor">
+            <a:schemeClr val="lt1"/>
+          </a:fontRef>
+        </p:style>
+        <p:txBody>
+          <a:bodyPr rtlCol="0" anchor="ctr"/>
+          <a:lstStyle/>
+          <a:p>
+            <a:pPr algn="ctr"/>
+            <a:endParaRPr lang="en-US"/>
+          </a:p>
+        </p:txBody>
+      </p:sp>
+      <p:sp>
+        <p:nvSpPr>
+          <p:cNvPr id="22" name="Down Arrow 21"/>
+          <p:cNvSpPr/>
+          <p:nvPr/>
+        </p:nvSpPr>
+        <p:spPr>
+          <a:xfrm rot="10800000">
+            <a:off x="6732240" y="5577309"/>
+            <a:ext cx="288032" cy="768330"/>
+          </a:xfrm>
+          <a:prstGeom prst="downArrow">
+            <a:avLst/>
+          </a:prstGeom>
+        </p:spPr>
+        <p:style>
+          <a:lnRef idx="2">
+            <a:schemeClr val="accent6">
+              <a:shade val="50000"/>
+            </a:schemeClr>
+          </a:lnRef>
+          <a:fillRef idx="1">
+            <a:schemeClr val="accent6"/>
+          </a:fillRef>
+          <a:effectRef idx="0">
+            <a:schemeClr val="accent6"/>
+          </a:effectRef>
+          <a:fontRef idx="minor">
+            <a:schemeClr val="lt1"/>
+          </a:fontRef>
+        </p:style>
+        <p:txBody>
+          <a:bodyPr rtlCol="0" anchor="ctr"/>
+          <a:lstStyle/>
+          <a:p>
+            <a:pPr algn="ctr"/>
+            <a:endParaRPr lang="en-US"/>
+          </a:p>
+        </p:txBody>
+      </p:sp>
+      <p:sp>
+        <p:nvSpPr>
+          <p:cNvPr id="23" name="Subtitle 2"/>
+          <p:cNvSpPr txBox="1">
+            <a:spLocks/>
+          </p:cNvSpPr>
+          <p:nvPr/>
+        </p:nvSpPr>
+        <p:spPr>
+          <a:xfrm>
+            <a:off x="5580112" y="6237312"/>
+            <a:ext cx="1204674" cy="334888"/>
+          </a:xfrm>
+          <a:prstGeom prst="rect">
+            <a:avLst/>
+          </a:prstGeom>
+        </p:spPr>
+        <p:txBody>
+          <a:bodyPr vert="horz" lIns="91440" tIns="45720" rIns="91440" bIns="45720" rtlCol="0">
+            <a:noAutofit/>
+          </a:bodyPr>
+          <a:lstStyle>
+            <a:lvl1pPr marL="0" indent="0" algn="ctr" defTabSz="914400" rtl="0" eaLnBrk="1" latinLnBrk="0" hangingPunct="1">
+              <a:spcBef>
+                <a:spcPct val="20000"/>
+              </a:spcBef>
+              <a:buFont typeface="Arial" panose="020B0604020202020204" pitchFamily="34" charset="0"/>
+              <a:buNone/>
+              <a:defRPr sz="3200" kern="1200">
+                <a:solidFill>
+                  <a:schemeClr val="tx1">
+                    <a:tint val="75000"/>
+                  </a:schemeClr>
+                </a:solidFill>
+                <a:latin typeface="+mn-lt"/>
+                <a:ea typeface="+mn-ea"/>
+                <a:cs typeface="+mn-cs"/>
+              </a:defRPr>
+            </a:lvl1pPr>
+            <a:lvl2pPr marL="457200" indent="0" algn="ctr" defTabSz="914400" rtl="0" eaLnBrk="1" latinLnBrk="0" hangingPunct="1">
+              <a:spcBef>
+                <a:spcPct val="20000"/>
+              </a:spcBef>
+              <a:buFont typeface="Arial" panose="020B0604020202020204" pitchFamily="34" charset="0"/>
+              <a:buNone/>
+              <a:defRPr sz="2800" kern="1200">
+                <a:solidFill>
+                  <a:schemeClr val="tx1">
+                    <a:tint val="75000"/>
+                  </a:schemeClr>
+                </a:solidFill>
+                <a:latin typeface="+mn-lt"/>
+                <a:ea typeface="+mn-ea"/>
+                <a:cs typeface="+mn-cs"/>
+              </a:defRPr>
+            </a:lvl2pPr>
+            <a:lvl3pPr marL="914400" indent="0" algn="ctr" defTabSz="914400" rtl="0" eaLnBrk="1" latinLnBrk="0" hangingPunct="1">
+              <a:spcBef>
+                <a:spcPct val="20000"/>
+              </a:spcBef>
+              <a:buFont typeface="Arial" panose="020B0604020202020204" pitchFamily="34" charset="0"/>
+              <a:buNone/>
+              <a:defRPr sz="2400" kern="1200">
+                <a:solidFill>
+                  <a:schemeClr val="tx1">
+                    <a:tint val="75000"/>
+                  </a:schemeClr>
+                </a:solidFill>
+                <a:latin typeface="+mn-lt"/>
+                <a:ea typeface="+mn-ea"/>
+                <a:cs typeface="+mn-cs"/>
+              </a:defRPr>
+            </a:lvl3pPr>
+            <a:lvl4pPr marL="1371600" indent="0" algn="ctr" defTabSz="914400" rtl="0" eaLnBrk="1" latinLnBrk="0" hangingPunct="1">
+              <a:spcBef>
+                <a:spcPct val="20000"/>
+              </a:spcBef>
+              <a:buFont typeface="Arial" panose="020B0604020202020204" pitchFamily="34" charset="0"/>
+              <a:buNone/>
+              <a:defRPr sz="2000" kern="1200">
+                <a:solidFill>
+                  <a:schemeClr val="tx1">
+                    <a:tint val="75000"/>
+                  </a:schemeClr>
+                </a:solidFill>
+                <a:latin typeface="+mn-lt"/>
+                <a:ea typeface="+mn-ea"/>
+                <a:cs typeface="+mn-cs"/>
+              </a:defRPr>
+            </a:lvl4pPr>
+            <a:lvl5pPr marL="1828800" indent="0" algn="ctr" defTabSz="914400" rtl="0" eaLnBrk="1" latinLnBrk="0" hangingPunct="1">
+              <a:spcBef>
+                <a:spcPct val="20000"/>
+              </a:spcBef>
+              <a:buFont typeface="Arial" panose="020B0604020202020204" pitchFamily="34" charset="0"/>
+              <a:buNone/>
+              <a:defRPr sz="2000" kern="1200">
+                <a:solidFill>
+                  <a:schemeClr val="tx1">
+                    <a:tint val="75000"/>
+                  </a:schemeClr>
+                </a:solidFill>
+                <a:latin typeface="+mn-lt"/>
+                <a:ea typeface="+mn-ea"/>
+                <a:cs typeface="+mn-cs"/>
+              </a:defRPr>
+            </a:lvl5pPr>
+            <a:lvl6pPr marL="2286000" indent="0" algn="ctr" defTabSz="914400" rtl="0" eaLnBrk="1" latinLnBrk="0" hangingPunct="1">
+              <a:spcBef>
+                <a:spcPct val="20000"/>
+              </a:spcBef>
+              <a:buFont typeface="Arial" panose="020B0604020202020204" pitchFamily="34" charset="0"/>
+              <a:buNone/>
+              <a:defRPr sz="2000" kern="1200">
+                <a:solidFill>
+                  <a:schemeClr val="tx1">
+                    <a:tint val="75000"/>
+                  </a:schemeClr>
+                </a:solidFill>
+                <a:latin typeface="+mn-lt"/>
+                <a:ea typeface="+mn-ea"/>
+                <a:cs typeface="+mn-cs"/>
+              </a:defRPr>
+            </a:lvl6pPr>
+            <a:lvl7pPr marL="2743200" indent="0" algn="ctr" defTabSz="914400" rtl="0" eaLnBrk="1" latinLnBrk="0" hangingPunct="1">
+              <a:spcBef>
+                <a:spcPct val="20000"/>
+              </a:spcBef>
+              <a:buFont typeface="Arial" panose="020B0604020202020204" pitchFamily="34" charset="0"/>
+              <a:buNone/>
+              <a:defRPr sz="2000" kern="1200">
+                <a:solidFill>
+                  <a:schemeClr val="tx1">
+                    <a:tint val="75000"/>
+                  </a:schemeClr>
+                </a:solidFill>
+                <a:latin typeface="+mn-lt"/>
+                <a:ea typeface="+mn-ea"/>
+                <a:cs typeface="+mn-cs"/>
+              </a:defRPr>
+            </a:lvl7pPr>
+            <a:lvl8pPr marL="3200400" indent="0" algn="ctr" defTabSz="914400" rtl="0" eaLnBrk="1" latinLnBrk="0" hangingPunct="1">
+              <a:spcBef>
+                <a:spcPct val="20000"/>
+              </a:spcBef>
+              <a:buFont typeface="Arial" panose="020B0604020202020204" pitchFamily="34" charset="0"/>
+              <a:buNone/>
+              <a:defRPr sz="2000" kern="1200">
+                <a:solidFill>
+                  <a:schemeClr val="tx1">
+                    <a:tint val="75000"/>
+                  </a:schemeClr>
+                </a:solidFill>
+                <a:latin typeface="+mn-lt"/>
+                <a:ea typeface="+mn-ea"/>
+                <a:cs typeface="+mn-cs"/>
+              </a:defRPr>
+            </a:lvl8pPr>
+            <a:lvl9pPr marL="3657600" indent="0" algn="ctr" defTabSz="914400" rtl="0" eaLnBrk="1" latinLnBrk="0" hangingPunct="1">
+              <a:spcBef>
+                <a:spcPct val="20000"/>
+              </a:spcBef>
+              <a:buFont typeface="Arial" panose="020B0604020202020204" pitchFamily="34" charset="0"/>
+              <a:buNone/>
+              <a:defRPr sz="2000" kern="1200">
+                <a:solidFill>
+                  <a:schemeClr val="tx1">
+                    <a:tint val="75000"/>
+                  </a:schemeClr>
+                </a:solidFill>
+                <a:latin typeface="+mn-lt"/>
+                <a:ea typeface="+mn-ea"/>
+                <a:cs typeface="+mn-cs"/>
+              </a:defRPr>
+            </a:lvl9pPr>
+          </a:lstStyle>
+          <a:p>
+            <a:pPr algn="l"/>
+            <a:r>
+              <a:rPr lang="en-US" sz="1700" b="1" dirty="0">
+                <a:solidFill>
+                  <a:schemeClr val="tx1">
+                    <a:lumMod val="65000"/>
+                    <a:lumOff val="35000"/>
+                  </a:schemeClr>
+                </a:solidFill>
+              </a:rPr>
+              <a:t>P5</a:t>
+            </a:r>
+          </a:p>
+        </p:txBody>
+      </p:sp>
+      <p:sp>
+        <p:nvSpPr>
+          <p:cNvPr id="24" name="Subtitle 2"/>
+          <p:cNvSpPr txBox="1">
+            <a:spLocks/>
+          </p:cNvSpPr>
+          <p:nvPr/>
+        </p:nvSpPr>
+        <p:spPr>
+          <a:xfrm>
+            <a:off x="6052120" y="5938744"/>
+            <a:ext cx="752128" cy="334888"/>
+          </a:xfrm>
+          <a:prstGeom prst="rect">
+            <a:avLst/>
+          </a:prstGeom>
+        </p:spPr>
+        <p:txBody>
+          <a:bodyPr vert="horz" lIns="91440" tIns="45720" rIns="91440" bIns="45720" rtlCol="0">
+            <a:noAutofit/>
+          </a:bodyPr>
+          <a:lstStyle>
+            <a:lvl1pPr marL="0" indent="0" algn="ctr" defTabSz="914400" rtl="0" eaLnBrk="1" latinLnBrk="0" hangingPunct="1">
+              <a:spcBef>
+                <a:spcPct val="20000"/>
+              </a:spcBef>
+              <a:buFont typeface="Arial" panose="020B0604020202020204" pitchFamily="34" charset="0"/>
+              <a:buNone/>
+              <a:defRPr sz="3200" kern="1200">
+                <a:solidFill>
+                  <a:schemeClr val="tx1">
+                    <a:tint val="75000"/>
+                  </a:schemeClr>
+                </a:solidFill>
+                <a:latin typeface="+mn-lt"/>
+                <a:ea typeface="+mn-ea"/>
+                <a:cs typeface="+mn-cs"/>
+              </a:defRPr>
+            </a:lvl1pPr>
+            <a:lvl2pPr marL="457200" indent="0" algn="ctr" defTabSz="914400" rtl="0" eaLnBrk="1" latinLnBrk="0" hangingPunct="1">
+              <a:spcBef>
+                <a:spcPct val="20000"/>
+              </a:spcBef>
+              <a:buFont typeface="Arial" panose="020B0604020202020204" pitchFamily="34" charset="0"/>
+              <a:buNone/>
+              <a:defRPr sz="2800" kern="1200">
+                <a:solidFill>
+                  <a:schemeClr val="tx1">
+                    <a:tint val="75000"/>
+                  </a:schemeClr>
+                </a:solidFill>
+                <a:latin typeface="+mn-lt"/>
+                <a:ea typeface="+mn-ea"/>
+                <a:cs typeface="+mn-cs"/>
+              </a:defRPr>
+            </a:lvl2pPr>
+            <a:lvl3pPr marL="914400" indent="0" algn="ctr" defTabSz="914400" rtl="0" eaLnBrk="1" latinLnBrk="0" hangingPunct="1">
+              <a:spcBef>
+                <a:spcPct val="20000"/>
+              </a:spcBef>
+              <a:buFont typeface="Arial" panose="020B0604020202020204" pitchFamily="34" charset="0"/>
+              <a:buNone/>
+              <a:defRPr sz="2400" kern="1200">
+                <a:solidFill>
+                  <a:schemeClr val="tx1">
+                    <a:tint val="75000"/>
+                  </a:schemeClr>
+                </a:solidFill>
+                <a:latin typeface="+mn-lt"/>
+                <a:ea typeface="+mn-ea"/>
+                <a:cs typeface="+mn-cs"/>
+              </a:defRPr>
+            </a:lvl3pPr>
+            <a:lvl4pPr marL="1371600" indent="0" algn="ctr" defTabSz="914400" rtl="0" eaLnBrk="1" latinLnBrk="0" hangingPunct="1">
+              <a:spcBef>
+                <a:spcPct val="20000"/>
+              </a:spcBef>
+              <a:buFont typeface="Arial" panose="020B0604020202020204" pitchFamily="34" charset="0"/>
+              <a:buNone/>
+              <a:defRPr sz="2000" kern="1200">
+                <a:solidFill>
+                  <a:schemeClr val="tx1">
+                    <a:tint val="75000"/>
+                  </a:schemeClr>
+                </a:solidFill>
+                <a:latin typeface="+mn-lt"/>
+                <a:ea typeface="+mn-ea"/>
+                <a:cs typeface="+mn-cs"/>
+              </a:defRPr>
+            </a:lvl4pPr>
+            <a:lvl5pPr marL="1828800" indent="0" algn="ctr" defTabSz="914400" rtl="0" eaLnBrk="1" latinLnBrk="0" hangingPunct="1">
+              <a:spcBef>
+                <a:spcPct val="20000"/>
+              </a:spcBef>
+              <a:buFont typeface="Arial" panose="020B0604020202020204" pitchFamily="34" charset="0"/>
+              <a:buNone/>
+              <a:defRPr sz="2000" kern="1200">
+                <a:solidFill>
+                  <a:schemeClr val="tx1">
+                    <a:tint val="75000"/>
+                  </a:schemeClr>
+                </a:solidFill>
+                <a:latin typeface="+mn-lt"/>
+                <a:ea typeface="+mn-ea"/>
+                <a:cs typeface="+mn-cs"/>
+              </a:defRPr>
+            </a:lvl5pPr>
+            <a:lvl6pPr marL="2286000" indent="0" algn="ctr" defTabSz="914400" rtl="0" eaLnBrk="1" latinLnBrk="0" hangingPunct="1">
+              <a:spcBef>
+                <a:spcPct val="20000"/>
+              </a:spcBef>
+              <a:buFont typeface="Arial" panose="020B0604020202020204" pitchFamily="34" charset="0"/>
+              <a:buNone/>
+              <a:defRPr sz="2000" kern="1200">
+                <a:solidFill>
+                  <a:schemeClr val="tx1">
+                    <a:tint val="75000"/>
+                  </a:schemeClr>
+                </a:solidFill>
+                <a:latin typeface="+mn-lt"/>
+                <a:ea typeface="+mn-ea"/>
+                <a:cs typeface="+mn-cs"/>
+              </a:defRPr>
+            </a:lvl6pPr>
+            <a:lvl7pPr marL="2743200" indent="0" algn="ctr" defTabSz="914400" rtl="0" eaLnBrk="1" latinLnBrk="0" hangingPunct="1">
+              <a:spcBef>
+                <a:spcPct val="20000"/>
+              </a:spcBef>
+              <a:buFont typeface="Arial" panose="020B0604020202020204" pitchFamily="34" charset="0"/>
+              <a:buNone/>
+              <a:defRPr sz="2000" kern="1200">
+                <a:solidFill>
+                  <a:schemeClr val="tx1">
+                    <a:tint val="75000"/>
+                  </a:schemeClr>
+                </a:solidFill>
+                <a:latin typeface="+mn-lt"/>
+                <a:ea typeface="+mn-ea"/>
+                <a:cs typeface="+mn-cs"/>
+              </a:defRPr>
+            </a:lvl7pPr>
+            <a:lvl8pPr marL="3200400" indent="0" algn="ctr" defTabSz="914400" rtl="0" eaLnBrk="1" latinLnBrk="0" hangingPunct="1">
+              <a:spcBef>
+                <a:spcPct val="20000"/>
+              </a:spcBef>
+              <a:buFont typeface="Arial" panose="020B0604020202020204" pitchFamily="34" charset="0"/>
+              <a:buNone/>
+              <a:defRPr sz="2000" kern="1200">
+                <a:solidFill>
+                  <a:schemeClr val="tx1">
+                    <a:tint val="75000"/>
+                  </a:schemeClr>
+                </a:solidFill>
+                <a:latin typeface="+mn-lt"/>
+                <a:ea typeface="+mn-ea"/>
+                <a:cs typeface="+mn-cs"/>
+              </a:defRPr>
+            </a:lvl8pPr>
+            <a:lvl9pPr marL="3657600" indent="0" algn="ctr" defTabSz="914400" rtl="0" eaLnBrk="1" latinLnBrk="0" hangingPunct="1">
+              <a:spcBef>
+                <a:spcPct val="20000"/>
+              </a:spcBef>
+              <a:buFont typeface="Arial" panose="020B0604020202020204" pitchFamily="34" charset="0"/>
+              <a:buNone/>
+              <a:defRPr sz="2000" kern="1200">
+                <a:solidFill>
+                  <a:schemeClr val="tx1">
+                    <a:tint val="75000"/>
+                  </a:schemeClr>
+                </a:solidFill>
+                <a:latin typeface="+mn-lt"/>
+                <a:ea typeface="+mn-ea"/>
+                <a:cs typeface="+mn-cs"/>
+              </a:defRPr>
+            </a:lvl9pPr>
+          </a:lstStyle>
+          <a:p>
+            <a:pPr algn="l"/>
+            <a:r>
+              <a:rPr lang="en-US" sz="1700" b="1" dirty="0" smtClean="0">
+                <a:solidFill>
+                  <a:schemeClr val="tx1">
+                    <a:lumMod val="65000"/>
+                    <a:lumOff val="35000"/>
+                  </a:schemeClr>
+                </a:solidFill>
+              </a:rPr>
+              <a:t>P6</a:t>
+            </a:r>
+            <a:endParaRPr lang="en-US" sz="1700" b="1" dirty="0">
+              <a:solidFill>
+                <a:schemeClr val="tx1">
+                  <a:lumMod val="65000"/>
+                  <a:lumOff val="35000"/>
+                </a:schemeClr>
+              </a:solidFill>
+            </a:endParaRPr>
+          </a:p>
+        </p:txBody>
+      </p:sp>
+      <p:sp>
+        <p:nvSpPr>
+          <p:cNvPr id="25" name="Subtitle 2"/>
+          <p:cNvSpPr txBox="1">
+            <a:spLocks/>
+          </p:cNvSpPr>
+          <p:nvPr/>
+        </p:nvSpPr>
+        <p:spPr>
+          <a:xfrm>
+            <a:off x="6556176" y="6334472"/>
+            <a:ext cx="752128" cy="334888"/>
+          </a:xfrm>
+          <a:prstGeom prst="rect">
+            <a:avLst/>
+          </a:prstGeom>
+        </p:spPr>
+        <p:txBody>
+          <a:bodyPr vert="horz" lIns="91440" tIns="45720" rIns="91440" bIns="45720" rtlCol="0">
+            <a:noAutofit/>
+          </a:bodyPr>
+          <a:lstStyle>
+            <a:lvl1pPr marL="0" indent="0" algn="ctr" defTabSz="914400" rtl="0" eaLnBrk="1" latinLnBrk="0" hangingPunct="1">
+              <a:spcBef>
+                <a:spcPct val="20000"/>
+              </a:spcBef>
+              <a:buFont typeface="Arial" panose="020B0604020202020204" pitchFamily="34" charset="0"/>
+              <a:buNone/>
+              <a:defRPr sz="3200" kern="1200">
+                <a:solidFill>
+                  <a:schemeClr val="tx1">
+                    <a:tint val="75000"/>
+                  </a:schemeClr>
+                </a:solidFill>
+                <a:latin typeface="+mn-lt"/>
+                <a:ea typeface="+mn-ea"/>
+                <a:cs typeface="+mn-cs"/>
+              </a:defRPr>
+            </a:lvl1pPr>
+            <a:lvl2pPr marL="457200" indent="0" algn="ctr" defTabSz="914400" rtl="0" eaLnBrk="1" latinLnBrk="0" hangingPunct="1">
+              <a:spcBef>
+                <a:spcPct val="20000"/>
+              </a:spcBef>
+              <a:buFont typeface="Arial" panose="020B0604020202020204" pitchFamily="34" charset="0"/>
+              <a:buNone/>
+              <a:defRPr sz="2800" kern="1200">
+                <a:solidFill>
+                  <a:schemeClr val="tx1">
+                    <a:tint val="75000"/>
+                  </a:schemeClr>
+                </a:solidFill>
+                <a:latin typeface="+mn-lt"/>
+                <a:ea typeface="+mn-ea"/>
+                <a:cs typeface="+mn-cs"/>
+              </a:defRPr>
+            </a:lvl2pPr>
+            <a:lvl3pPr marL="914400" indent="0" algn="ctr" defTabSz="914400" rtl="0" eaLnBrk="1" latinLnBrk="0" hangingPunct="1">
+              <a:spcBef>
+                <a:spcPct val="20000"/>
+              </a:spcBef>
+              <a:buFont typeface="Arial" panose="020B0604020202020204" pitchFamily="34" charset="0"/>
+              <a:buNone/>
+              <a:defRPr sz="2400" kern="1200">
+                <a:solidFill>
+                  <a:schemeClr val="tx1">
+                    <a:tint val="75000"/>
+                  </a:schemeClr>
+                </a:solidFill>
+                <a:latin typeface="+mn-lt"/>
+                <a:ea typeface="+mn-ea"/>
+                <a:cs typeface="+mn-cs"/>
+              </a:defRPr>
+            </a:lvl3pPr>
+            <a:lvl4pPr marL="1371600" indent="0" algn="ctr" defTabSz="914400" rtl="0" eaLnBrk="1" latinLnBrk="0" hangingPunct="1">
+              <a:spcBef>
+                <a:spcPct val="20000"/>
+              </a:spcBef>
+              <a:buFont typeface="Arial" panose="020B0604020202020204" pitchFamily="34" charset="0"/>
+              <a:buNone/>
+              <a:defRPr sz="2000" kern="1200">
+                <a:solidFill>
+                  <a:schemeClr val="tx1">
+                    <a:tint val="75000"/>
+                  </a:schemeClr>
+                </a:solidFill>
+                <a:latin typeface="+mn-lt"/>
+                <a:ea typeface="+mn-ea"/>
+                <a:cs typeface="+mn-cs"/>
+              </a:defRPr>
+            </a:lvl4pPr>
+            <a:lvl5pPr marL="1828800" indent="0" algn="ctr" defTabSz="914400" rtl="0" eaLnBrk="1" latinLnBrk="0" hangingPunct="1">
+              <a:spcBef>
+                <a:spcPct val="20000"/>
+              </a:spcBef>
+              <a:buFont typeface="Arial" panose="020B0604020202020204" pitchFamily="34" charset="0"/>
+              <a:buNone/>
+              <a:defRPr sz="2000" kern="1200">
+                <a:solidFill>
+                  <a:schemeClr val="tx1">
+                    <a:tint val="75000"/>
+                  </a:schemeClr>
+                </a:solidFill>
+                <a:latin typeface="+mn-lt"/>
+                <a:ea typeface="+mn-ea"/>
+                <a:cs typeface="+mn-cs"/>
+              </a:defRPr>
+            </a:lvl5pPr>
+            <a:lvl6pPr marL="2286000" indent="0" algn="ctr" defTabSz="914400" rtl="0" eaLnBrk="1" latinLnBrk="0" hangingPunct="1">
+              <a:spcBef>
+                <a:spcPct val="20000"/>
+              </a:spcBef>
+              <a:buFont typeface="Arial" panose="020B0604020202020204" pitchFamily="34" charset="0"/>
+              <a:buNone/>
+              <a:defRPr sz="2000" kern="1200">
+                <a:solidFill>
+                  <a:schemeClr val="tx1">
+                    <a:tint val="75000"/>
+                  </a:schemeClr>
+                </a:solidFill>
+                <a:latin typeface="+mn-lt"/>
+                <a:ea typeface="+mn-ea"/>
+                <a:cs typeface="+mn-cs"/>
+              </a:defRPr>
+            </a:lvl6pPr>
+            <a:lvl7pPr marL="2743200" indent="0" algn="ctr" defTabSz="914400" rtl="0" eaLnBrk="1" latinLnBrk="0" hangingPunct="1">
+              <a:spcBef>
+                <a:spcPct val="20000"/>
+              </a:spcBef>
+              <a:buFont typeface="Arial" panose="020B0604020202020204" pitchFamily="34" charset="0"/>
+              <a:buNone/>
+              <a:defRPr sz="2000" kern="1200">
+                <a:solidFill>
+                  <a:schemeClr val="tx1">
+                    <a:tint val="75000"/>
+                  </a:schemeClr>
+                </a:solidFill>
+                <a:latin typeface="+mn-lt"/>
+                <a:ea typeface="+mn-ea"/>
+                <a:cs typeface="+mn-cs"/>
+              </a:defRPr>
+            </a:lvl7pPr>
+            <a:lvl8pPr marL="3200400" indent="0" algn="ctr" defTabSz="914400" rtl="0" eaLnBrk="1" latinLnBrk="0" hangingPunct="1">
+              <a:spcBef>
+                <a:spcPct val="20000"/>
+              </a:spcBef>
+              <a:buFont typeface="Arial" panose="020B0604020202020204" pitchFamily="34" charset="0"/>
+              <a:buNone/>
+              <a:defRPr sz="2000" kern="1200">
+                <a:solidFill>
+                  <a:schemeClr val="tx1">
+                    <a:tint val="75000"/>
+                  </a:schemeClr>
+                </a:solidFill>
+                <a:latin typeface="+mn-lt"/>
+                <a:ea typeface="+mn-ea"/>
+                <a:cs typeface="+mn-cs"/>
+              </a:defRPr>
+            </a:lvl8pPr>
+            <a:lvl9pPr marL="3657600" indent="0" algn="ctr" defTabSz="914400" rtl="0" eaLnBrk="1" latinLnBrk="0" hangingPunct="1">
+              <a:spcBef>
+                <a:spcPct val="20000"/>
+              </a:spcBef>
+              <a:buFont typeface="Arial" panose="020B0604020202020204" pitchFamily="34" charset="0"/>
+              <a:buNone/>
+              <a:defRPr sz="2000" kern="1200">
+                <a:solidFill>
+                  <a:schemeClr val="tx1">
+                    <a:tint val="75000"/>
+                  </a:schemeClr>
+                </a:solidFill>
+                <a:latin typeface="+mn-lt"/>
+                <a:ea typeface="+mn-ea"/>
+                <a:cs typeface="+mn-cs"/>
+              </a:defRPr>
+            </a:lvl9pPr>
+          </a:lstStyle>
+          <a:p>
+            <a:pPr algn="l"/>
+            <a:r>
+              <a:rPr lang="en-US" sz="1700" dirty="0" smtClean="0">
+                <a:solidFill>
+                  <a:schemeClr val="tx1">
+                    <a:lumMod val="65000"/>
+                    <a:lumOff val="35000"/>
+                  </a:schemeClr>
+                </a:solidFill>
+              </a:rPr>
+              <a:t>   </a:t>
+            </a:r>
+            <a:r>
+              <a:rPr lang="en-US" sz="1700" b="1" dirty="0" smtClean="0">
+                <a:solidFill>
+                  <a:schemeClr val="tx1">
+                    <a:lumMod val="65000"/>
+                    <a:lumOff val="35000"/>
+                  </a:schemeClr>
+                </a:solidFill>
+              </a:rPr>
+              <a:t>P7</a:t>
+            </a:r>
+            <a:endParaRPr lang="en-US" sz="1700" b="1" dirty="0">
+              <a:solidFill>
+                <a:schemeClr val="tx1">
+                  <a:lumMod val="65000"/>
+                  <a:lumOff val="35000"/>
+                </a:schemeClr>
+              </a:solidFill>
+            </a:endParaRPr>
+          </a:p>
+        </p:txBody>
+      </p:sp>
+      <p:sp>
+        <p:nvSpPr>
+          <p:cNvPr id="27" name="Down Arrow 26"/>
+          <p:cNvSpPr/>
+          <p:nvPr/>
+        </p:nvSpPr>
+        <p:spPr>
+          <a:xfrm rot="15038378">
+            <a:off x="4167162" y="3222003"/>
+            <a:ext cx="272745" cy="942078"/>
+          </a:xfrm>
+          <a:prstGeom prst="downArrow">
+            <a:avLst/>
+          </a:prstGeom>
+        </p:spPr>
+        <p:style>
+          <a:lnRef idx="2">
+            <a:schemeClr val="accent5">
+              <a:shade val="50000"/>
+            </a:schemeClr>
+          </a:lnRef>
+          <a:fillRef idx="1">
+            <a:schemeClr val="accent5"/>
+          </a:fillRef>
+          <a:effectRef idx="0">
+            <a:schemeClr val="accent5"/>
+          </a:effectRef>
+          <a:fontRef idx="minor">
+            <a:schemeClr val="lt1"/>
+          </a:fontRef>
+        </p:style>
+        <p:txBody>
+          <a:bodyPr rtlCol="0" anchor="ctr"/>
+          <a:lstStyle/>
+          <a:p>
+            <a:pPr algn="ctr"/>
+            <a:endParaRPr lang="en-US"/>
+          </a:p>
+        </p:txBody>
+      </p:sp>
+      <p:sp>
+        <p:nvSpPr>
+          <p:cNvPr id="28" name="Subtitle 2"/>
+          <p:cNvSpPr txBox="1">
+            <a:spLocks/>
+          </p:cNvSpPr>
+          <p:nvPr/>
+        </p:nvSpPr>
+        <p:spPr>
+          <a:xfrm>
+            <a:off x="2987824" y="3876335"/>
+            <a:ext cx="1228092" cy="1064833"/>
+          </a:xfrm>
+          <a:prstGeom prst="rect">
+            <a:avLst/>
+          </a:prstGeom>
+        </p:spPr>
+        <p:txBody>
+          <a:bodyPr vert="horz" lIns="91440" tIns="45720" rIns="91440" bIns="45720" rtlCol="0">
+            <a:normAutofit/>
+          </a:bodyPr>
+          <a:lstStyle>
+            <a:lvl1pPr marL="0" indent="0" algn="ctr" defTabSz="914400" rtl="0" eaLnBrk="1" latinLnBrk="0" hangingPunct="1">
+              <a:spcBef>
+                <a:spcPct val="20000"/>
+              </a:spcBef>
+              <a:buFont typeface="Arial" panose="020B0604020202020204" pitchFamily="34" charset="0"/>
+              <a:buNone/>
+              <a:defRPr sz="3200" kern="1200">
+                <a:solidFill>
+                  <a:schemeClr val="tx1">
+                    <a:tint val="75000"/>
+                  </a:schemeClr>
+                </a:solidFill>
+                <a:latin typeface="+mn-lt"/>
+                <a:ea typeface="+mn-ea"/>
+                <a:cs typeface="+mn-cs"/>
+              </a:defRPr>
+            </a:lvl1pPr>
+            <a:lvl2pPr marL="457200" indent="0" algn="ctr" defTabSz="914400" rtl="0" eaLnBrk="1" latinLnBrk="0" hangingPunct="1">
+              <a:spcBef>
+                <a:spcPct val="20000"/>
+              </a:spcBef>
+              <a:buFont typeface="Arial" panose="020B0604020202020204" pitchFamily="34" charset="0"/>
+              <a:buNone/>
+              <a:defRPr sz="2800" kern="1200">
+                <a:solidFill>
+                  <a:schemeClr val="tx1">
+                    <a:tint val="75000"/>
+                  </a:schemeClr>
+                </a:solidFill>
+                <a:latin typeface="+mn-lt"/>
+                <a:ea typeface="+mn-ea"/>
+                <a:cs typeface="+mn-cs"/>
+              </a:defRPr>
+            </a:lvl2pPr>
+            <a:lvl3pPr marL="914400" indent="0" algn="ctr" defTabSz="914400" rtl="0" eaLnBrk="1" latinLnBrk="0" hangingPunct="1">
+              <a:spcBef>
+                <a:spcPct val="20000"/>
+              </a:spcBef>
+              <a:buFont typeface="Arial" panose="020B0604020202020204" pitchFamily="34" charset="0"/>
+              <a:buNone/>
+              <a:defRPr sz="2400" kern="1200">
+                <a:solidFill>
+                  <a:schemeClr val="tx1">
+                    <a:tint val="75000"/>
+                  </a:schemeClr>
+                </a:solidFill>
+                <a:latin typeface="+mn-lt"/>
+                <a:ea typeface="+mn-ea"/>
+                <a:cs typeface="+mn-cs"/>
+              </a:defRPr>
+            </a:lvl3pPr>
+            <a:lvl4pPr marL="1371600" indent="0" algn="ctr" defTabSz="914400" rtl="0" eaLnBrk="1" latinLnBrk="0" hangingPunct="1">
+              <a:spcBef>
+                <a:spcPct val="20000"/>
+              </a:spcBef>
+              <a:buFont typeface="Arial" panose="020B0604020202020204" pitchFamily="34" charset="0"/>
+              <a:buNone/>
+              <a:defRPr sz="2000" kern="1200">
+                <a:solidFill>
+                  <a:schemeClr val="tx1">
+                    <a:tint val="75000"/>
+                  </a:schemeClr>
+                </a:solidFill>
+                <a:latin typeface="+mn-lt"/>
+                <a:ea typeface="+mn-ea"/>
+                <a:cs typeface="+mn-cs"/>
+              </a:defRPr>
+            </a:lvl4pPr>
+            <a:lvl5pPr marL="1828800" indent="0" algn="ctr" defTabSz="914400" rtl="0" eaLnBrk="1" latinLnBrk="0" hangingPunct="1">
+              <a:spcBef>
+                <a:spcPct val="20000"/>
+              </a:spcBef>
+              <a:buFont typeface="Arial" panose="020B0604020202020204" pitchFamily="34" charset="0"/>
+              <a:buNone/>
+              <a:defRPr sz="2000" kern="1200">
+                <a:solidFill>
+                  <a:schemeClr val="tx1">
+                    <a:tint val="75000"/>
+                  </a:schemeClr>
+                </a:solidFill>
+                <a:latin typeface="+mn-lt"/>
+                <a:ea typeface="+mn-ea"/>
+                <a:cs typeface="+mn-cs"/>
+              </a:defRPr>
+            </a:lvl5pPr>
+            <a:lvl6pPr marL="2286000" indent="0" algn="ctr" defTabSz="914400" rtl="0" eaLnBrk="1" latinLnBrk="0" hangingPunct="1">
+              <a:spcBef>
+                <a:spcPct val="20000"/>
+              </a:spcBef>
+              <a:buFont typeface="Arial" panose="020B0604020202020204" pitchFamily="34" charset="0"/>
+              <a:buNone/>
+              <a:defRPr sz="2000" kern="1200">
+                <a:solidFill>
+                  <a:schemeClr val="tx1">
+                    <a:tint val="75000"/>
+                  </a:schemeClr>
+                </a:solidFill>
+                <a:latin typeface="+mn-lt"/>
+                <a:ea typeface="+mn-ea"/>
+                <a:cs typeface="+mn-cs"/>
+              </a:defRPr>
+            </a:lvl6pPr>
+            <a:lvl7pPr marL="2743200" indent="0" algn="ctr" defTabSz="914400" rtl="0" eaLnBrk="1" latinLnBrk="0" hangingPunct="1">
+              <a:spcBef>
+                <a:spcPct val="20000"/>
+              </a:spcBef>
+              <a:buFont typeface="Arial" panose="020B0604020202020204" pitchFamily="34" charset="0"/>
+              <a:buNone/>
+              <a:defRPr sz="2000" kern="1200">
+                <a:solidFill>
+                  <a:schemeClr val="tx1">
+                    <a:tint val="75000"/>
+                  </a:schemeClr>
+                </a:solidFill>
+                <a:latin typeface="+mn-lt"/>
+                <a:ea typeface="+mn-ea"/>
+                <a:cs typeface="+mn-cs"/>
+              </a:defRPr>
+            </a:lvl7pPr>
+            <a:lvl8pPr marL="3200400" indent="0" algn="ctr" defTabSz="914400" rtl="0" eaLnBrk="1" latinLnBrk="0" hangingPunct="1">
+              <a:spcBef>
+                <a:spcPct val="20000"/>
+              </a:spcBef>
+              <a:buFont typeface="Arial" panose="020B0604020202020204" pitchFamily="34" charset="0"/>
+              <a:buNone/>
+              <a:defRPr sz="2000" kern="1200">
+                <a:solidFill>
+                  <a:schemeClr val="tx1">
+                    <a:tint val="75000"/>
+                  </a:schemeClr>
+                </a:solidFill>
+                <a:latin typeface="+mn-lt"/>
+                <a:ea typeface="+mn-ea"/>
+                <a:cs typeface="+mn-cs"/>
+              </a:defRPr>
+            </a:lvl8pPr>
+            <a:lvl9pPr marL="3657600" indent="0" algn="ctr" defTabSz="914400" rtl="0" eaLnBrk="1" latinLnBrk="0" hangingPunct="1">
+              <a:spcBef>
+                <a:spcPct val="20000"/>
+              </a:spcBef>
+              <a:buFont typeface="Arial" panose="020B0604020202020204" pitchFamily="34" charset="0"/>
+              <a:buNone/>
+              <a:defRPr sz="2000" kern="1200">
+                <a:solidFill>
+                  <a:schemeClr val="tx1">
+                    <a:tint val="75000"/>
+                  </a:schemeClr>
+                </a:solidFill>
+                <a:latin typeface="+mn-lt"/>
+                <a:ea typeface="+mn-ea"/>
+                <a:cs typeface="+mn-cs"/>
+              </a:defRPr>
+            </a:lvl9pPr>
+          </a:lstStyle>
+          <a:p>
+            <a:pPr algn="l"/>
+            <a:r>
+              <a:rPr lang="en-US" sz="1400" dirty="0" smtClean="0">
+                <a:solidFill>
+                  <a:schemeClr val="tx1">
+                    <a:lumMod val="65000"/>
+                    <a:lumOff val="35000"/>
+                  </a:schemeClr>
+                </a:solidFill>
+              </a:rPr>
+              <a:t>Status </a:t>
+            </a:r>
+            <a:r>
+              <a:rPr lang="en-US" sz="1400" dirty="0" smtClean="0">
+                <a:solidFill>
+                  <a:schemeClr val="tx1">
+                    <a:lumMod val="65000"/>
+                    <a:lumOff val="35000"/>
+                  </a:schemeClr>
+                </a:solidFill>
+              </a:rPr>
+              <a:t>LED</a:t>
+            </a:r>
+          </a:p>
+          <a:p>
+            <a:pPr algn="l"/>
+            <a:r>
+              <a:rPr lang="en-US" sz="1100" dirty="0" smtClean="0">
+                <a:solidFill>
+                  <a:schemeClr val="tx1">
+                    <a:lumMod val="65000"/>
+                    <a:lumOff val="35000"/>
+                  </a:schemeClr>
+                </a:solidFill>
+              </a:rPr>
+              <a:t>(resistors on bot,</a:t>
+            </a:r>
+          </a:p>
+          <a:p>
+            <a:pPr algn="l"/>
+            <a:r>
+              <a:rPr lang="en-US" sz="1100" dirty="0" smtClean="0">
+                <a:solidFill>
+                  <a:schemeClr val="tx1">
+                    <a:lumMod val="65000"/>
+                    <a:lumOff val="35000"/>
+                  </a:schemeClr>
+                </a:solidFill>
+              </a:rPr>
+              <a:t>LED and resistor aren’t populated)</a:t>
+            </a:r>
+            <a:endParaRPr lang="en-US" sz="1100" dirty="0">
+              <a:solidFill>
+                <a:schemeClr val="tx1">
+                  <a:lumMod val="65000"/>
+                  <a:lumOff val="35000"/>
+                </a:schemeClr>
+              </a:solidFill>
+            </a:endParaRPr>
+          </a:p>
+        </p:txBody>
+      </p:sp>
+      <p:sp>
+        <p:nvSpPr>
+          <p:cNvPr id="29" name="Rounded Rectangle 28"/>
+          <p:cNvSpPr/>
+          <p:nvPr/>
+        </p:nvSpPr>
+        <p:spPr>
+          <a:xfrm>
+            <a:off x="4829201" y="3031246"/>
+            <a:ext cx="543852" cy="848265"/>
+          </a:xfrm>
+          <a:prstGeom prst="roundRect">
+            <a:avLst/>
+          </a:prstGeom>
+          <a:noFill/>
+          <a:ln w="57150">
+            <a:solidFill>
+              <a:srgbClr val="00B0F0"/>
+            </a:solidFill>
+          </a:ln>
+        </p:spPr>
+        <p:style>
+          <a:lnRef idx="2">
+            <a:schemeClr val="accent1">
+              <a:shade val="50000"/>
+            </a:schemeClr>
+          </a:lnRef>
+          <a:fillRef idx="1">
+            <a:schemeClr val="accent1"/>
+          </a:fillRef>
+          <a:effectRef idx="0">
+            <a:schemeClr val="accent1"/>
+          </a:effectRef>
+          <a:fontRef idx="minor">
+            <a:schemeClr val="lt1"/>
+          </a:fontRef>
+        </p:style>
+        <p:txBody>
+          <a:bodyPr rtlCol="0" anchor="ctr"/>
+          <a:lstStyle/>
+          <a:p>
+            <a:pPr algn="ctr"/>
+            <a:endParaRPr lang="en-US"/>
+          </a:p>
+        </p:txBody>
+      </p:sp>
+      <p:sp>
+        <p:nvSpPr>
+          <p:cNvPr id="30" name="Subtitle 2"/>
+          <p:cNvSpPr txBox="1">
+            <a:spLocks/>
+          </p:cNvSpPr>
+          <p:nvPr/>
+        </p:nvSpPr>
+        <p:spPr>
+          <a:xfrm>
+            <a:off x="8339324" y="1436560"/>
+            <a:ext cx="1944216" cy="381073"/>
+          </a:xfrm>
+          <a:prstGeom prst="rect">
+            <a:avLst/>
+          </a:prstGeom>
+        </p:spPr>
+        <p:txBody>
+          <a:bodyPr vert="horz" lIns="91440" tIns="45720" rIns="91440" bIns="45720" rtlCol="0">
+            <a:normAutofit/>
+          </a:bodyPr>
+          <a:lstStyle>
+            <a:lvl1pPr marL="0" indent="0" algn="ctr" defTabSz="914400" rtl="0" eaLnBrk="1" latinLnBrk="0" hangingPunct="1">
+              <a:spcBef>
+                <a:spcPct val="20000"/>
+              </a:spcBef>
+              <a:buFont typeface="Arial" panose="020B0604020202020204" pitchFamily="34" charset="0"/>
+              <a:buNone/>
+              <a:defRPr sz="3200" kern="1200">
+                <a:solidFill>
+                  <a:schemeClr val="tx1">
+                    <a:tint val="75000"/>
+                  </a:schemeClr>
+                </a:solidFill>
+                <a:latin typeface="+mn-lt"/>
+                <a:ea typeface="+mn-ea"/>
+                <a:cs typeface="+mn-cs"/>
+              </a:defRPr>
+            </a:lvl1pPr>
+            <a:lvl2pPr marL="457200" indent="0" algn="ctr" defTabSz="914400" rtl="0" eaLnBrk="1" latinLnBrk="0" hangingPunct="1">
+              <a:spcBef>
+                <a:spcPct val="20000"/>
+              </a:spcBef>
+              <a:buFont typeface="Arial" panose="020B0604020202020204" pitchFamily="34" charset="0"/>
+              <a:buNone/>
+              <a:defRPr sz="2800" kern="1200">
+                <a:solidFill>
+                  <a:schemeClr val="tx1">
+                    <a:tint val="75000"/>
+                  </a:schemeClr>
+                </a:solidFill>
+                <a:latin typeface="+mn-lt"/>
+                <a:ea typeface="+mn-ea"/>
+                <a:cs typeface="+mn-cs"/>
+              </a:defRPr>
+            </a:lvl2pPr>
+            <a:lvl3pPr marL="914400" indent="0" algn="ctr" defTabSz="914400" rtl="0" eaLnBrk="1" latinLnBrk="0" hangingPunct="1">
+              <a:spcBef>
+                <a:spcPct val="20000"/>
+              </a:spcBef>
+              <a:buFont typeface="Arial" panose="020B0604020202020204" pitchFamily="34" charset="0"/>
+              <a:buNone/>
+              <a:defRPr sz="2400" kern="1200">
+                <a:solidFill>
+                  <a:schemeClr val="tx1">
+                    <a:tint val="75000"/>
+                  </a:schemeClr>
+                </a:solidFill>
+                <a:latin typeface="+mn-lt"/>
+                <a:ea typeface="+mn-ea"/>
+                <a:cs typeface="+mn-cs"/>
+              </a:defRPr>
+            </a:lvl3pPr>
+            <a:lvl4pPr marL="1371600" indent="0" algn="ctr" defTabSz="914400" rtl="0" eaLnBrk="1" latinLnBrk="0" hangingPunct="1">
+              <a:spcBef>
+                <a:spcPct val="20000"/>
+              </a:spcBef>
+              <a:buFont typeface="Arial" panose="020B0604020202020204" pitchFamily="34" charset="0"/>
+              <a:buNone/>
+              <a:defRPr sz="2000" kern="1200">
+                <a:solidFill>
+                  <a:schemeClr val="tx1">
+                    <a:tint val="75000"/>
+                  </a:schemeClr>
+                </a:solidFill>
+                <a:latin typeface="+mn-lt"/>
+                <a:ea typeface="+mn-ea"/>
+                <a:cs typeface="+mn-cs"/>
+              </a:defRPr>
+            </a:lvl4pPr>
+            <a:lvl5pPr marL="1828800" indent="0" algn="ctr" defTabSz="914400" rtl="0" eaLnBrk="1" latinLnBrk="0" hangingPunct="1">
+              <a:spcBef>
+                <a:spcPct val="20000"/>
+              </a:spcBef>
+              <a:buFont typeface="Arial" panose="020B0604020202020204" pitchFamily="34" charset="0"/>
+              <a:buNone/>
+              <a:defRPr sz="2000" kern="1200">
+                <a:solidFill>
+                  <a:schemeClr val="tx1">
+                    <a:tint val="75000"/>
+                  </a:schemeClr>
+                </a:solidFill>
+                <a:latin typeface="+mn-lt"/>
+                <a:ea typeface="+mn-ea"/>
+                <a:cs typeface="+mn-cs"/>
+              </a:defRPr>
+            </a:lvl5pPr>
+            <a:lvl6pPr marL="2286000" indent="0" algn="ctr" defTabSz="914400" rtl="0" eaLnBrk="1" latinLnBrk="0" hangingPunct="1">
+              <a:spcBef>
+                <a:spcPct val="20000"/>
+              </a:spcBef>
+              <a:buFont typeface="Arial" panose="020B0604020202020204" pitchFamily="34" charset="0"/>
+              <a:buNone/>
+              <a:defRPr sz="2000" kern="1200">
+                <a:solidFill>
+                  <a:schemeClr val="tx1">
+                    <a:tint val="75000"/>
+                  </a:schemeClr>
+                </a:solidFill>
+                <a:latin typeface="+mn-lt"/>
+                <a:ea typeface="+mn-ea"/>
+                <a:cs typeface="+mn-cs"/>
+              </a:defRPr>
+            </a:lvl6pPr>
+            <a:lvl7pPr marL="2743200" indent="0" algn="ctr" defTabSz="914400" rtl="0" eaLnBrk="1" latinLnBrk="0" hangingPunct="1">
+              <a:spcBef>
+                <a:spcPct val="20000"/>
+              </a:spcBef>
+              <a:buFont typeface="Arial" panose="020B0604020202020204" pitchFamily="34" charset="0"/>
+              <a:buNone/>
+              <a:defRPr sz="2000" kern="1200">
+                <a:solidFill>
+                  <a:schemeClr val="tx1">
+                    <a:tint val="75000"/>
+                  </a:schemeClr>
+                </a:solidFill>
+                <a:latin typeface="+mn-lt"/>
+                <a:ea typeface="+mn-ea"/>
+                <a:cs typeface="+mn-cs"/>
+              </a:defRPr>
+            </a:lvl7pPr>
+            <a:lvl8pPr marL="3200400" indent="0" algn="ctr" defTabSz="914400" rtl="0" eaLnBrk="1" latinLnBrk="0" hangingPunct="1">
+              <a:spcBef>
+                <a:spcPct val="20000"/>
+              </a:spcBef>
+              <a:buFont typeface="Arial" panose="020B0604020202020204" pitchFamily="34" charset="0"/>
+              <a:buNone/>
+              <a:defRPr sz="2000" kern="1200">
+                <a:solidFill>
+                  <a:schemeClr val="tx1">
+                    <a:tint val="75000"/>
+                  </a:schemeClr>
+                </a:solidFill>
+                <a:latin typeface="+mn-lt"/>
+                <a:ea typeface="+mn-ea"/>
+                <a:cs typeface="+mn-cs"/>
+              </a:defRPr>
+            </a:lvl8pPr>
+            <a:lvl9pPr marL="3657600" indent="0" algn="ctr" defTabSz="914400" rtl="0" eaLnBrk="1" latinLnBrk="0" hangingPunct="1">
+              <a:spcBef>
+                <a:spcPct val="20000"/>
+              </a:spcBef>
+              <a:buFont typeface="Arial" panose="020B0604020202020204" pitchFamily="34" charset="0"/>
+              <a:buNone/>
+              <a:defRPr sz="2000" kern="1200">
+                <a:solidFill>
+                  <a:schemeClr val="tx1">
+                    <a:tint val="75000"/>
+                  </a:schemeClr>
+                </a:solidFill>
+                <a:latin typeface="+mn-lt"/>
+                <a:ea typeface="+mn-ea"/>
+                <a:cs typeface="+mn-cs"/>
+              </a:defRPr>
+            </a:lvl9pPr>
+          </a:lstStyle>
+          <a:p>
+            <a:pPr algn="l"/>
+            <a:r>
+              <a:rPr lang="en-US" sz="1400" dirty="0" smtClean="0">
+                <a:solidFill>
+                  <a:schemeClr val="tx1">
+                    <a:lumMod val="65000"/>
+                    <a:lumOff val="35000"/>
+                  </a:schemeClr>
+                </a:solidFill>
+              </a:rPr>
+              <a:t>SJ1-4</a:t>
+            </a:r>
+            <a:endParaRPr lang="en-US" sz="1400" dirty="0">
+              <a:solidFill>
+                <a:schemeClr val="tx1">
+                  <a:lumMod val="65000"/>
+                  <a:lumOff val="35000"/>
+                </a:schemeClr>
+              </a:solidFill>
+            </a:endParaRPr>
+          </a:p>
+        </p:txBody>
+      </p:sp>
+      <p:sp>
+        <p:nvSpPr>
+          <p:cNvPr id="31" name="Down Arrow 30"/>
+          <p:cNvSpPr/>
+          <p:nvPr/>
+        </p:nvSpPr>
+        <p:spPr>
+          <a:xfrm rot="3716451">
+            <a:off x="7663747" y="1500903"/>
+            <a:ext cx="316453" cy="1003832"/>
+          </a:xfrm>
+          <a:prstGeom prst="downArrow">
+            <a:avLst/>
+          </a:prstGeom>
+        </p:spPr>
+        <p:style>
+          <a:lnRef idx="2">
+            <a:schemeClr val="accent5">
+              <a:shade val="50000"/>
+            </a:schemeClr>
+          </a:lnRef>
+          <a:fillRef idx="1">
+            <a:schemeClr val="accent5"/>
+          </a:fillRef>
+          <a:effectRef idx="0">
+            <a:schemeClr val="accent5"/>
+          </a:effectRef>
+          <a:fontRef idx="minor">
+            <a:schemeClr val="lt1"/>
+          </a:fontRef>
+        </p:style>
+        <p:txBody>
+          <a:bodyPr rtlCol="0" anchor="ctr"/>
+          <a:lstStyle/>
+          <a:p>
+            <a:pPr algn="ctr"/>
+            <a:endParaRPr lang="en-US"/>
+          </a:p>
+        </p:txBody>
+      </p:sp>
+      <p:sp>
+        <p:nvSpPr>
+          <p:cNvPr id="40" name="Subtitle 2"/>
+          <p:cNvSpPr txBox="1">
+            <a:spLocks/>
+          </p:cNvSpPr>
+          <p:nvPr/>
+        </p:nvSpPr>
+        <p:spPr>
+          <a:xfrm>
+            <a:off x="11104846" y="3026688"/>
+            <a:ext cx="752128" cy="334888"/>
+          </a:xfrm>
+          <a:prstGeom prst="rect">
+            <a:avLst/>
+          </a:prstGeom>
+        </p:spPr>
+        <p:txBody>
+          <a:bodyPr vert="horz" lIns="91440" tIns="45720" rIns="91440" bIns="45720" rtlCol="0">
+            <a:noAutofit/>
+          </a:bodyPr>
+          <a:lstStyle>
+            <a:lvl1pPr marL="0" indent="0" algn="ctr" defTabSz="914400" rtl="0" eaLnBrk="1" latinLnBrk="0" hangingPunct="1">
+              <a:spcBef>
+                <a:spcPct val="20000"/>
+              </a:spcBef>
+              <a:buFont typeface="Arial" panose="020B0604020202020204" pitchFamily="34" charset="0"/>
+              <a:buNone/>
+              <a:defRPr sz="3200" kern="1200">
+                <a:solidFill>
+                  <a:schemeClr val="tx1">
+                    <a:tint val="75000"/>
+                  </a:schemeClr>
+                </a:solidFill>
+                <a:latin typeface="+mn-lt"/>
+                <a:ea typeface="+mn-ea"/>
+                <a:cs typeface="+mn-cs"/>
+              </a:defRPr>
+            </a:lvl1pPr>
+            <a:lvl2pPr marL="457200" indent="0" algn="ctr" defTabSz="914400" rtl="0" eaLnBrk="1" latinLnBrk="0" hangingPunct="1">
+              <a:spcBef>
+                <a:spcPct val="20000"/>
+              </a:spcBef>
+              <a:buFont typeface="Arial" panose="020B0604020202020204" pitchFamily="34" charset="0"/>
+              <a:buNone/>
+              <a:defRPr sz="2800" kern="1200">
+                <a:solidFill>
+                  <a:schemeClr val="tx1">
+                    <a:tint val="75000"/>
+                  </a:schemeClr>
+                </a:solidFill>
+                <a:latin typeface="+mn-lt"/>
+                <a:ea typeface="+mn-ea"/>
+                <a:cs typeface="+mn-cs"/>
+              </a:defRPr>
+            </a:lvl2pPr>
+            <a:lvl3pPr marL="914400" indent="0" algn="ctr" defTabSz="914400" rtl="0" eaLnBrk="1" latinLnBrk="0" hangingPunct="1">
+              <a:spcBef>
+                <a:spcPct val="20000"/>
+              </a:spcBef>
+              <a:buFont typeface="Arial" panose="020B0604020202020204" pitchFamily="34" charset="0"/>
+              <a:buNone/>
+              <a:defRPr sz="2400" kern="1200">
+                <a:solidFill>
+                  <a:schemeClr val="tx1">
+                    <a:tint val="75000"/>
+                  </a:schemeClr>
+                </a:solidFill>
+                <a:latin typeface="+mn-lt"/>
+                <a:ea typeface="+mn-ea"/>
+                <a:cs typeface="+mn-cs"/>
+              </a:defRPr>
+            </a:lvl3pPr>
+            <a:lvl4pPr marL="1371600" indent="0" algn="ctr" defTabSz="914400" rtl="0" eaLnBrk="1" latinLnBrk="0" hangingPunct="1">
+              <a:spcBef>
+                <a:spcPct val="20000"/>
+              </a:spcBef>
+              <a:buFont typeface="Arial" panose="020B0604020202020204" pitchFamily="34" charset="0"/>
+              <a:buNone/>
+              <a:defRPr sz="2000" kern="1200">
+                <a:solidFill>
+                  <a:schemeClr val="tx1">
+                    <a:tint val="75000"/>
+                  </a:schemeClr>
+                </a:solidFill>
+                <a:latin typeface="+mn-lt"/>
+                <a:ea typeface="+mn-ea"/>
+                <a:cs typeface="+mn-cs"/>
+              </a:defRPr>
+            </a:lvl4pPr>
+            <a:lvl5pPr marL="1828800" indent="0" algn="ctr" defTabSz="914400" rtl="0" eaLnBrk="1" latinLnBrk="0" hangingPunct="1">
+              <a:spcBef>
+                <a:spcPct val="20000"/>
+              </a:spcBef>
+              <a:buFont typeface="Arial" panose="020B0604020202020204" pitchFamily="34" charset="0"/>
+              <a:buNone/>
+              <a:defRPr sz="2000" kern="1200">
+                <a:solidFill>
+                  <a:schemeClr val="tx1">
+                    <a:tint val="75000"/>
+                  </a:schemeClr>
+                </a:solidFill>
+                <a:latin typeface="+mn-lt"/>
+                <a:ea typeface="+mn-ea"/>
+                <a:cs typeface="+mn-cs"/>
+              </a:defRPr>
+            </a:lvl5pPr>
+            <a:lvl6pPr marL="2286000" indent="0" algn="ctr" defTabSz="914400" rtl="0" eaLnBrk="1" latinLnBrk="0" hangingPunct="1">
+              <a:spcBef>
+                <a:spcPct val="20000"/>
+              </a:spcBef>
+              <a:buFont typeface="Arial" panose="020B0604020202020204" pitchFamily="34" charset="0"/>
+              <a:buNone/>
+              <a:defRPr sz="2000" kern="1200">
+                <a:solidFill>
+                  <a:schemeClr val="tx1">
+                    <a:tint val="75000"/>
+                  </a:schemeClr>
+                </a:solidFill>
+                <a:latin typeface="+mn-lt"/>
+                <a:ea typeface="+mn-ea"/>
+                <a:cs typeface="+mn-cs"/>
+              </a:defRPr>
+            </a:lvl6pPr>
+            <a:lvl7pPr marL="2743200" indent="0" algn="ctr" defTabSz="914400" rtl="0" eaLnBrk="1" latinLnBrk="0" hangingPunct="1">
+              <a:spcBef>
+                <a:spcPct val="20000"/>
+              </a:spcBef>
+              <a:buFont typeface="Arial" panose="020B0604020202020204" pitchFamily="34" charset="0"/>
+              <a:buNone/>
+              <a:defRPr sz="2000" kern="1200">
+                <a:solidFill>
+                  <a:schemeClr val="tx1">
+                    <a:tint val="75000"/>
+                  </a:schemeClr>
+                </a:solidFill>
+                <a:latin typeface="+mn-lt"/>
+                <a:ea typeface="+mn-ea"/>
+                <a:cs typeface="+mn-cs"/>
+              </a:defRPr>
+            </a:lvl7pPr>
+            <a:lvl8pPr marL="3200400" indent="0" algn="ctr" defTabSz="914400" rtl="0" eaLnBrk="1" latinLnBrk="0" hangingPunct="1">
+              <a:spcBef>
+                <a:spcPct val="20000"/>
+              </a:spcBef>
+              <a:buFont typeface="Arial" panose="020B0604020202020204" pitchFamily="34" charset="0"/>
+              <a:buNone/>
+              <a:defRPr sz="2000" kern="1200">
+                <a:solidFill>
+                  <a:schemeClr val="tx1">
+                    <a:tint val="75000"/>
+                  </a:schemeClr>
+                </a:solidFill>
+                <a:latin typeface="+mn-lt"/>
+                <a:ea typeface="+mn-ea"/>
+                <a:cs typeface="+mn-cs"/>
+              </a:defRPr>
+            </a:lvl8pPr>
+            <a:lvl9pPr marL="3657600" indent="0" algn="ctr" defTabSz="914400" rtl="0" eaLnBrk="1" latinLnBrk="0" hangingPunct="1">
+              <a:spcBef>
+                <a:spcPct val="20000"/>
+              </a:spcBef>
+              <a:buFont typeface="Arial" panose="020B0604020202020204" pitchFamily="34" charset="0"/>
+              <a:buNone/>
+              <a:defRPr sz="2000" kern="1200">
+                <a:solidFill>
+                  <a:schemeClr val="tx1">
+                    <a:tint val="75000"/>
+                  </a:schemeClr>
+                </a:solidFill>
+                <a:latin typeface="+mn-lt"/>
+                <a:ea typeface="+mn-ea"/>
+                <a:cs typeface="+mn-cs"/>
+              </a:defRPr>
+            </a:lvl9pPr>
+          </a:lstStyle>
+          <a:p>
+            <a:pPr algn="l"/>
+            <a:r>
+              <a:rPr lang="en-US" sz="1700" b="1" dirty="0" smtClean="0">
+                <a:solidFill>
+                  <a:schemeClr val="tx1">
+                    <a:lumMod val="65000"/>
+                    <a:lumOff val="35000"/>
+                  </a:schemeClr>
+                </a:solidFill>
+              </a:rPr>
+              <a:t>P9</a:t>
+            </a:r>
+            <a:endParaRPr lang="en-US" sz="1700" b="1" dirty="0">
+              <a:solidFill>
+                <a:schemeClr val="tx1">
+                  <a:lumMod val="65000"/>
+                  <a:lumOff val="35000"/>
+                </a:schemeClr>
+              </a:solidFill>
+            </a:endParaRPr>
+          </a:p>
+        </p:txBody>
+      </p:sp>
+      <p:sp>
+        <p:nvSpPr>
+          <p:cNvPr id="53" name="Down Arrow 52"/>
+          <p:cNvSpPr/>
+          <p:nvPr/>
+        </p:nvSpPr>
+        <p:spPr>
+          <a:xfrm rot="21351608">
+            <a:off x="5285627" y="744704"/>
+            <a:ext cx="288032" cy="288032"/>
+          </a:xfrm>
+          <a:prstGeom prst="downArrow">
+            <a:avLst/>
+          </a:prstGeom>
+        </p:spPr>
+        <p:style>
+          <a:lnRef idx="2">
+            <a:schemeClr val="accent6">
+              <a:shade val="50000"/>
+            </a:schemeClr>
+          </a:lnRef>
+          <a:fillRef idx="1">
+            <a:schemeClr val="accent6"/>
+          </a:fillRef>
+          <a:effectRef idx="0">
+            <a:schemeClr val="accent6"/>
+          </a:effectRef>
+          <a:fontRef idx="minor">
+            <a:schemeClr val="lt1"/>
+          </a:fontRef>
+        </p:style>
+        <p:txBody>
+          <a:bodyPr rtlCol="0" anchor="ctr"/>
+          <a:lstStyle/>
+          <a:p>
+            <a:pPr algn="ctr"/>
+            <a:endParaRPr lang="en-US"/>
+          </a:p>
+        </p:txBody>
+      </p:sp>
+      <p:sp>
+        <p:nvSpPr>
+          <p:cNvPr id="54" name="Down Arrow 53"/>
+          <p:cNvSpPr/>
+          <p:nvPr/>
+        </p:nvSpPr>
+        <p:spPr>
+          <a:xfrm rot="79569">
+            <a:off x="5803866" y="376327"/>
+            <a:ext cx="288032" cy="648072"/>
+          </a:xfrm>
+          <a:prstGeom prst="downArrow">
+            <a:avLst/>
+          </a:prstGeom>
+        </p:spPr>
+        <p:style>
+          <a:lnRef idx="2">
+            <a:schemeClr val="accent6">
+              <a:shade val="50000"/>
+            </a:schemeClr>
+          </a:lnRef>
+          <a:fillRef idx="1">
+            <a:schemeClr val="accent6"/>
+          </a:fillRef>
+          <a:effectRef idx="0">
+            <a:schemeClr val="accent6"/>
+          </a:effectRef>
+          <a:fontRef idx="minor">
+            <a:schemeClr val="lt1"/>
+          </a:fontRef>
+        </p:style>
+        <p:txBody>
+          <a:bodyPr rtlCol="0" anchor="ctr"/>
+          <a:lstStyle/>
+          <a:p>
+            <a:pPr algn="ctr"/>
+            <a:endParaRPr lang="en-US"/>
+          </a:p>
+        </p:txBody>
+      </p:sp>
+      <p:sp>
+        <p:nvSpPr>
+          <p:cNvPr id="55" name="Down Arrow 54"/>
+          <p:cNvSpPr/>
+          <p:nvPr/>
+        </p:nvSpPr>
+        <p:spPr>
+          <a:xfrm rot="21351608">
+            <a:off x="6284168" y="753568"/>
+            <a:ext cx="288032" cy="288032"/>
+          </a:xfrm>
+          <a:prstGeom prst="downArrow">
+            <a:avLst/>
+          </a:prstGeom>
+        </p:spPr>
+        <p:style>
+          <a:lnRef idx="2">
+            <a:schemeClr val="accent6">
+              <a:shade val="50000"/>
+            </a:schemeClr>
+          </a:lnRef>
+          <a:fillRef idx="1">
+            <a:schemeClr val="accent6"/>
+          </a:fillRef>
+          <a:effectRef idx="0">
+            <a:schemeClr val="accent6"/>
+          </a:effectRef>
+          <a:fontRef idx="minor">
+            <a:schemeClr val="lt1"/>
+          </a:fontRef>
+        </p:style>
+        <p:txBody>
+          <a:bodyPr rtlCol="0" anchor="ctr"/>
+          <a:lstStyle/>
+          <a:p>
+            <a:pPr algn="ctr"/>
+            <a:endParaRPr lang="en-US"/>
+          </a:p>
+        </p:txBody>
+      </p:sp>
+      <p:sp>
+        <p:nvSpPr>
+          <p:cNvPr id="56" name="Down Arrow 55"/>
+          <p:cNvSpPr/>
+          <p:nvPr/>
+        </p:nvSpPr>
+        <p:spPr>
+          <a:xfrm rot="21351608">
+            <a:off x="6698555" y="273896"/>
+            <a:ext cx="288032" cy="768330"/>
+          </a:xfrm>
+          <a:prstGeom prst="downArrow">
+            <a:avLst/>
+          </a:prstGeom>
+        </p:spPr>
+        <p:style>
+          <a:lnRef idx="2">
+            <a:schemeClr val="accent6">
+              <a:shade val="50000"/>
+            </a:schemeClr>
+          </a:lnRef>
+          <a:fillRef idx="1">
+            <a:schemeClr val="accent6"/>
+          </a:fillRef>
+          <a:effectRef idx="0">
+            <a:schemeClr val="accent6"/>
+          </a:effectRef>
+          <a:fontRef idx="minor">
+            <a:schemeClr val="lt1"/>
+          </a:fontRef>
+        </p:style>
+        <p:txBody>
+          <a:bodyPr rtlCol="0" anchor="ctr"/>
+          <a:lstStyle/>
+          <a:p>
+            <a:pPr algn="ctr"/>
+            <a:endParaRPr lang="en-US"/>
+          </a:p>
+        </p:txBody>
+      </p:sp>
+      <p:sp>
+        <p:nvSpPr>
+          <p:cNvPr id="59" name="Subtitle 2"/>
+          <p:cNvSpPr txBox="1">
+            <a:spLocks/>
+          </p:cNvSpPr>
+          <p:nvPr/>
+        </p:nvSpPr>
+        <p:spPr>
+          <a:xfrm>
+            <a:off x="5188024" y="357808"/>
+            <a:ext cx="752128" cy="334888"/>
+          </a:xfrm>
+          <a:prstGeom prst="rect">
+            <a:avLst/>
+          </a:prstGeom>
+        </p:spPr>
+        <p:txBody>
+          <a:bodyPr vert="horz" lIns="91440" tIns="45720" rIns="91440" bIns="45720" rtlCol="0">
+            <a:noAutofit/>
+          </a:bodyPr>
+          <a:lstStyle>
+            <a:lvl1pPr marL="0" indent="0" algn="ctr" defTabSz="914400" rtl="0" eaLnBrk="1" latinLnBrk="0" hangingPunct="1">
+              <a:spcBef>
+                <a:spcPct val="20000"/>
+              </a:spcBef>
+              <a:buFont typeface="Arial" panose="020B0604020202020204" pitchFamily="34" charset="0"/>
+              <a:buNone/>
+              <a:defRPr sz="3200" kern="1200">
+                <a:solidFill>
+                  <a:schemeClr val="tx1">
+                    <a:tint val="75000"/>
+                  </a:schemeClr>
+                </a:solidFill>
+                <a:latin typeface="+mn-lt"/>
+                <a:ea typeface="+mn-ea"/>
+                <a:cs typeface="+mn-cs"/>
+              </a:defRPr>
+            </a:lvl1pPr>
+            <a:lvl2pPr marL="457200" indent="0" algn="ctr" defTabSz="914400" rtl="0" eaLnBrk="1" latinLnBrk="0" hangingPunct="1">
+              <a:spcBef>
+                <a:spcPct val="20000"/>
+              </a:spcBef>
+              <a:buFont typeface="Arial" panose="020B0604020202020204" pitchFamily="34" charset="0"/>
+              <a:buNone/>
+              <a:defRPr sz="2800" kern="1200">
+                <a:solidFill>
+                  <a:schemeClr val="tx1">
+                    <a:tint val="75000"/>
+                  </a:schemeClr>
+                </a:solidFill>
+                <a:latin typeface="+mn-lt"/>
+                <a:ea typeface="+mn-ea"/>
+                <a:cs typeface="+mn-cs"/>
+              </a:defRPr>
+            </a:lvl2pPr>
+            <a:lvl3pPr marL="914400" indent="0" algn="ctr" defTabSz="914400" rtl="0" eaLnBrk="1" latinLnBrk="0" hangingPunct="1">
+              <a:spcBef>
+                <a:spcPct val="20000"/>
+              </a:spcBef>
+              <a:buFont typeface="Arial" panose="020B0604020202020204" pitchFamily="34" charset="0"/>
+              <a:buNone/>
+              <a:defRPr sz="2400" kern="1200">
+                <a:solidFill>
+                  <a:schemeClr val="tx1">
+                    <a:tint val="75000"/>
+                  </a:schemeClr>
+                </a:solidFill>
+                <a:latin typeface="+mn-lt"/>
+                <a:ea typeface="+mn-ea"/>
+                <a:cs typeface="+mn-cs"/>
+              </a:defRPr>
+            </a:lvl3pPr>
+            <a:lvl4pPr marL="1371600" indent="0" algn="ctr" defTabSz="914400" rtl="0" eaLnBrk="1" latinLnBrk="0" hangingPunct="1">
+              <a:spcBef>
+                <a:spcPct val="20000"/>
+              </a:spcBef>
+              <a:buFont typeface="Arial" panose="020B0604020202020204" pitchFamily="34" charset="0"/>
+              <a:buNone/>
+              <a:defRPr sz="2000" kern="1200">
+                <a:solidFill>
+                  <a:schemeClr val="tx1">
+                    <a:tint val="75000"/>
+                  </a:schemeClr>
+                </a:solidFill>
+                <a:latin typeface="+mn-lt"/>
+                <a:ea typeface="+mn-ea"/>
+                <a:cs typeface="+mn-cs"/>
+              </a:defRPr>
+            </a:lvl4pPr>
+            <a:lvl5pPr marL="1828800" indent="0" algn="ctr" defTabSz="914400" rtl="0" eaLnBrk="1" latinLnBrk="0" hangingPunct="1">
+              <a:spcBef>
+                <a:spcPct val="20000"/>
+              </a:spcBef>
+              <a:buFont typeface="Arial" panose="020B0604020202020204" pitchFamily="34" charset="0"/>
+              <a:buNone/>
+              <a:defRPr sz="2000" kern="1200">
+                <a:solidFill>
+                  <a:schemeClr val="tx1">
+                    <a:tint val="75000"/>
+                  </a:schemeClr>
+                </a:solidFill>
+                <a:latin typeface="+mn-lt"/>
+                <a:ea typeface="+mn-ea"/>
+                <a:cs typeface="+mn-cs"/>
+              </a:defRPr>
+            </a:lvl5pPr>
+            <a:lvl6pPr marL="2286000" indent="0" algn="ctr" defTabSz="914400" rtl="0" eaLnBrk="1" latinLnBrk="0" hangingPunct="1">
+              <a:spcBef>
+                <a:spcPct val="20000"/>
+              </a:spcBef>
+              <a:buFont typeface="Arial" panose="020B0604020202020204" pitchFamily="34" charset="0"/>
+              <a:buNone/>
+              <a:defRPr sz="2000" kern="1200">
+                <a:solidFill>
+                  <a:schemeClr val="tx1">
+                    <a:tint val="75000"/>
+                  </a:schemeClr>
+                </a:solidFill>
+                <a:latin typeface="+mn-lt"/>
+                <a:ea typeface="+mn-ea"/>
+                <a:cs typeface="+mn-cs"/>
+              </a:defRPr>
+            </a:lvl6pPr>
+            <a:lvl7pPr marL="2743200" indent="0" algn="ctr" defTabSz="914400" rtl="0" eaLnBrk="1" latinLnBrk="0" hangingPunct="1">
+              <a:spcBef>
+                <a:spcPct val="20000"/>
+              </a:spcBef>
+              <a:buFont typeface="Arial" panose="020B0604020202020204" pitchFamily="34" charset="0"/>
+              <a:buNone/>
+              <a:defRPr sz="2000" kern="1200">
+                <a:solidFill>
+                  <a:schemeClr val="tx1">
+                    <a:tint val="75000"/>
+                  </a:schemeClr>
+                </a:solidFill>
+                <a:latin typeface="+mn-lt"/>
+                <a:ea typeface="+mn-ea"/>
+                <a:cs typeface="+mn-cs"/>
+              </a:defRPr>
+            </a:lvl7pPr>
+            <a:lvl8pPr marL="3200400" indent="0" algn="ctr" defTabSz="914400" rtl="0" eaLnBrk="1" latinLnBrk="0" hangingPunct="1">
+              <a:spcBef>
+                <a:spcPct val="20000"/>
+              </a:spcBef>
+              <a:buFont typeface="Arial" panose="020B0604020202020204" pitchFamily="34" charset="0"/>
+              <a:buNone/>
+              <a:defRPr sz="2000" kern="1200">
+                <a:solidFill>
+                  <a:schemeClr val="tx1">
+                    <a:tint val="75000"/>
+                  </a:schemeClr>
+                </a:solidFill>
+                <a:latin typeface="+mn-lt"/>
+                <a:ea typeface="+mn-ea"/>
+                <a:cs typeface="+mn-cs"/>
+              </a:defRPr>
+            </a:lvl8pPr>
+            <a:lvl9pPr marL="3657600" indent="0" algn="ctr" defTabSz="914400" rtl="0" eaLnBrk="1" latinLnBrk="0" hangingPunct="1">
+              <a:spcBef>
+                <a:spcPct val="20000"/>
+              </a:spcBef>
+              <a:buFont typeface="Arial" panose="020B0604020202020204" pitchFamily="34" charset="0"/>
+              <a:buNone/>
+              <a:defRPr sz="2000" kern="1200">
+                <a:solidFill>
+                  <a:schemeClr val="tx1">
+                    <a:tint val="75000"/>
+                  </a:schemeClr>
+                </a:solidFill>
+                <a:latin typeface="+mn-lt"/>
+                <a:ea typeface="+mn-ea"/>
+                <a:cs typeface="+mn-cs"/>
+              </a:defRPr>
+            </a:lvl9pPr>
+          </a:lstStyle>
+          <a:p>
+            <a:pPr algn="l"/>
+            <a:r>
+              <a:rPr lang="en-US" sz="1700" b="1" dirty="0" smtClean="0">
+                <a:solidFill>
+                  <a:schemeClr val="tx1">
+                    <a:lumMod val="65000"/>
+                    <a:lumOff val="35000"/>
+                  </a:schemeClr>
+                </a:solidFill>
+              </a:rPr>
+              <a:t>P0</a:t>
+            </a:r>
+            <a:endParaRPr lang="en-US" sz="1700" b="1" dirty="0">
+              <a:solidFill>
+                <a:schemeClr val="tx1">
+                  <a:lumMod val="65000"/>
+                  <a:lumOff val="35000"/>
+                </a:schemeClr>
+              </a:solidFill>
+            </a:endParaRPr>
+          </a:p>
+        </p:txBody>
+      </p:sp>
+      <p:sp>
+        <p:nvSpPr>
+          <p:cNvPr id="60" name="Subtitle 2"/>
+          <p:cNvSpPr txBox="1">
+            <a:spLocks/>
+          </p:cNvSpPr>
+          <p:nvPr/>
+        </p:nvSpPr>
+        <p:spPr>
+          <a:xfrm>
+            <a:off x="5724128" y="44624"/>
+            <a:ext cx="752128" cy="334888"/>
+          </a:xfrm>
+          <a:prstGeom prst="rect">
+            <a:avLst/>
+          </a:prstGeom>
+        </p:spPr>
+        <p:txBody>
+          <a:bodyPr vert="horz" lIns="91440" tIns="45720" rIns="91440" bIns="45720" rtlCol="0">
+            <a:noAutofit/>
+          </a:bodyPr>
+          <a:lstStyle>
+            <a:lvl1pPr marL="0" indent="0" algn="ctr" defTabSz="914400" rtl="0" eaLnBrk="1" latinLnBrk="0" hangingPunct="1">
+              <a:spcBef>
+                <a:spcPct val="20000"/>
+              </a:spcBef>
+              <a:buFont typeface="Arial" panose="020B0604020202020204" pitchFamily="34" charset="0"/>
+              <a:buNone/>
+              <a:defRPr sz="3200" kern="1200">
+                <a:solidFill>
+                  <a:schemeClr val="tx1">
+                    <a:tint val="75000"/>
+                  </a:schemeClr>
+                </a:solidFill>
+                <a:latin typeface="+mn-lt"/>
+                <a:ea typeface="+mn-ea"/>
+                <a:cs typeface="+mn-cs"/>
+              </a:defRPr>
+            </a:lvl1pPr>
+            <a:lvl2pPr marL="457200" indent="0" algn="ctr" defTabSz="914400" rtl="0" eaLnBrk="1" latinLnBrk="0" hangingPunct="1">
+              <a:spcBef>
+                <a:spcPct val="20000"/>
+              </a:spcBef>
+              <a:buFont typeface="Arial" panose="020B0604020202020204" pitchFamily="34" charset="0"/>
+              <a:buNone/>
+              <a:defRPr sz="2800" kern="1200">
+                <a:solidFill>
+                  <a:schemeClr val="tx1">
+                    <a:tint val="75000"/>
+                  </a:schemeClr>
+                </a:solidFill>
+                <a:latin typeface="+mn-lt"/>
+                <a:ea typeface="+mn-ea"/>
+                <a:cs typeface="+mn-cs"/>
+              </a:defRPr>
+            </a:lvl2pPr>
+            <a:lvl3pPr marL="914400" indent="0" algn="ctr" defTabSz="914400" rtl="0" eaLnBrk="1" latinLnBrk="0" hangingPunct="1">
+              <a:spcBef>
+                <a:spcPct val="20000"/>
+              </a:spcBef>
+              <a:buFont typeface="Arial" panose="020B0604020202020204" pitchFamily="34" charset="0"/>
+              <a:buNone/>
+              <a:defRPr sz="2400" kern="1200">
+                <a:solidFill>
+                  <a:schemeClr val="tx1">
+                    <a:tint val="75000"/>
+                  </a:schemeClr>
+                </a:solidFill>
+                <a:latin typeface="+mn-lt"/>
+                <a:ea typeface="+mn-ea"/>
+                <a:cs typeface="+mn-cs"/>
+              </a:defRPr>
+            </a:lvl3pPr>
+            <a:lvl4pPr marL="1371600" indent="0" algn="ctr" defTabSz="914400" rtl="0" eaLnBrk="1" latinLnBrk="0" hangingPunct="1">
+              <a:spcBef>
+                <a:spcPct val="20000"/>
+              </a:spcBef>
+              <a:buFont typeface="Arial" panose="020B0604020202020204" pitchFamily="34" charset="0"/>
+              <a:buNone/>
+              <a:defRPr sz="2000" kern="1200">
+                <a:solidFill>
+                  <a:schemeClr val="tx1">
+                    <a:tint val="75000"/>
+                  </a:schemeClr>
+                </a:solidFill>
+                <a:latin typeface="+mn-lt"/>
+                <a:ea typeface="+mn-ea"/>
+                <a:cs typeface="+mn-cs"/>
+              </a:defRPr>
+            </a:lvl4pPr>
+            <a:lvl5pPr marL="1828800" indent="0" algn="ctr" defTabSz="914400" rtl="0" eaLnBrk="1" latinLnBrk="0" hangingPunct="1">
+              <a:spcBef>
+                <a:spcPct val="20000"/>
+              </a:spcBef>
+              <a:buFont typeface="Arial" panose="020B0604020202020204" pitchFamily="34" charset="0"/>
+              <a:buNone/>
+              <a:defRPr sz="2000" kern="1200">
+                <a:solidFill>
+                  <a:schemeClr val="tx1">
+                    <a:tint val="75000"/>
+                  </a:schemeClr>
+                </a:solidFill>
+                <a:latin typeface="+mn-lt"/>
+                <a:ea typeface="+mn-ea"/>
+                <a:cs typeface="+mn-cs"/>
+              </a:defRPr>
+            </a:lvl5pPr>
+            <a:lvl6pPr marL="2286000" indent="0" algn="ctr" defTabSz="914400" rtl="0" eaLnBrk="1" latinLnBrk="0" hangingPunct="1">
+              <a:spcBef>
+                <a:spcPct val="20000"/>
+              </a:spcBef>
+              <a:buFont typeface="Arial" panose="020B0604020202020204" pitchFamily="34" charset="0"/>
+              <a:buNone/>
+              <a:defRPr sz="2000" kern="1200">
+                <a:solidFill>
+                  <a:schemeClr val="tx1">
+                    <a:tint val="75000"/>
+                  </a:schemeClr>
+                </a:solidFill>
+                <a:latin typeface="+mn-lt"/>
+                <a:ea typeface="+mn-ea"/>
+                <a:cs typeface="+mn-cs"/>
+              </a:defRPr>
+            </a:lvl6pPr>
+            <a:lvl7pPr marL="2743200" indent="0" algn="ctr" defTabSz="914400" rtl="0" eaLnBrk="1" latinLnBrk="0" hangingPunct="1">
+              <a:spcBef>
+                <a:spcPct val="20000"/>
+              </a:spcBef>
+              <a:buFont typeface="Arial" panose="020B0604020202020204" pitchFamily="34" charset="0"/>
+              <a:buNone/>
+              <a:defRPr sz="2000" kern="1200">
+                <a:solidFill>
+                  <a:schemeClr val="tx1">
+                    <a:tint val="75000"/>
+                  </a:schemeClr>
+                </a:solidFill>
+                <a:latin typeface="+mn-lt"/>
+                <a:ea typeface="+mn-ea"/>
+                <a:cs typeface="+mn-cs"/>
+              </a:defRPr>
+            </a:lvl7pPr>
+            <a:lvl8pPr marL="3200400" indent="0" algn="ctr" defTabSz="914400" rtl="0" eaLnBrk="1" latinLnBrk="0" hangingPunct="1">
+              <a:spcBef>
+                <a:spcPct val="20000"/>
+              </a:spcBef>
+              <a:buFont typeface="Arial" panose="020B0604020202020204" pitchFamily="34" charset="0"/>
+              <a:buNone/>
+              <a:defRPr sz="2000" kern="1200">
+                <a:solidFill>
+                  <a:schemeClr val="tx1">
+                    <a:tint val="75000"/>
+                  </a:schemeClr>
+                </a:solidFill>
+                <a:latin typeface="+mn-lt"/>
+                <a:ea typeface="+mn-ea"/>
+                <a:cs typeface="+mn-cs"/>
+              </a:defRPr>
+            </a:lvl8pPr>
+            <a:lvl9pPr marL="3657600" indent="0" algn="ctr" defTabSz="914400" rtl="0" eaLnBrk="1" latinLnBrk="0" hangingPunct="1">
+              <a:spcBef>
+                <a:spcPct val="20000"/>
+              </a:spcBef>
+              <a:buFont typeface="Arial" panose="020B0604020202020204" pitchFamily="34" charset="0"/>
+              <a:buNone/>
+              <a:defRPr sz="2000" kern="1200">
+                <a:solidFill>
+                  <a:schemeClr val="tx1">
+                    <a:tint val="75000"/>
+                  </a:schemeClr>
+                </a:solidFill>
+                <a:latin typeface="+mn-lt"/>
+                <a:ea typeface="+mn-ea"/>
+                <a:cs typeface="+mn-cs"/>
+              </a:defRPr>
+            </a:lvl9pPr>
+          </a:lstStyle>
+          <a:p>
+            <a:pPr algn="l"/>
+            <a:r>
+              <a:rPr lang="en-US" sz="1700" b="1" dirty="0" smtClean="0">
+                <a:solidFill>
+                  <a:schemeClr val="tx1">
+                    <a:lumMod val="65000"/>
+                    <a:lumOff val="35000"/>
+                  </a:schemeClr>
+                </a:solidFill>
+              </a:rPr>
+              <a:t>P1</a:t>
+            </a:r>
+            <a:endParaRPr lang="en-US" sz="1700" b="1" dirty="0">
+              <a:solidFill>
+                <a:schemeClr val="tx1">
+                  <a:lumMod val="65000"/>
+                  <a:lumOff val="35000"/>
+                </a:schemeClr>
+              </a:solidFill>
+            </a:endParaRPr>
+          </a:p>
+        </p:txBody>
+      </p:sp>
+      <p:sp>
+        <p:nvSpPr>
+          <p:cNvPr id="61" name="Subtitle 2"/>
+          <p:cNvSpPr txBox="1">
+            <a:spLocks/>
+          </p:cNvSpPr>
+          <p:nvPr/>
+        </p:nvSpPr>
+        <p:spPr>
+          <a:xfrm>
+            <a:off x="6180112" y="404664"/>
+            <a:ext cx="752128" cy="334888"/>
+          </a:xfrm>
+          <a:prstGeom prst="rect">
+            <a:avLst/>
+          </a:prstGeom>
+        </p:spPr>
+        <p:txBody>
+          <a:bodyPr vert="horz" lIns="91440" tIns="45720" rIns="91440" bIns="45720" rtlCol="0">
+            <a:noAutofit/>
+          </a:bodyPr>
+          <a:lstStyle>
+            <a:lvl1pPr marL="0" indent="0" algn="ctr" defTabSz="914400" rtl="0" eaLnBrk="1" latinLnBrk="0" hangingPunct="1">
+              <a:spcBef>
+                <a:spcPct val="20000"/>
+              </a:spcBef>
+              <a:buFont typeface="Arial" panose="020B0604020202020204" pitchFamily="34" charset="0"/>
+              <a:buNone/>
+              <a:defRPr sz="3200" kern="1200">
+                <a:solidFill>
+                  <a:schemeClr val="tx1">
+                    <a:tint val="75000"/>
+                  </a:schemeClr>
+                </a:solidFill>
+                <a:latin typeface="+mn-lt"/>
+                <a:ea typeface="+mn-ea"/>
+                <a:cs typeface="+mn-cs"/>
+              </a:defRPr>
+            </a:lvl1pPr>
+            <a:lvl2pPr marL="457200" indent="0" algn="ctr" defTabSz="914400" rtl="0" eaLnBrk="1" latinLnBrk="0" hangingPunct="1">
+              <a:spcBef>
+                <a:spcPct val="20000"/>
+              </a:spcBef>
+              <a:buFont typeface="Arial" panose="020B0604020202020204" pitchFamily="34" charset="0"/>
+              <a:buNone/>
+              <a:defRPr sz="2800" kern="1200">
+                <a:solidFill>
+                  <a:schemeClr val="tx1">
+                    <a:tint val="75000"/>
+                  </a:schemeClr>
+                </a:solidFill>
+                <a:latin typeface="+mn-lt"/>
+                <a:ea typeface="+mn-ea"/>
+                <a:cs typeface="+mn-cs"/>
+              </a:defRPr>
+            </a:lvl2pPr>
+            <a:lvl3pPr marL="914400" indent="0" algn="ctr" defTabSz="914400" rtl="0" eaLnBrk="1" latinLnBrk="0" hangingPunct="1">
+              <a:spcBef>
+                <a:spcPct val="20000"/>
+              </a:spcBef>
+              <a:buFont typeface="Arial" panose="020B0604020202020204" pitchFamily="34" charset="0"/>
+              <a:buNone/>
+              <a:defRPr sz="2400" kern="1200">
+                <a:solidFill>
+                  <a:schemeClr val="tx1">
+                    <a:tint val="75000"/>
+                  </a:schemeClr>
+                </a:solidFill>
+                <a:latin typeface="+mn-lt"/>
+                <a:ea typeface="+mn-ea"/>
+                <a:cs typeface="+mn-cs"/>
+              </a:defRPr>
+            </a:lvl3pPr>
+            <a:lvl4pPr marL="1371600" indent="0" algn="ctr" defTabSz="914400" rtl="0" eaLnBrk="1" latinLnBrk="0" hangingPunct="1">
+              <a:spcBef>
+                <a:spcPct val="20000"/>
+              </a:spcBef>
+              <a:buFont typeface="Arial" panose="020B0604020202020204" pitchFamily="34" charset="0"/>
+              <a:buNone/>
+              <a:defRPr sz="2000" kern="1200">
+                <a:solidFill>
+                  <a:schemeClr val="tx1">
+                    <a:tint val="75000"/>
+                  </a:schemeClr>
+                </a:solidFill>
+                <a:latin typeface="+mn-lt"/>
+                <a:ea typeface="+mn-ea"/>
+                <a:cs typeface="+mn-cs"/>
+              </a:defRPr>
+            </a:lvl4pPr>
+            <a:lvl5pPr marL="1828800" indent="0" algn="ctr" defTabSz="914400" rtl="0" eaLnBrk="1" latinLnBrk="0" hangingPunct="1">
+              <a:spcBef>
+                <a:spcPct val="20000"/>
+              </a:spcBef>
+              <a:buFont typeface="Arial" panose="020B0604020202020204" pitchFamily="34" charset="0"/>
+              <a:buNone/>
+              <a:defRPr sz="2000" kern="1200">
+                <a:solidFill>
+                  <a:schemeClr val="tx1">
+                    <a:tint val="75000"/>
+                  </a:schemeClr>
+                </a:solidFill>
+                <a:latin typeface="+mn-lt"/>
+                <a:ea typeface="+mn-ea"/>
+                <a:cs typeface="+mn-cs"/>
+              </a:defRPr>
+            </a:lvl5pPr>
+            <a:lvl6pPr marL="2286000" indent="0" algn="ctr" defTabSz="914400" rtl="0" eaLnBrk="1" latinLnBrk="0" hangingPunct="1">
+              <a:spcBef>
+                <a:spcPct val="20000"/>
+              </a:spcBef>
+              <a:buFont typeface="Arial" panose="020B0604020202020204" pitchFamily="34" charset="0"/>
+              <a:buNone/>
+              <a:defRPr sz="2000" kern="1200">
+                <a:solidFill>
+                  <a:schemeClr val="tx1">
+                    <a:tint val="75000"/>
+                  </a:schemeClr>
+                </a:solidFill>
+                <a:latin typeface="+mn-lt"/>
+                <a:ea typeface="+mn-ea"/>
+                <a:cs typeface="+mn-cs"/>
+              </a:defRPr>
+            </a:lvl6pPr>
+            <a:lvl7pPr marL="2743200" indent="0" algn="ctr" defTabSz="914400" rtl="0" eaLnBrk="1" latinLnBrk="0" hangingPunct="1">
+              <a:spcBef>
+                <a:spcPct val="20000"/>
+              </a:spcBef>
+              <a:buFont typeface="Arial" panose="020B0604020202020204" pitchFamily="34" charset="0"/>
+              <a:buNone/>
+              <a:defRPr sz="2000" kern="1200">
+                <a:solidFill>
+                  <a:schemeClr val="tx1">
+                    <a:tint val="75000"/>
+                  </a:schemeClr>
+                </a:solidFill>
+                <a:latin typeface="+mn-lt"/>
+                <a:ea typeface="+mn-ea"/>
+                <a:cs typeface="+mn-cs"/>
+              </a:defRPr>
+            </a:lvl7pPr>
+            <a:lvl8pPr marL="3200400" indent="0" algn="ctr" defTabSz="914400" rtl="0" eaLnBrk="1" latinLnBrk="0" hangingPunct="1">
+              <a:spcBef>
+                <a:spcPct val="20000"/>
+              </a:spcBef>
+              <a:buFont typeface="Arial" panose="020B0604020202020204" pitchFamily="34" charset="0"/>
+              <a:buNone/>
+              <a:defRPr sz="2000" kern="1200">
+                <a:solidFill>
+                  <a:schemeClr val="tx1">
+                    <a:tint val="75000"/>
+                  </a:schemeClr>
+                </a:solidFill>
+                <a:latin typeface="+mn-lt"/>
+                <a:ea typeface="+mn-ea"/>
+                <a:cs typeface="+mn-cs"/>
+              </a:defRPr>
+            </a:lvl8pPr>
+            <a:lvl9pPr marL="3657600" indent="0" algn="ctr" defTabSz="914400" rtl="0" eaLnBrk="1" latinLnBrk="0" hangingPunct="1">
+              <a:spcBef>
+                <a:spcPct val="20000"/>
+              </a:spcBef>
+              <a:buFont typeface="Arial" panose="020B0604020202020204" pitchFamily="34" charset="0"/>
+              <a:buNone/>
+              <a:defRPr sz="2000" kern="1200">
+                <a:solidFill>
+                  <a:schemeClr val="tx1">
+                    <a:tint val="75000"/>
+                  </a:schemeClr>
+                </a:solidFill>
+                <a:latin typeface="+mn-lt"/>
+                <a:ea typeface="+mn-ea"/>
+                <a:cs typeface="+mn-cs"/>
+              </a:defRPr>
+            </a:lvl9pPr>
+          </a:lstStyle>
+          <a:p>
+            <a:pPr algn="l"/>
+            <a:r>
+              <a:rPr lang="en-US" sz="1700" b="1" dirty="0" smtClean="0">
+                <a:solidFill>
+                  <a:schemeClr val="tx1">
+                    <a:lumMod val="65000"/>
+                    <a:lumOff val="35000"/>
+                  </a:schemeClr>
+                </a:solidFill>
+              </a:rPr>
+              <a:t>P2</a:t>
+            </a:r>
+            <a:endParaRPr lang="en-US" sz="1700" b="1" dirty="0">
+              <a:solidFill>
+                <a:schemeClr val="tx1">
+                  <a:lumMod val="65000"/>
+                  <a:lumOff val="35000"/>
+                </a:schemeClr>
+              </a:solidFill>
+            </a:endParaRPr>
+          </a:p>
+        </p:txBody>
+      </p:sp>
+      <p:sp>
+        <p:nvSpPr>
+          <p:cNvPr id="62" name="Subtitle 2"/>
+          <p:cNvSpPr txBox="1">
+            <a:spLocks/>
+          </p:cNvSpPr>
+          <p:nvPr/>
+        </p:nvSpPr>
+        <p:spPr>
+          <a:xfrm>
+            <a:off x="6588224" y="-74240"/>
+            <a:ext cx="752128" cy="334888"/>
+          </a:xfrm>
+          <a:prstGeom prst="rect">
+            <a:avLst/>
+          </a:prstGeom>
+        </p:spPr>
+        <p:txBody>
+          <a:bodyPr vert="horz" lIns="91440" tIns="45720" rIns="91440" bIns="45720" rtlCol="0">
+            <a:noAutofit/>
+          </a:bodyPr>
+          <a:lstStyle>
+            <a:lvl1pPr marL="0" indent="0" algn="ctr" defTabSz="914400" rtl="0" eaLnBrk="1" latinLnBrk="0" hangingPunct="1">
+              <a:spcBef>
+                <a:spcPct val="20000"/>
+              </a:spcBef>
+              <a:buFont typeface="Arial" panose="020B0604020202020204" pitchFamily="34" charset="0"/>
+              <a:buNone/>
+              <a:defRPr sz="3200" kern="1200">
+                <a:solidFill>
+                  <a:schemeClr val="tx1">
+                    <a:tint val="75000"/>
+                  </a:schemeClr>
+                </a:solidFill>
+                <a:latin typeface="+mn-lt"/>
+                <a:ea typeface="+mn-ea"/>
+                <a:cs typeface="+mn-cs"/>
+              </a:defRPr>
+            </a:lvl1pPr>
+            <a:lvl2pPr marL="457200" indent="0" algn="ctr" defTabSz="914400" rtl="0" eaLnBrk="1" latinLnBrk="0" hangingPunct="1">
+              <a:spcBef>
+                <a:spcPct val="20000"/>
+              </a:spcBef>
+              <a:buFont typeface="Arial" panose="020B0604020202020204" pitchFamily="34" charset="0"/>
+              <a:buNone/>
+              <a:defRPr sz="2800" kern="1200">
+                <a:solidFill>
+                  <a:schemeClr val="tx1">
+                    <a:tint val="75000"/>
+                  </a:schemeClr>
+                </a:solidFill>
+                <a:latin typeface="+mn-lt"/>
+                <a:ea typeface="+mn-ea"/>
+                <a:cs typeface="+mn-cs"/>
+              </a:defRPr>
+            </a:lvl2pPr>
+            <a:lvl3pPr marL="914400" indent="0" algn="ctr" defTabSz="914400" rtl="0" eaLnBrk="1" latinLnBrk="0" hangingPunct="1">
+              <a:spcBef>
+                <a:spcPct val="20000"/>
+              </a:spcBef>
+              <a:buFont typeface="Arial" panose="020B0604020202020204" pitchFamily="34" charset="0"/>
+              <a:buNone/>
+              <a:defRPr sz="2400" kern="1200">
+                <a:solidFill>
+                  <a:schemeClr val="tx1">
+                    <a:tint val="75000"/>
+                  </a:schemeClr>
+                </a:solidFill>
+                <a:latin typeface="+mn-lt"/>
+                <a:ea typeface="+mn-ea"/>
+                <a:cs typeface="+mn-cs"/>
+              </a:defRPr>
+            </a:lvl3pPr>
+            <a:lvl4pPr marL="1371600" indent="0" algn="ctr" defTabSz="914400" rtl="0" eaLnBrk="1" latinLnBrk="0" hangingPunct="1">
+              <a:spcBef>
+                <a:spcPct val="20000"/>
+              </a:spcBef>
+              <a:buFont typeface="Arial" panose="020B0604020202020204" pitchFamily="34" charset="0"/>
+              <a:buNone/>
+              <a:defRPr sz="2000" kern="1200">
+                <a:solidFill>
+                  <a:schemeClr val="tx1">
+                    <a:tint val="75000"/>
+                  </a:schemeClr>
+                </a:solidFill>
+                <a:latin typeface="+mn-lt"/>
+                <a:ea typeface="+mn-ea"/>
+                <a:cs typeface="+mn-cs"/>
+              </a:defRPr>
+            </a:lvl4pPr>
+            <a:lvl5pPr marL="1828800" indent="0" algn="ctr" defTabSz="914400" rtl="0" eaLnBrk="1" latinLnBrk="0" hangingPunct="1">
+              <a:spcBef>
+                <a:spcPct val="20000"/>
+              </a:spcBef>
+              <a:buFont typeface="Arial" panose="020B0604020202020204" pitchFamily="34" charset="0"/>
+              <a:buNone/>
+              <a:defRPr sz="2000" kern="1200">
+                <a:solidFill>
+                  <a:schemeClr val="tx1">
+                    <a:tint val="75000"/>
+                  </a:schemeClr>
+                </a:solidFill>
+                <a:latin typeface="+mn-lt"/>
+                <a:ea typeface="+mn-ea"/>
+                <a:cs typeface="+mn-cs"/>
+              </a:defRPr>
+            </a:lvl5pPr>
+            <a:lvl6pPr marL="2286000" indent="0" algn="ctr" defTabSz="914400" rtl="0" eaLnBrk="1" latinLnBrk="0" hangingPunct="1">
+              <a:spcBef>
+                <a:spcPct val="20000"/>
+              </a:spcBef>
+              <a:buFont typeface="Arial" panose="020B0604020202020204" pitchFamily="34" charset="0"/>
+              <a:buNone/>
+              <a:defRPr sz="2000" kern="1200">
+                <a:solidFill>
+                  <a:schemeClr val="tx1">
+                    <a:tint val="75000"/>
+                  </a:schemeClr>
+                </a:solidFill>
+                <a:latin typeface="+mn-lt"/>
+                <a:ea typeface="+mn-ea"/>
+                <a:cs typeface="+mn-cs"/>
+              </a:defRPr>
+            </a:lvl6pPr>
+            <a:lvl7pPr marL="2743200" indent="0" algn="ctr" defTabSz="914400" rtl="0" eaLnBrk="1" latinLnBrk="0" hangingPunct="1">
+              <a:spcBef>
+                <a:spcPct val="20000"/>
+              </a:spcBef>
+              <a:buFont typeface="Arial" panose="020B0604020202020204" pitchFamily="34" charset="0"/>
+              <a:buNone/>
+              <a:defRPr sz="2000" kern="1200">
+                <a:solidFill>
+                  <a:schemeClr val="tx1">
+                    <a:tint val="75000"/>
+                  </a:schemeClr>
+                </a:solidFill>
+                <a:latin typeface="+mn-lt"/>
+                <a:ea typeface="+mn-ea"/>
+                <a:cs typeface="+mn-cs"/>
+              </a:defRPr>
+            </a:lvl7pPr>
+            <a:lvl8pPr marL="3200400" indent="0" algn="ctr" defTabSz="914400" rtl="0" eaLnBrk="1" latinLnBrk="0" hangingPunct="1">
+              <a:spcBef>
+                <a:spcPct val="20000"/>
+              </a:spcBef>
+              <a:buFont typeface="Arial" panose="020B0604020202020204" pitchFamily="34" charset="0"/>
+              <a:buNone/>
+              <a:defRPr sz="2000" kern="1200">
+                <a:solidFill>
+                  <a:schemeClr val="tx1">
+                    <a:tint val="75000"/>
+                  </a:schemeClr>
+                </a:solidFill>
+                <a:latin typeface="+mn-lt"/>
+                <a:ea typeface="+mn-ea"/>
+                <a:cs typeface="+mn-cs"/>
+              </a:defRPr>
+            </a:lvl8pPr>
+            <a:lvl9pPr marL="3657600" indent="0" algn="ctr" defTabSz="914400" rtl="0" eaLnBrk="1" latinLnBrk="0" hangingPunct="1">
+              <a:spcBef>
+                <a:spcPct val="20000"/>
+              </a:spcBef>
+              <a:buFont typeface="Arial" panose="020B0604020202020204" pitchFamily="34" charset="0"/>
+              <a:buNone/>
+              <a:defRPr sz="2000" kern="1200">
+                <a:solidFill>
+                  <a:schemeClr val="tx1">
+                    <a:tint val="75000"/>
+                  </a:schemeClr>
+                </a:solidFill>
+                <a:latin typeface="+mn-lt"/>
+                <a:ea typeface="+mn-ea"/>
+                <a:cs typeface="+mn-cs"/>
+              </a:defRPr>
+            </a:lvl9pPr>
+          </a:lstStyle>
+          <a:p>
+            <a:pPr algn="l"/>
+            <a:r>
+              <a:rPr lang="en-US" sz="1700" b="1" dirty="0" smtClean="0">
+                <a:solidFill>
+                  <a:schemeClr val="tx1">
+                    <a:lumMod val="65000"/>
+                    <a:lumOff val="35000"/>
+                  </a:schemeClr>
+                </a:solidFill>
+              </a:rPr>
+              <a:t>P3</a:t>
+            </a:r>
+            <a:endParaRPr lang="en-US" sz="1700" b="1" dirty="0">
+              <a:solidFill>
+                <a:schemeClr val="tx1">
+                  <a:lumMod val="65000"/>
+                  <a:lumOff val="35000"/>
+                </a:schemeClr>
+              </a:solidFill>
+            </a:endParaRPr>
+          </a:p>
+        </p:txBody>
+      </p:sp>
+      <p:sp>
+        <p:nvSpPr>
+          <p:cNvPr id="63" name="Down Arrow 62"/>
+          <p:cNvSpPr/>
+          <p:nvPr/>
+        </p:nvSpPr>
+        <p:spPr>
+          <a:xfrm rot="15038378">
+            <a:off x="4190443" y="1817854"/>
+            <a:ext cx="272745" cy="942078"/>
+          </a:xfrm>
+          <a:prstGeom prst="downArrow">
+            <a:avLst/>
+          </a:prstGeom>
+        </p:spPr>
+        <p:style>
+          <a:lnRef idx="2">
+            <a:schemeClr val="accent5">
+              <a:shade val="50000"/>
+            </a:schemeClr>
+          </a:lnRef>
+          <a:fillRef idx="1">
+            <a:schemeClr val="accent5"/>
+          </a:fillRef>
+          <a:effectRef idx="0">
+            <a:schemeClr val="accent5"/>
+          </a:effectRef>
+          <a:fontRef idx="minor">
+            <a:schemeClr val="lt1"/>
+          </a:fontRef>
+        </p:style>
+        <p:txBody>
+          <a:bodyPr rtlCol="0" anchor="ctr"/>
+          <a:lstStyle/>
+          <a:p>
+            <a:pPr algn="ctr"/>
+            <a:endParaRPr lang="en-US"/>
+          </a:p>
+        </p:txBody>
+      </p:sp>
+      <p:sp>
+        <p:nvSpPr>
+          <p:cNvPr id="64" name="Subtitle 2"/>
+          <p:cNvSpPr txBox="1">
+            <a:spLocks/>
+          </p:cNvSpPr>
+          <p:nvPr/>
+        </p:nvSpPr>
+        <p:spPr>
+          <a:xfrm>
+            <a:off x="3059832" y="1916832"/>
+            <a:ext cx="1944216" cy="1444744"/>
+          </a:xfrm>
+          <a:prstGeom prst="rect">
+            <a:avLst/>
+          </a:prstGeom>
+        </p:spPr>
+        <p:txBody>
+          <a:bodyPr vert="horz" lIns="91440" tIns="45720" rIns="91440" bIns="45720" rtlCol="0">
+            <a:normAutofit fontScale="85000" lnSpcReduction="20000"/>
+          </a:bodyPr>
+          <a:lstStyle>
+            <a:lvl1pPr marL="0" indent="0" algn="ctr" defTabSz="914400" rtl="0" eaLnBrk="1" latinLnBrk="0" hangingPunct="1">
+              <a:spcBef>
+                <a:spcPct val="20000"/>
+              </a:spcBef>
+              <a:buFont typeface="Arial" panose="020B0604020202020204" pitchFamily="34" charset="0"/>
+              <a:buNone/>
+              <a:defRPr sz="3200" kern="1200">
+                <a:solidFill>
+                  <a:schemeClr val="tx1">
+                    <a:tint val="75000"/>
+                  </a:schemeClr>
+                </a:solidFill>
+                <a:latin typeface="+mn-lt"/>
+                <a:ea typeface="+mn-ea"/>
+                <a:cs typeface="+mn-cs"/>
+              </a:defRPr>
+            </a:lvl1pPr>
+            <a:lvl2pPr marL="457200" indent="0" algn="ctr" defTabSz="914400" rtl="0" eaLnBrk="1" latinLnBrk="0" hangingPunct="1">
+              <a:spcBef>
+                <a:spcPct val="20000"/>
+              </a:spcBef>
+              <a:buFont typeface="Arial" panose="020B0604020202020204" pitchFamily="34" charset="0"/>
+              <a:buNone/>
+              <a:defRPr sz="2800" kern="1200">
+                <a:solidFill>
+                  <a:schemeClr val="tx1">
+                    <a:tint val="75000"/>
+                  </a:schemeClr>
+                </a:solidFill>
+                <a:latin typeface="+mn-lt"/>
+                <a:ea typeface="+mn-ea"/>
+                <a:cs typeface="+mn-cs"/>
+              </a:defRPr>
+            </a:lvl2pPr>
+            <a:lvl3pPr marL="914400" indent="0" algn="ctr" defTabSz="914400" rtl="0" eaLnBrk="1" latinLnBrk="0" hangingPunct="1">
+              <a:spcBef>
+                <a:spcPct val="20000"/>
+              </a:spcBef>
+              <a:buFont typeface="Arial" panose="020B0604020202020204" pitchFamily="34" charset="0"/>
+              <a:buNone/>
+              <a:defRPr sz="2400" kern="1200">
+                <a:solidFill>
+                  <a:schemeClr val="tx1">
+                    <a:tint val="75000"/>
+                  </a:schemeClr>
+                </a:solidFill>
+                <a:latin typeface="+mn-lt"/>
+                <a:ea typeface="+mn-ea"/>
+                <a:cs typeface="+mn-cs"/>
+              </a:defRPr>
+            </a:lvl3pPr>
+            <a:lvl4pPr marL="1371600" indent="0" algn="ctr" defTabSz="914400" rtl="0" eaLnBrk="1" latinLnBrk="0" hangingPunct="1">
+              <a:spcBef>
+                <a:spcPct val="20000"/>
+              </a:spcBef>
+              <a:buFont typeface="Arial" panose="020B0604020202020204" pitchFamily="34" charset="0"/>
+              <a:buNone/>
+              <a:defRPr sz="2000" kern="1200">
+                <a:solidFill>
+                  <a:schemeClr val="tx1">
+                    <a:tint val="75000"/>
+                  </a:schemeClr>
+                </a:solidFill>
+                <a:latin typeface="+mn-lt"/>
+                <a:ea typeface="+mn-ea"/>
+                <a:cs typeface="+mn-cs"/>
+              </a:defRPr>
+            </a:lvl4pPr>
+            <a:lvl5pPr marL="1828800" indent="0" algn="ctr" defTabSz="914400" rtl="0" eaLnBrk="1" latinLnBrk="0" hangingPunct="1">
+              <a:spcBef>
+                <a:spcPct val="20000"/>
+              </a:spcBef>
+              <a:buFont typeface="Arial" panose="020B0604020202020204" pitchFamily="34" charset="0"/>
+              <a:buNone/>
+              <a:defRPr sz="2000" kern="1200">
+                <a:solidFill>
+                  <a:schemeClr val="tx1">
+                    <a:tint val="75000"/>
+                  </a:schemeClr>
+                </a:solidFill>
+                <a:latin typeface="+mn-lt"/>
+                <a:ea typeface="+mn-ea"/>
+                <a:cs typeface="+mn-cs"/>
+              </a:defRPr>
+            </a:lvl5pPr>
+            <a:lvl6pPr marL="2286000" indent="0" algn="ctr" defTabSz="914400" rtl="0" eaLnBrk="1" latinLnBrk="0" hangingPunct="1">
+              <a:spcBef>
+                <a:spcPct val="20000"/>
+              </a:spcBef>
+              <a:buFont typeface="Arial" panose="020B0604020202020204" pitchFamily="34" charset="0"/>
+              <a:buNone/>
+              <a:defRPr sz="2000" kern="1200">
+                <a:solidFill>
+                  <a:schemeClr val="tx1">
+                    <a:tint val="75000"/>
+                  </a:schemeClr>
+                </a:solidFill>
+                <a:latin typeface="+mn-lt"/>
+                <a:ea typeface="+mn-ea"/>
+                <a:cs typeface="+mn-cs"/>
+              </a:defRPr>
+            </a:lvl6pPr>
+            <a:lvl7pPr marL="2743200" indent="0" algn="ctr" defTabSz="914400" rtl="0" eaLnBrk="1" latinLnBrk="0" hangingPunct="1">
+              <a:spcBef>
+                <a:spcPct val="20000"/>
+              </a:spcBef>
+              <a:buFont typeface="Arial" panose="020B0604020202020204" pitchFamily="34" charset="0"/>
+              <a:buNone/>
+              <a:defRPr sz="2000" kern="1200">
+                <a:solidFill>
+                  <a:schemeClr val="tx1">
+                    <a:tint val="75000"/>
+                  </a:schemeClr>
+                </a:solidFill>
+                <a:latin typeface="+mn-lt"/>
+                <a:ea typeface="+mn-ea"/>
+                <a:cs typeface="+mn-cs"/>
+              </a:defRPr>
+            </a:lvl7pPr>
+            <a:lvl8pPr marL="3200400" indent="0" algn="ctr" defTabSz="914400" rtl="0" eaLnBrk="1" latinLnBrk="0" hangingPunct="1">
+              <a:spcBef>
+                <a:spcPct val="20000"/>
+              </a:spcBef>
+              <a:buFont typeface="Arial" panose="020B0604020202020204" pitchFamily="34" charset="0"/>
+              <a:buNone/>
+              <a:defRPr sz="2000" kern="1200">
+                <a:solidFill>
+                  <a:schemeClr val="tx1">
+                    <a:tint val="75000"/>
+                  </a:schemeClr>
+                </a:solidFill>
+                <a:latin typeface="+mn-lt"/>
+                <a:ea typeface="+mn-ea"/>
+                <a:cs typeface="+mn-cs"/>
+              </a:defRPr>
+            </a:lvl8pPr>
+            <a:lvl9pPr marL="3657600" indent="0" algn="ctr" defTabSz="914400" rtl="0" eaLnBrk="1" latinLnBrk="0" hangingPunct="1">
+              <a:spcBef>
+                <a:spcPct val="20000"/>
+              </a:spcBef>
+              <a:buFont typeface="Arial" panose="020B0604020202020204" pitchFamily="34" charset="0"/>
+              <a:buNone/>
+              <a:defRPr sz="2000" kern="1200">
+                <a:solidFill>
+                  <a:schemeClr val="tx1">
+                    <a:tint val="75000"/>
+                  </a:schemeClr>
+                </a:solidFill>
+                <a:latin typeface="+mn-lt"/>
+                <a:ea typeface="+mn-ea"/>
+                <a:cs typeface="+mn-cs"/>
+              </a:defRPr>
+            </a:lvl9pPr>
+          </a:lstStyle>
+          <a:p>
+            <a:pPr algn="l"/>
+            <a:r>
+              <a:rPr lang="en-US" sz="1400" dirty="0" smtClean="0">
+                <a:solidFill>
+                  <a:schemeClr val="tx1">
+                    <a:lumMod val="65000"/>
+                    <a:lumOff val="35000"/>
+                  </a:schemeClr>
+                </a:solidFill>
+              </a:rPr>
+              <a:t>Accel </a:t>
+            </a:r>
+          </a:p>
+          <a:p>
+            <a:pPr algn="l"/>
+            <a:r>
+              <a:rPr lang="en-US" sz="1400" dirty="0" smtClean="0">
+                <a:solidFill>
+                  <a:schemeClr val="tx1">
+                    <a:lumMod val="65000"/>
+                    <a:lumOff val="35000"/>
+                  </a:schemeClr>
+                </a:solidFill>
+              </a:rPr>
+              <a:t>Header for</a:t>
+            </a:r>
+            <a:br>
+              <a:rPr lang="en-US" sz="1400" dirty="0" smtClean="0">
+                <a:solidFill>
+                  <a:schemeClr val="tx1">
+                    <a:lumMod val="65000"/>
+                    <a:lumOff val="35000"/>
+                  </a:schemeClr>
+                </a:solidFill>
+              </a:rPr>
+            </a:br>
+            <a:endParaRPr lang="en-US" sz="1400" dirty="0" smtClean="0">
+              <a:solidFill>
+                <a:schemeClr val="tx1">
+                  <a:lumMod val="65000"/>
+                  <a:lumOff val="35000"/>
+                </a:schemeClr>
+              </a:solidFill>
+            </a:endParaRPr>
+          </a:p>
+          <a:p>
+            <a:pPr algn="l"/>
+            <a:r>
+              <a:rPr lang="en-US" sz="1400" dirty="0" smtClean="0">
+                <a:solidFill>
+                  <a:schemeClr val="tx1">
+                    <a:lumMod val="65000"/>
+                    <a:lumOff val="35000"/>
+                  </a:schemeClr>
+                </a:solidFill>
+              </a:rPr>
+              <a:t>Sparkfun:</a:t>
+            </a:r>
+          </a:p>
+          <a:p>
+            <a:pPr algn="l"/>
+            <a:r>
+              <a:rPr lang="en-US" sz="1400" dirty="0" smtClean="0">
+                <a:solidFill>
+                  <a:schemeClr val="tx1">
+                    <a:lumMod val="65000"/>
+                    <a:lumOff val="35000"/>
+                  </a:schemeClr>
+                </a:solidFill>
+              </a:rPr>
+              <a:t>MMA8452Q</a:t>
+            </a:r>
+            <a:br>
+              <a:rPr lang="en-US" sz="1400" dirty="0" smtClean="0">
+                <a:solidFill>
+                  <a:schemeClr val="tx1">
+                    <a:lumMod val="65000"/>
+                    <a:lumOff val="35000"/>
+                  </a:schemeClr>
+                </a:solidFill>
+              </a:rPr>
+            </a:br>
+            <a:r>
+              <a:rPr lang="en-US" sz="1400" dirty="0" smtClean="0">
+                <a:solidFill>
+                  <a:schemeClr val="tx1">
+                    <a:lumMod val="65000"/>
+                    <a:lumOff val="35000"/>
+                  </a:schemeClr>
+                </a:solidFill>
+              </a:rPr>
+              <a:t/>
+            </a:r>
+            <a:br>
+              <a:rPr lang="en-US" sz="1400" dirty="0" smtClean="0">
+                <a:solidFill>
+                  <a:schemeClr val="tx1">
+                    <a:lumMod val="65000"/>
+                    <a:lumOff val="35000"/>
+                  </a:schemeClr>
+                </a:solidFill>
+              </a:rPr>
+            </a:br>
+            <a:r>
+              <a:rPr lang="en-US" sz="1400" dirty="0" smtClean="0">
+                <a:solidFill>
+                  <a:schemeClr val="tx1">
+                    <a:lumMod val="65000"/>
+                    <a:lumOff val="35000"/>
+                  </a:schemeClr>
+                </a:solidFill>
+              </a:rPr>
+              <a:t>Connected to </a:t>
+            </a:r>
+            <a:br>
+              <a:rPr lang="en-US" sz="1400" dirty="0" smtClean="0">
+                <a:solidFill>
+                  <a:schemeClr val="tx1">
+                    <a:lumMod val="65000"/>
+                    <a:lumOff val="35000"/>
+                  </a:schemeClr>
+                </a:solidFill>
+              </a:rPr>
+            </a:br>
+            <a:r>
+              <a:rPr lang="en-US" sz="1400" dirty="0" smtClean="0">
+                <a:solidFill>
+                  <a:schemeClr val="tx1">
+                    <a:lumMod val="65000"/>
+                    <a:lumOff val="35000"/>
+                  </a:schemeClr>
+                </a:solidFill>
+              </a:rPr>
+              <a:t>CHIP I2C bus</a:t>
+            </a:r>
+            <a:endParaRPr lang="en-US" sz="1400" dirty="0">
+              <a:solidFill>
+                <a:schemeClr val="tx1">
+                  <a:lumMod val="65000"/>
+                  <a:lumOff val="35000"/>
+                </a:schemeClr>
+              </a:solidFill>
+            </a:endParaRPr>
+          </a:p>
+        </p:txBody>
+      </p:sp>
+      <p:sp>
+        <p:nvSpPr>
+          <p:cNvPr id="65" name="Rounded Rectangle 64"/>
+          <p:cNvSpPr/>
+          <p:nvPr/>
+        </p:nvSpPr>
+        <p:spPr>
+          <a:xfrm>
+            <a:off x="4852482" y="1627097"/>
+            <a:ext cx="335542" cy="1399591"/>
+          </a:xfrm>
+          <a:prstGeom prst="roundRect">
+            <a:avLst/>
+          </a:prstGeom>
+          <a:noFill/>
+          <a:ln w="57150">
+            <a:solidFill>
+              <a:srgbClr val="00B0F0"/>
+            </a:solidFill>
+          </a:ln>
+        </p:spPr>
+        <p:style>
+          <a:lnRef idx="2">
+            <a:schemeClr val="accent1">
+              <a:shade val="50000"/>
+            </a:schemeClr>
+          </a:lnRef>
+          <a:fillRef idx="1">
+            <a:schemeClr val="accent1"/>
+          </a:fillRef>
+          <a:effectRef idx="0">
+            <a:schemeClr val="accent1"/>
+          </a:effectRef>
+          <a:fontRef idx="minor">
+            <a:schemeClr val="lt1"/>
+          </a:fontRef>
+        </p:style>
+        <p:txBody>
+          <a:bodyPr rtlCol="0" anchor="ctr"/>
+          <a:lstStyle/>
+          <a:p>
+            <a:pPr algn="ctr"/>
+            <a:endParaRPr lang="en-US"/>
+          </a:p>
+        </p:txBody>
+      </p:sp>
+      <p:graphicFrame>
+        <p:nvGraphicFramePr>
+          <p:cNvPr id="43" name="Table 42"/>
+          <p:cNvGraphicFramePr>
+            <a:graphicFrameLocks noGrp="1"/>
+          </p:cNvGraphicFramePr>
+          <p:nvPr>
+            <p:extLst>
+              <p:ext uri="{D42A27DB-BD31-4B8C-83A1-F6EECF244321}">
+                <p14:modId xmlns:p14="http://schemas.microsoft.com/office/powerpoint/2010/main" val="1327686264"/>
+              </p:ext>
+            </p:extLst>
+          </p:nvPr>
+        </p:nvGraphicFramePr>
+        <p:xfrm>
+          <a:off x="276199" y="1042759"/>
+          <a:ext cx="2711625" cy="4165347"/>
+        </p:xfrm>
+        <a:graphic>
+          <a:graphicData uri="http://schemas.openxmlformats.org/drawingml/2006/table">
+            <a:tbl>
+              <a:tblPr firstRow="1" bandRow="1">
+                <a:tableStyleId>{5C22544A-7EE6-4342-B048-85BDC9FD1C3A}</a:tableStyleId>
+              </a:tblPr>
+              <a:tblGrid>
+                <a:gridCol w="767409"/>
+                <a:gridCol w="1944216"/>
+              </a:tblGrid>
+              <a:tr h="416307">
+                <a:tc>
+                  <a:txBody>
+                    <a:bodyPr/>
+                    <a:lstStyle/>
+                    <a:p>
+                      <a:r>
+                        <a:rPr lang="en-US" dirty="0" smtClean="0"/>
+                        <a:t>SJ</a:t>
+                      </a:r>
+                      <a:endParaRPr lang="en-US" dirty="0"/>
+                    </a:p>
+                  </a:txBody>
+                  <a:tcPr/>
+                </a:tc>
+                <a:tc>
+                  <a:txBody>
+                    <a:bodyPr/>
+                    <a:lstStyle/>
+                    <a:p>
+                      <a:r>
+                        <a:rPr lang="en-US" dirty="0" smtClean="0"/>
+                        <a:t>Function</a:t>
+                      </a:r>
+                      <a:endParaRPr lang="en-US" dirty="0"/>
+                    </a:p>
+                  </a:txBody>
+                  <a:tcPr/>
+                </a:tc>
+              </a:tr>
+              <a:tr h="416307">
+                <a:tc>
+                  <a:txBody>
+                    <a:bodyPr/>
+                    <a:lstStyle/>
+                    <a:p>
+                      <a:r>
+                        <a:rPr lang="en-US" sz="1200" dirty="0" smtClean="0"/>
+                        <a:t>1-4</a:t>
+                      </a:r>
+                      <a:endParaRPr lang="en-US" sz="1200" b="1" dirty="0"/>
+                    </a:p>
+                  </a:txBody>
+                  <a:tcPr/>
+                </a:tc>
+                <a:tc>
+                  <a:txBody>
+                    <a:bodyPr/>
+                    <a:lstStyle/>
+                    <a:p>
+                      <a:r>
+                        <a:rPr lang="en-US" sz="1800" dirty="0" smtClean="0"/>
+                        <a:t>Use CHIP GPIO as input</a:t>
+                      </a:r>
+                    </a:p>
+                    <a:p>
+                      <a:pPr marL="171450" indent="-171450">
+                        <a:buFont typeface="Arial" panose="020B0604020202020204" pitchFamily="34" charset="0"/>
+                        <a:buChar char="•"/>
+                      </a:pPr>
+                      <a:r>
+                        <a:rPr lang="en-US" sz="1200" b="1" dirty="0" smtClean="0"/>
+                        <a:t>Close</a:t>
+                      </a:r>
+                      <a:r>
+                        <a:rPr lang="en-US" sz="1200" dirty="0" smtClean="0"/>
+                        <a:t> them, if you use the CHIP GPIO</a:t>
+                      </a:r>
+                      <a:r>
+                        <a:rPr lang="en-US" sz="1200" baseline="0" dirty="0" smtClean="0"/>
+                        <a:t> to generate the control signals.</a:t>
+                      </a:r>
+                    </a:p>
+                    <a:p>
+                      <a:pPr marL="171450" indent="-171450">
+                        <a:buFont typeface="Arial" panose="020B0604020202020204" pitchFamily="34" charset="0"/>
+                        <a:buChar char="•"/>
+                      </a:pPr>
+                      <a:r>
+                        <a:rPr lang="en-US" sz="1200" baseline="0" dirty="0" smtClean="0"/>
+                        <a:t>Leave them </a:t>
+                      </a:r>
+                      <a:r>
+                        <a:rPr lang="en-US" sz="1200" b="1" baseline="0" dirty="0" smtClean="0"/>
+                        <a:t>open</a:t>
+                      </a:r>
+                      <a:r>
+                        <a:rPr lang="en-US" sz="1200" baseline="0" dirty="0" smtClean="0"/>
+                        <a:t> if you want to use the screw header</a:t>
+                      </a:r>
+                      <a:endParaRPr lang="en-US" sz="1200" dirty="0"/>
+                    </a:p>
+                  </a:txBody>
+                  <a:tcPr/>
+                </a:tc>
+              </a:tr>
+              <a:tr h="416307">
+                <a:tc>
+                  <a:txBody>
+                    <a:bodyPr/>
+                    <a:lstStyle/>
+                    <a:p>
+                      <a:r>
+                        <a:rPr lang="en-US" sz="1200" b="0" dirty="0" smtClean="0"/>
+                        <a:t>5</a:t>
+                      </a:r>
+                      <a:endParaRPr lang="en-US" sz="1200" b="0" dirty="0"/>
+                    </a:p>
+                  </a:txBody>
+                  <a:tcPr/>
+                </a:tc>
+                <a:tc>
+                  <a:txBody>
+                    <a:bodyPr/>
+                    <a:lstStyle/>
+                    <a:p>
+                      <a:pPr marL="0" marR="0" indent="0" algn="l" defTabSz="914400" rtl="0" eaLnBrk="1" fontAlgn="auto" latinLnBrk="0" hangingPunct="1">
+                        <a:lnSpc>
+                          <a:spcPct val="100000"/>
+                        </a:lnSpc>
+                        <a:spcBef>
+                          <a:spcPts val="0"/>
+                        </a:spcBef>
+                        <a:spcAft>
+                          <a:spcPts val="0"/>
+                        </a:spcAft>
+                        <a:buClrTx/>
+                        <a:buSzTx/>
+                        <a:buFontTx/>
+                        <a:buNone/>
+                        <a:tabLst/>
+                        <a:defRPr/>
+                      </a:pPr>
+                      <a:r>
+                        <a:rPr lang="en-US" sz="1800" dirty="0" smtClean="0"/>
+                        <a:t>Vin to Charge in</a:t>
+                      </a:r>
+                    </a:p>
+                    <a:p>
+                      <a:pPr marL="171450" marR="0" indent="-171450" algn="l" defTabSz="914400" rtl="0" eaLnBrk="1" fontAlgn="auto" latinLnBrk="0" hangingPunct="1">
+                        <a:lnSpc>
+                          <a:spcPct val="100000"/>
+                        </a:lnSpc>
+                        <a:spcBef>
+                          <a:spcPts val="0"/>
+                        </a:spcBef>
+                        <a:spcAft>
+                          <a:spcPts val="0"/>
+                        </a:spcAft>
+                        <a:buClrTx/>
+                        <a:buSzTx/>
+                        <a:buFont typeface="Arial" panose="020B0604020202020204" pitchFamily="34" charset="0"/>
+                        <a:buChar char="•"/>
+                        <a:tabLst/>
+                        <a:defRPr/>
+                      </a:pPr>
+                      <a:r>
+                        <a:rPr lang="en-US" sz="1200" b="1" dirty="0" smtClean="0"/>
+                        <a:t>Close</a:t>
+                      </a:r>
+                      <a:r>
+                        <a:rPr lang="en-US" sz="1200" dirty="0" smtClean="0"/>
+                        <a:t> it</a:t>
+                      </a:r>
+                      <a:r>
+                        <a:rPr lang="en-US" sz="1200" baseline="0" dirty="0" smtClean="0"/>
+                        <a:t> if you Vin is 5V from a power supply or external battery to power this CHIP over this pin as well</a:t>
+                      </a:r>
+                    </a:p>
+                    <a:p>
+                      <a:pPr marL="171450" marR="0" indent="-171450" algn="l" defTabSz="914400" rtl="0" eaLnBrk="1" fontAlgn="auto" latinLnBrk="0" hangingPunct="1">
+                        <a:lnSpc>
+                          <a:spcPct val="100000"/>
+                        </a:lnSpc>
+                        <a:spcBef>
+                          <a:spcPts val="0"/>
+                        </a:spcBef>
+                        <a:spcAft>
+                          <a:spcPts val="0"/>
+                        </a:spcAft>
+                        <a:buClrTx/>
+                        <a:buSzTx/>
+                        <a:buFont typeface="Arial" panose="020B0604020202020204" pitchFamily="34" charset="0"/>
+                        <a:buChar char="•"/>
+                        <a:tabLst/>
+                        <a:defRPr/>
+                      </a:pPr>
+                      <a:r>
+                        <a:rPr lang="en-US" sz="1200" baseline="0" dirty="0" smtClean="0"/>
+                        <a:t>Leave it </a:t>
+                      </a:r>
+                      <a:r>
+                        <a:rPr lang="en-US" sz="1200" b="1" baseline="0" dirty="0" smtClean="0"/>
+                        <a:t>open</a:t>
+                      </a:r>
+                      <a:r>
+                        <a:rPr lang="en-US" sz="1200" baseline="0" dirty="0" smtClean="0"/>
+                        <a:t>, if you feed the CHIP 5V to the Vin</a:t>
+                      </a:r>
+                      <a:endParaRPr lang="en-US" sz="1200" dirty="0" smtClean="0"/>
+                    </a:p>
+                    <a:p>
+                      <a:endParaRPr lang="en-US" sz="1200" b="1" dirty="0"/>
+                    </a:p>
+                  </a:txBody>
+                  <a:tcPr/>
+                </a:tc>
+              </a:tr>
+            </a:tbl>
+          </a:graphicData>
+        </a:graphic>
+      </p:graphicFrame>
+      <p:sp>
+        <p:nvSpPr>
+          <p:cNvPr id="66" name="Subtitle 2"/>
+          <p:cNvSpPr txBox="1">
+            <a:spLocks/>
+          </p:cNvSpPr>
+          <p:nvPr/>
+        </p:nvSpPr>
+        <p:spPr>
+          <a:xfrm>
+            <a:off x="8270163" y="3187718"/>
+            <a:ext cx="815214" cy="1215592"/>
+          </a:xfrm>
+          <a:prstGeom prst="rect">
+            <a:avLst/>
+          </a:prstGeom>
+        </p:spPr>
+        <p:txBody>
+          <a:bodyPr vert="horz" lIns="91440" tIns="45720" rIns="91440" bIns="45720" rtlCol="0">
+            <a:normAutofit fontScale="77500" lnSpcReduction="20000"/>
+          </a:bodyPr>
+          <a:lstStyle>
+            <a:lvl1pPr marL="0" indent="0" algn="ctr" defTabSz="914400" rtl="0" eaLnBrk="1" latinLnBrk="0" hangingPunct="1">
+              <a:spcBef>
+                <a:spcPct val="20000"/>
+              </a:spcBef>
+              <a:buFont typeface="Arial" panose="020B0604020202020204" pitchFamily="34" charset="0"/>
+              <a:buNone/>
+              <a:defRPr sz="3200" kern="1200">
+                <a:solidFill>
+                  <a:schemeClr val="tx1">
+                    <a:tint val="75000"/>
+                  </a:schemeClr>
+                </a:solidFill>
+                <a:latin typeface="+mn-lt"/>
+                <a:ea typeface="+mn-ea"/>
+                <a:cs typeface="+mn-cs"/>
+              </a:defRPr>
+            </a:lvl1pPr>
+            <a:lvl2pPr marL="457200" indent="0" algn="ctr" defTabSz="914400" rtl="0" eaLnBrk="1" latinLnBrk="0" hangingPunct="1">
+              <a:spcBef>
+                <a:spcPct val="20000"/>
+              </a:spcBef>
+              <a:buFont typeface="Arial" panose="020B0604020202020204" pitchFamily="34" charset="0"/>
+              <a:buNone/>
+              <a:defRPr sz="2800" kern="1200">
+                <a:solidFill>
+                  <a:schemeClr val="tx1">
+                    <a:tint val="75000"/>
+                  </a:schemeClr>
+                </a:solidFill>
+                <a:latin typeface="+mn-lt"/>
+                <a:ea typeface="+mn-ea"/>
+                <a:cs typeface="+mn-cs"/>
+              </a:defRPr>
+            </a:lvl2pPr>
+            <a:lvl3pPr marL="914400" indent="0" algn="ctr" defTabSz="914400" rtl="0" eaLnBrk="1" latinLnBrk="0" hangingPunct="1">
+              <a:spcBef>
+                <a:spcPct val="20000"/>
+              </a:spcBef>
+              <a:buFont typeface="Arial" panose="020B0604020202020204" pitchFamily="34" charset="0"/>
+              <a:buNone/>
+              <a:defRPr sz="2400" kern="1200">
+                <a:solidFill>
+                  <a:schemeClr val="tx1">
+                    <a:tint val="75000"/>
+                  </a:schemeClr>
+                </a:solidFill>
+                <a:latin typeface="+mn-lt"/>
+                <a:ea typeface="+mn-ea"/>
+                <a:cs typeface="+mn-cs"/>
+              </a:defRPr>
+            </a:lvl3pPr>
+            <a:lvl4pPr marL="1371600" indent="0" algn="ctr" defTabSz="914400" rtl="0" eaLnBrk="1" latinLnBrk="0" hangingPunct="1">
+              <a:spcBef>
+                <a:spcPct val="20000"/>
+              </a:spcBef>
+              <a:buFont typeface="Arial" panose="020B0604020202020204" pitchFamily="34" charset="0"/>
+              <a:buNone/>
+              <a:defRPr sz="2000" kern="1200">
+                <a:solidFill>
+                  <a:schemeClr val="tx1">
+                    <a:tint val="75000"/>
+                  </a:schemeClr>
+                </a:solidFill>
+                <a:latin typeface="+mn-lt"/>
+                <a:ea typeface="+mn-ea"/>
+                <a:cs typeface="+mn-cs"/>
+              </a:defRPr>
+            </a:lvl4pPr>
+            <a:lvl5pPr marL="1828800" indent="0" algn="ctr" defTabSz="914400" rtl="0" eaLnBrk="1" latinLnBrk="0" hangingPunct="1">
+              <a:spcBef>
+                <a:spcPct val="20000"/>
+              </a:spcBef>
+              <a:buFont typeface="Arial" panose="020B0604020202020204" pitchFamily="34" charset="0"/>
+              <a:buNone/>
+              <a:defRPr sz="2000" kern="1200">
+                <a:solidFill>
+                  <a:schemeClr val="tx1">
+                    <a:tint val="75000"/>
+                  </a:schemeClr>
+                </a:solidFill>
+                <a:latin typeface="+mn-lt"/>
+                <a:ea typeface="+mn-ea"/>
+                <a:cs typeface="+mn-cs"/>
+              </a:defRPr>
+            </a:lvl5pPr>
+            <a:lvl6pPr marL="2286000" indent="0" algn="ctr" defTabSz="914400" rtl="0" eaLnBrk="1" latinLnBrk="0" hangingPunct="1">
+              <a:spcBef>
+                <a:spcPct val="20000"/>
+              </a:spcBef>
+              <a:buFont typeface="Arial" panose="020B0604020202020204" pitchFamily="34" charset="0"/>
+              <a:buNone/>
+              <a:defRPr sz="2000" kern="1200">
+                <a:solidFill>
+                  <a:schemeClr val="tx1">
+                    <a:tint val="75000"/>
+                  </a:schemeClr>
+                </a:solidFill>
+                <a:latin typeface="+mn-lt"/>
+                <a:ea typeface="+mn-ea"/>
+                <a:cs typeface="+mn-cs"/>
+              </a:defRPr>
+            </a:lvl6pPr>
+            <a:lvl7pPr marL="2743200" indent="0" algn="ctr" defTabSz="914400" rtl="0" eaLnBrk="1" latinLnBrk="0" hangingPunct="1">
+              <a:spcBef>
+                <a:spcPct val="20000"/>
+              </a:spcBef>
+              <a:buFont typeface="Arial" panose="020B0604020202020204" pitchFamily="34" charset="0"/>
+              <a:buNone/>
+              <a:defRPr sz="2000" kern="1200">
+                <a:solidFill>
+                  <a:schemeClr val="tx1">
+                    <a:tint val="75000"/>
+                  </a:schemeClr>
+                </a:solidFill>
+                <a:latin typeface="+mn-lt"/>
+                <a:ea typeface="+mn-ea"/>
+                <a:cs typeface="+mn-cs"/>
+              </a:defRPr>
+            </a:lvl7pPr>
+            <a:lvl8pPr marL="3200400" indent="0" algn="ctr" defTabSz="914400" rtl="0" eaLnBrk="1" latinLnBrk="0" hangingPunct="1">
+              <a:spcBef>
+                <a:spcPct val="20000"/>
+              </a:spcBef>
+              <a:buFont typeface="Arial" panose="020B0604020202020204" pitchFamily="34" charset="0"/>
+              <a:buNone/>
+              <a:defRPr sz="2000" kern="1200">
+                <a:solidFill>
+                  <a:schemeClr val="tx1">
+                    <a:tint val="75000"/>
+                  </a:schemeClr>
+                </a:solidFill>
+                <a:latin typeface="+mn-lt"/>
+                <a:ea typeface="+mn-ea"/>
+                <a:cs typeface="+mn-cs"/>
+              </a:defRPr>
+            </a:lvl8pPr>
+            <a:lvl9pPr marL="3657600" indent="0" algn="ctr" defTabSz="914400" rtl="0" eaLnBrk="1" latinLnBrk="0" hangingPunct="1">
+              <a:spcBef>
+                <a:spcPct val="20000"/>
+              </a:spcBef>
+              <a:buFont typeface="Arial" panose="020B0604020202020204" pitchFamily="34" charset="0"/>
+              <a:buNone/>
+              <a:defRPr sz="2000" kern="1200">
+                <a:solidFill>
+                  <a:schemeClr val="tx1">
+                    <a:tint val="75000"/>
+                  </a:schemeClr>
+                </a:solidFill>
+                <a:latin typeface="+mn-lt"/>
+                <a:ea typeface="+mn-ea"/>
+                <a:cs typeface="+mn-cs"/>
+              </a:defRPr>
+            </a:lvl9pPr>
+          </a:lstStyle>
+          <a:p>
+            <a:pPr algn="l"/>
+            <a:r>
+              <a:rPr lang="en-US" sz="1400" dirty="0" smtClean="0">
+                <a:solidFill>
+                  <a:schemeClr val="tx1">
+                    <a:lumMod val="65000"/>
+                    <a:lumOff val="35000"/>
+                  </a:schemeClr>
+                </a:solidFill>
+              </a:rPr>
+              <a:t>CHIP GPIO P0, P1, P2, P3 can be used instead of screw header</a:t>
+            </a:r>
+            <a:endParaRPr lang="en-US" sz="1400" dirty="0">
+              <a:solidFill>
+                <a:schemeClr val="tx1">
+                  <a:lumMod val="65000"/>
+                  <a:lumOff val="35000"/>
+                </a:schemeClr>
+              </a:solidFill>
+            </a:endParaRPr>
+          </a:p>
+        </p:txBody>
+      </p:sp>
+      <p:sp>
+        <p:nvSpPr>
+          <p:cNvPr id="67" name="Down Arrow 66"/>
+          <p:cNvSpPr/>
+          <p:nvPr/>
+        </p:nvSpPr>
+        <p:spPr>
+          <a:xfrm rot="7891378">
+            <a:off x="8079866" y="3010305"/>
+            <a:ext cx="316453" cy="279999"/>
+          </a:xfrm>
+          <a:prstGeom prst="downArrow">
+            <a:avLst/>
+          </a:prstGeom>
+        </p:spPr>
+        <p:style>
+          <a:lnRef idx="2">
+            <a:schemeClr val="accent5">
+              <a:shade val="50000"/>
+            </a:schemeClr>
+          </a:lnRef>
+          <a:fillRef idx="1">
+            <a:schemeClr val="accent5"/>
+          </a:fillRef>
+          <a:effectRef idx="0">
+            <a:schemeClr val="accent5"/>
+          </a:effectRef>
+          <a:fontRef idx="minor">
+            <a:schemeClr val="lt1"/>
+          </a:fontRef>
+        </p:style>
+        <p:txBody>
+          <a:bodyPr rtlCol="0" anchor="ctr"/>
+          <a:lstStyle/>
+          <a:p>
+            <a:pPr algn="ctr"/>
+            <a:endParaRPr lang="en-US"/>
+          </a:p>
+        </p:txBody>
+      </p:sp>
+      <p:sp>
+        <p:nvSpPr>
+          <p:cNvPr id="44" name="Subtitle 2"/>
+          <p:cNvSpPr txBox="1">
+            <a:spLocks/>
+          </p:cNvSpPr>
+          <p:nvPr/>
+        </p:nvSpPr>
+        <p:spPr>
+          <a:xfrm>
+            <a:off x="3243808" y="646573"/>
+            <a:ext cx="1944216" cy="381073"/>
+          </a:xfrm>
+          <a:prstGeom prst="rect">
+            <a:avLst/>
+          </a:prstGeom>
+        </p:spPr>
+        <p:txBody>
+          <a:bodyPr vert="horz" lIns="91440" tIns="45720" rIns="91440" bIns="45720" rtlCol="0">
+            <a:normAutofit/>
+          </a:bodyPr>
+          <a:lstStyle>
+            <a:lvl1pPr marL="0" indent="0" algn="ctr" defTabSz="914400" rtl="0" eaLnBrk="1" latinLnBrk="0" hangingPunct="1">
+              <a:spcBef>
+                <a:spcPct val="20000"/>
+              </a:spcBef>
+              <a:buFont typeface="Arial" panose="020B0604020202020204" pitchFamily="34" charset="0"/>
+              <a:buNone/>
+              <a:defRPr sz="3200" kern="1200">
+                <a:solidFill>
+                  <a:schemeClr val="tx1">
+                    <a:tint val="75000"/>
+                  </a:schemeClr>
+                </a:solidFill>
+                <a:latin typeface="+mn-lt"/>
+                <a:ea typeface="+mn-ea"/>
+                <a:cs typeface="+mn-cs"/>
+              </a:defRPr>
+            </a:lvl1pPr>
+            <a:lvl2pPr marL="457200" indent="0" algn="ctr" defTabSz="914400" rtl="0" eaLnBrk="1" latinLnBrk="0" hangingPunct="1">
+              <a:spcBef>
+                <a:spcPct val="20000"/>
+              </a:spcBef>
+              <a:buFont typeface="Arial" panose="020B0604020202020204" pitchFamily="34" charset="0"/>
+              <a:buNone/>
+              <a:defRPr sz="2800" kern="1200">
+                <a:solidFill>
+                  <a:schemeClr val="tx1">
+                    <a:tint val="75000"/>
+                  </a:schemeClr>
+                </a:solidFill>
+                <a:latin typeface="+mn-lt"/>
+                <a:ea typeface="+mn-ea"/>
+                <a:cs typeface="+mn-cs"/>
+              </a:defRPr>
+            </a:lvl2pPr>
+            <a:lvl3pPr marL="914400" indent="0" algn="ctr" defTabSz="914400" rtl="0" eaLnBrk="1" latinLnBrk="0" hangingPunct="1">
+              <a:spcBef>
+                <a:spcPct val="20000"/>
+              </a:spcBef>
+              <a:buFont typeface="Arial" panose="020B0604020202020204" pitchFamily="34" charset="0"/>
+              <a:buNone/>
+              <a:defRPr sz="2400" kern="1200">
+                <a:solidFill>
+                  <a:schemeClr val="tx1">
+                    <a:tint val="75000"/>
+                  </a:schemeClr>
+                </a:solidFill>
+                <a:latin typeface="+mn-lt"/>
+                <a:ea typeface="+mn-ea"/>
+                <a:cs typeface="+mn-cs"/>
+              </a:defRPr>
+            </a:lvl3pPr>
+            <a:lvl4pPr marL="1371600" indent="0" algn="ctr" defTabSz="914400" rtl="0" eaLnBrk="1" latinLnBrk="0" hangingPunct="1">
+              <a:spcBef>
+                <a:spcPct val="20000"/>
+              </a:spcBef>
+              <a:buFont typeface="Arial" panose="020B0604020202020204" pitchFamily="34" charset="0"/>
+              <a:buNone/>
+              <a:defRPr sz="2000" kern="1200">
+                <a:solidFill>
+                  <a:schemeClr val="tx1">
+                    <a:tint val="75000"/>
+                  </a:schemeClr>
+                </a:solidFill>
+                <a:latin typeface="+mn-lt"/>
+                <a:ea typeface="+mn-ea"/>
+                <a:cs typeface="+mn-cs"/>
+              </a:defRPr>
+            </a:lvl4pPr>
+            <a:lvl5pPr marL="1828800" indent="0" algn="ctr" defTabSz="914400" rtl="0" eaLnBrk="1" latinLnBrk="0" hangingPunct="1">
+              <a:spcBef>
+                <a:spcPct val="20000"/>
+              </a:spcBef>
+              <a:buFont typeface="Arial" panose="020B0604020202020204" pitchFamily="34" charset="0"/>
+              <a:buNone/>
+              <a:defRPr sz="2000" kern="1200">
+                <a:solidFill>
+                  <a:schemeClr val="tx1">
+                    <a:tint val="75000"/>
+                  </a:schemeClr>
+                </a:solidFill>
+                <a:latin typeface="+mn-lt"/>
+                <a:ea typeface="+mn-ea"/>
+                <a:cs typeface="+mn-cs"/>
+              </a:defRPr>
+            </a:lvl5pPr>
+            <a:lvl6pPr marL="2286000" indent="0" algn="ctr" defTabSz="914400" rtl="0" eaLnBrk="1" latinLnBrk="0" hangingPunct="1">
+              <a:spcBef>
+                <a:spcPct val="20000"/>
+              </a:spcBef>
+              <a:buFont typeface="Arial" panose="020B0604020202020204" pitchFamily="34" charset="0"/>
+              <a:buNone/>
+              <a:defRPr sz="2000" kern="1200">
+                <a:solidFill>
+                  <a:schemeClr val="tx1">
+                    <a:tint val="75000"/>
+                  </a:schemeClr>
+                </a:solidFill>
+                <a:latin typeface="+mn-lt"/>
+                <a:ea typeface="+mn-ea"/>
+                <a:cs typeface="+mn-cs"/>
+              </a:defRPr>
+            </a:lvl6pPr>
+            <a:lvl7pPr marL="2743200" indent="0" algn="ctr" defTabSz="914400" rtl="0" eaLnBrk="1" latinLnBrk="0" hangingPunct="1">
+              <a:spcBef>
+                <a:spcPct val="20000"/>
+              </a:spcBef>
+              <a:buFont typeface="Arial" panose="020B0604020202020204" pitchFamily="34" charset="0"/>
+              <a:buNone/>
+              <a:defRPr sz="2000" kern="1200">
+                <a:solidFill>
+                  <a:schemeClr val="tx1">
+                    <a:tint val="75000"/>
+                  </a:schemeClr>
+                </a:solidFill>
+                <a:latin typeface="+mn-lt"/>
+                <a:ea typeface="+mn-ea"/>
+                <a:cs typeface="+mn-cs"/>
+              </a:defRPr>
+            </a:lvl7pPr>
+            <a:lvl8pPr marL="3200400" indent="0" algn="ctr" defTabSz="914400" rtl="0" eaLnBrk="1" latinLnBrk="0" hangingPunct="1">
+              <a:spcBef>
+                <a:spcPct val="20000"/>
+              </a:spcBef>
+              <a:buFont typeface="Arial" panose="020B0604020202020204" pitchFamily="34" charset="0"/>
+              <a:buNone/>
+              <a:defRPr sz="2000" kern="1200">
+                <a:solidFill>
+                  <a:schemeClr val="tx1">
+                    <a:tint val="75000"/>
+                  </a:schemeClr>
+                </a:solidFill>
+                <a:latin typeface="+mn-lt"/>
+                <a:ea typeface="+mn-ea"/>
+                <a:cs typeface="+mn-cs"/>
+              </a:defRPr>
+            </a:lvl8pPr>
+            <a:lvl9pPr marL="3657600" indent="0" algn="ctr" defTabSz="914400" rtl="0" eaLnBrk="1" latinLnBrk="0" hangingPunct="1">
+              <a:spcBef>
+                <a:spcPct val="20000"/>
+              </a:spcBef>
+              <a:buFont typeface="Arial" panose="020B0604020202020204" pitchFamily="34" charset="0"/>
+              <a:buNone/>
+              <a:defRPr sz="2000" kern="1200">
+                <a:solidFill>
+                  <a:schemeClr val="tx1">
+                    <a:tint val="75000"/>
+                  </a:schemeClr>
+                </a:solidFill>
+                <a:latin typeface="+mn-lt"/>
+                <a:ea typeface="+mn-ea"/>
+                <a:cs typeface="+mn-cs"/>
+              </a:defRPr>
+            </a:lvl9pPr>
+          </a:lstStyle>
+          <a:p>
+            <a:pPr algn="l"/>
+            <a:r>
+              <a:rPr lang="en-US" sz="1400" dirty="0" smtClean="0">
+                <a:solidFill>
+                  <a:schemeClr val="tx1">
+                    <a:lumMod val="65000"/>
+                    <a:lumOff val="35000"/>
+                  </a:schemeClr>
+                </a:solidFill>
+              </a:rPr>
+              <a:t>SJ5</a:t>
+            </a:r>
+            <a:endParaRPr lang="en-US" sz="1400" dirty="0">
+              <a:solidFill>
+                <a:schemeClr val="tx1">
+                  <a:lumMod val="65000"/>
+                  <a:lumOff val="35000"/>
+                </a:schemeClr>
+              </a:solidFill>
+            </a:endParaRPr>
+          </a:p>
+        </p:txBody>
+      </p:sp>
+      <p:sp>
+        <p:nvSpPr>
+          <p:cNvPr id="45" name="Down Arrow 44"/>
+          <p:cNvSpPr/>
+          <p:nvPr/>
+        </p:nvSpPr>
+        <p:spPr>
+          <a:xfrm rot="16883061">
+            <a:off x="3941052" y="599531"/>
+            <a:ext cx="316453" cy="604097"/>
+          </a:xfrm>
+          <a:prstGeom prst="downArrow">
+            <a:avLst/>
+          </a:prstGeom>
+        </p:spPr>
+        <p:style>
+          <a:lnRef idx="2">
+            <a:schemeClr val="accent5">
+              <a:shade val="50000"/>
+            </a:schemeClr>
+          </a:lnRef>
+          <a:fillRef idx="1">
+            <a:schemeClr val="accent5"/>
+          </a:fillRef>
+          <a:effectRef idx="0">
+            <a:schemeClr val="accent5"/>
+          </a:effectRef>
+          <a:fontRef idx="minor">
+            <a:schemeClr val="lt1"/>
+          </a:fontRef>
+        </p:style>
+        <p:txBody>
+          <a:bodyPr rtlCol="0" anchor="ctr"/>
+          <a:lstStyle/>
+          <a:p>
+            <a:pPr algn="ctr"/>
+            <a:endParaRPr lang="en-US"/>
+          </a:p>
+        </p:txBody>
+      </p:sp>
+    </p:spTree>
+    <p:extLst>
+      <p:ext uri="{BB962C8B-B14F-4D97-AF65-F5344CB8AC3E}">
+        <p14:creationId xmlns:p14="http://schemas.microsoft.com/office/powerpoint/2010/main" val="1766936718"/>
+      </p:ext>
+    </p:extLst>
+  </p:cSld>
+  <p:clrMapOvr>
+    <a:masterClrMapping/>
+  </p:clrMapOvr>
+</p:sld>
+</file>
+
 <file path=ppt/theme/theme1.xml><?xml version="1.0" encoding="utf-8"?>
 <a:theme xmlns:a="http://schemas.openxmlformats.org/drawingml/2006/main" name="Office Theme">
   <a:themeElements>
